--- a/2022/June_Batch/5Javascript/others/new-version/10javascript - OOPS.pptx
+++ b/2022/June_Batch/5Javascript/others/new-version/10javascript - OOPS.pptx
@@ -6,24 +6,27 @@
   </p:sldMasterIdLst>
   <p:sldIdLst>
     <p:sldId id="289" r:id="rId2"/>
-    <p:sldId id="290" r:id="rId3"/>
-    <p:sldId id="291" r:id="rId4"/>
-    <p:sldId id="292" r:id="rId5"/>
-    <p:sldId id="293" r:id="rId6"/>
-    <p:sldId id="294" r:id="rId7"/>
-    <p:sldId id="295" r:id="rId8"/>
-    <p:sldId id="296" r:id="rId9"/>
-    <p:sldId id="297" r:id="rId10"/>
-    <p:sldId id="298" r:id="rId11"/>
-    <p:sldId id="299" r:id="rId12"/>
-    <p:sldId id="300" r:id="rId13"/>
-    <p:sldId id="301" r:id="rId14"/>
-    <p:sldId id="302" r:id="rId15"/>
-    <p:sldId id="303" r:id="rId16"/>
-    <p:sldId id="304" r:id="rId17"/>
-    <p:sldId id="305" r:id="rId18"/>
-    <p:sldId id="306" r:id="rId19"/>
-    <p:sldId id="307" r:id="rId20"/>
+    <p:sldId id="308" r:id="rId3"/>
+    <p:sldId id="309" r:id="rId4"/>
+    <p:sldId id="310" r:id="rId5"/>
+    <p:sldId id="290" r:id="rId6"/>
+    <p:sldId id="291" r:id="rId7"/>
+    <p:sldId id="292" r:id="rId8"/>
+    <p:sldId id="293" r:id="rId9"/>
+    <p:sldId id="294" r:id="rId10"/>
+    <p:sldId id="295" r:id="rId11"/>
+    <p:sldId id="296" r:id="rId12"/>
+    <p:sldId id="297" r:id="rId13"/>
+    <p:sldId id="298" r:id="rId14"/>
+    <p:sldId id="299" r:id="rId15"/>
+    <p:sldId id="300" r:id="rId16"/>
+    <p:sldId id="301" r:id="rId17"/>
+    <p:sldId id="302" r:id="rId18"/>
+    <p:sldId id="303" r:id="rId19"/>
+    <p:sldId id="304" r:id="rId20"/>
+    <p:sldId id="305" r:id="rId21"/>
+    <p:sldId id="306" r:id="rId22"/>
+    <p:sldId id="307" r:id="rId23"/>
   </p:sldIdLst>
   <p:sldSz cx="12192000" cy="6858000"/>
   <p:notesSz cx="6858000" cy="9144000"/>
@@ -273,7 +276,7 @@
             <a:fld id="{7FCC5AE5-E495-4913-B643-A95A6AFABB00}" type="datetimeFigureOut">
               <a:rPr kumimoji="1" lang="ja-JP" altLang="en-US" smtClean="0"/>
               <a:pPr/>
-              <a:t>2022/8/18</a:t>
+              <a:t>2022/8/24</a:t>
             </a:fld>
             <a:endParaRPr kumimoji="1" lang="ja-JP" altLang="en-US"/>
           </a:p>
@@ -445,7 +448,7 @@
             <a:fld id="{7FCC5AE5-E495-4913-B643-A95A6AFABB00}" type="datetimeFigureOut">
               <a:rPr kumimoji="1" lang="ja-JP" altLang="en-US" smtClean="0"/>
               <a:pPr/>
-              <a:t>2022/8/18</a:t>
+              <a:t>2022/8/24</a:t>
             </a:fld>
             <a:endParaRPr kumimoji="1" lang="ja-JP" altLang="en-US"/>
           </a:p>
@@ -627,7 +630,7 @@
             <a:fld id="{7FCC5AE5-E495-4913-B643-A95A6AFABB00}" type="datetimeFigureOut">
               <a:rPr kumimoji="1" lang="ja-JP" altLang="en-US" smtClean="0"/>
               <a:pPr/>
-              <a:t>2022/8/18</a:t>
+              <a:t>2022/8/24</a:t>
             </a:fld>
             <a:endParaRPr kumimoji="1" lang="ja-JP" altLang="en-US"/>
           </a:p>
@@ -799,7 +802,7 @@
             <a:fld id="{7FCC5AE5-E495-4913-B643-A95A6AFABB00}" type="datetimeFigureOut">
               <a:rPr kumimoji="1" lang="ja-JP" altLang="en-US" smtClean="0"/>
               <a:pPr/>
-              <a:t>2022/8/18</a:t>
+              <a:t>2022/8/24</a:t>
             </a:fld>
             <a:endParaRPr kumimoji="1" lang="ja-JP" altLang="en-US"/>
           </a:p>
@@ -1047,7 +1050,7 @@
             <a:fld id="{7FCC5AE5-E495-4913-B643-A95A6AFABB00}" type="datetimeFigureOut">
               <a:rPr kumimoji="1" lang="ja-JP" altLang="en-US" smtClean="0"/>
               <a:pPr/>
-              <a:t>2022/8/18</a:t>
+              <a:t>2022/8/24</a:t>
             </a:fld>
             <a:endParaRPr kumimoji="1" lang="ja-JP" altLang="en-US"/>
           </a:p>
@@ -1281,7 +1284,7 @@
             <a:fld id="{7FCC5AE5-E495-4913-B643-A95A6AFABB00}" type="datetimeFigureOut">
               <a:rPr kumimoji="1" lang="ja-JP" altLang="en-US" smtClean="0"/>
               <a:pPr/>
-              <a:t>2022/8/18</a:t>
+              <a:t>2022/8/24</a:t>
             </a:fld>
             <a:endParaRPr kumimoji="1" lang="ja-JP" altLang="en-US"/>
           </a:p>
@@ -1650,7 +1653,7 @@
             <a:fld id="{7FCC5AE5-E495-4913-B643-A95A6AFABB00}" type="datetimeFigureOut">
               <a:rPr kumimoji="1" lang="ja-JP" altLang="en-US" smtClean="0"/>
               <a:pPr/>
-              <a:t>2022/8/18</a:t>
+              <a:t>2022/8/24</a:t>
             </a:fld>
             <a:endParaRPr kumimoji="1" lang="ja-JP" altLang="en-US"/>
           </a:p>
@@ -1770,7 +1773,7 @@
             <a:fld id="{7FCC5AE5-E495-4913-B643-A95A6AFABB00}" type="datetimeFigureOut">
               <a:rPr kumimoji="1" lang="ja-JP" altLang="en-US" smtClean="0"/>
               <a:pPr/>
-              <a:t>2022/8/18</a:t>
+              <a:t>2022/8/24</a:t>
             </a:fld>
             <a:endParaRPr kumimoji="1" lang="ja-JP" altLang="en-US"/>
           </a:p>
@@ -1867,7 +1870,7 @@
             <a:fld id="{7FCC5AE5-E495-4913-B643-A95A6AFABB00}" type="datetimeFigureOut">
               <a:rPr kumimoji="1" lang="ja-JP" altLang="en-US" smtClean="0"/>
               <a:pPr/>
-              <a:t>2022/8/18</a:t>
+              <a:t>2022/8/24</a:t>
             </a:fld>
             <a:endParaRPr kumimoji="1" lang="ja-JP" altLang="en-US"/>
           </a:p>
@@ -2146,7 +2149,7 @@
             <a:fld id="{7FCC5AE5-E495-4913-B643-A95A6AFABB00}" type="datetimeFigureOut">
               <a:rPr kumimoji="1" lang="ja-JP" altLang="en-US" smtClean="0"/>
               <a:pPr/>
-              <a:t>2022/8/18</a:t>
+              <a:t>2022/8/24</a:t>
             </a:fld>
             <a:endParaRPr kumimoji="1" lang="ja-JP" altLang="en-US"/>
           </a:p>
@@ -2405,7 +2408,7 @@
             <a:fld id="{7FCC5AE5-E495-4913-B643-A95A6AFABB00}" type="datetimeFigureOut">
               <a:rPr kumimoji="1" lang="ja-JP" altLang="en-US" smtClean="0"/>
               <a:pPr/>
-              <a:t>2022/8/18</a:t>
+              <a:t>2022/8/24</a:t>
             </a:fld>
             <a:endParaRPr kumimoji="1" lang="ja-JP" altLang="en-US"/>
           </a:p>
@@ -2620,7 +2623,7 @@
             <a:fld id="{7FCC5AE5-E495-4913-B643-A95A6AFABB00}" type="datetimeFigureOut">
               <a:rPr kumimoji="1" lang="ja-JP" altLang="en-US" smtClean="0"/>
               <a:pPr/>
-              <a:t>2022/8/18</a:t>
+              <a:t>2022/8/24</a:t>
             </a:fld>
             <a:endParaRPr kumimoji="1" lang="ja-JP" altLang="en-US"/>
           </a:p>
@@ -3084,7 +3087,7 @@
         <p:spPr>
           <a:xfrm>
             <a:off x="0" y="0"/>
-            <a:ext cx="4310743" cy="6858000"/>
+            <a:ext cx="7001691" cy="6858000"/>
           </a:xfrm>
           <a:prstGeom prst="rect">
             <a:avLst/>
@@ -3216,11 +3219,7 @@
           <a:p>
             <a:r>
               <a:rPr lang="en-US" dirty="0" smtClean="0"/>
-              <a:t>3 Ways of Implementing  Prototypal Inheritance in </a:t>
-            </a:r>
-            <a:r>
-              <a:rPr lang="en-US" dirty="0" err="1" smtClean="0"/>
-              <a:t>Javascript</a:t>
+              <a:t>Inheritance</a:t>
             </a:r>
             <a:endParaRPr lang="en-US" dirty="0"/>
           </a:p>
@@ -3228,7 +3227,7 @@
       </p:sp>
       <p:pic>
         <p:nvPicPr>
-          <p:cNvPr id="9218" name="Picture 2"/>
+          <p:cNvPr id="6146" name="Picture 2"/>
           <p:cNvPicPr>
             <a:picLocks noGrp="1" noChangeAspect="1" noChangeArrowheads="1"/>
           </p:cNvPicPr>
@@ -3245,8 +3244,8 @@
         </p:blipFill>
         <p:spPr bwMode="auto">
           <a:xfrm>
-            <a:off x="1145448" y="1604395"/>
-            <a:ext cx="9984105" cy="4430645"/>
+            <a:off x="1152253" y="1663858"/>
+            <a:ext cx="10604318" cy="4736941"/>
           </a:xfrm>
           <a:prstGeom prst="rect">
             <a:avLst/>
@@ -3303,7 +3302,7 @@
           <a:p>
             <a:r>
               <a:rPr lang="en-US" dirty="0" smtClean="0"/>
-              <a:t>Constructor Function</a:t>
+              <a:t>Polymorphism</a:t>
             </a:r>
             <a:endParaRPr lang="en-US" dirty="0"/>
           </a:p>
@@ -3311,7 +3310,7 @@
       </p:sp>
       <p:pic>
         <p:nvPicPr>
-          <p:cNvPr id="10243" name="Picture 3"/>
+          <p:cNvPr id="7170" name="Picture 2"/>
           <p:cNvPicPr>
             <a:picLocks noGrp="1" noChangeAspect="1" noChangeArrowheads="1"/>
           </p:cNvPicPr>
@@ -3328,8 +3327,8 @@
         </p:blipFill>
         <p:spPr bwMode="auto">
           <a:xfrm>
-            <a:off x="806767" y="1708626"/>
-            <a:ext cx="10766924" cy="4666048"/>
+            <a:off x="1134290" y="1762374"/>
+            <a:ext cx="10230395" cy="4546985"/>
           </a:xfrm>
           <a:prstGeom prst="rect">
             <a:avLst/>
@@ -3386,7 +3385,11 @@
           <a:p>
             <a:r>
               <a:rPr lang="en-US" dirty="0" smtClean="0"/>
-              <a:t>Prototypes</a:t>
+              <a:t>OOPS in </a:t>
+            </a:r>
+            <a:r>
+              <a:rPr lang="en-US" dirty="0" err="1" smtClean="0"/>
+              <a:t>Javascript</a:t>
             </a:r>
             <a:endParaRPr lang="en-US" dirty="0"/>
           </a:p>
@@ -3394,7 +3397,7 @@
       </p:sp>
       <p:pic>
         <p:nvPicPr>
-          <p:cNvPr id="11267" name="Picture 3"/>
+          <p:cNvPr id="8195" name="Picture 3"/>
           <p:cNvPicPr>
             <a:picLocks noGrp="1" noChangeAspect="1" noChangeArrowheads="1"/>
           </p:cNvPicPr>
@@ -3411,8 +3414,8 @@
         </p:blipFill>
         <p:spPr bwMode="auto">
           <a:xfrm>
-            <a:off x="875755" y="1740602"/>
-            <a:ext cx="10515055" cy="4751637"/>
+            <a:off x="914400" y="1825625"/>
+            <a:ext cx="10907486" cy="4351338"/>
           </a:xfrm>
           <a:prstGeom prst="rect">
             <a:avLst/>
@@ -3469,7 +3472,11 @@
           <a:p>
             <a:r>
               <a:rPr lang="en-US" dirty="0" smtClean="0"/>
-              <a:t>How Prototypal Inheritance</a:t>
+              <a:t>3 Ways of Implementing  Prototypal Inheritance in </a:t>
+            </a:r>
+            <a:r>
+              <a:rPr lang="en-US" dirty="0" err="1" smtClean="0"/>
+              <a:t>Javascript</a:t>
             </a:r>
             <a:endParaRPr lang="en-US" dirty="0"/>
           </a:p>
@@ -3477,7 +3484,7 @@
       </p:sp>
       <p:pic>
         <p:nvPicPr>
-          <p:cNvPr id="12290" name="Picture 2"/>
+          <p:cNvPr id="9218" name="Picture 2"/>
           <p:cNvPicPr>
             <a:picLocks noGrp="1" noChangeAspect="1" noChangeArrowheads="1"/>
           </p:cNvPicPr>
@@ -3494,8 +3501,8 @@
         </p:blipFill>
         <p:spPr bwMode="auto">
           <a:xfrm>
-            <a:off x="888682" y="1761150"/>
-            <a:ext cx="10476004" cy="4691901"/>
+            <a:off x="1145448" y="1604395"/>
+            <a:ext cx="9984105" cy="4430645"/>
           </a:xfrm>
           <a:prstGeom prst="rect">
             <a:avLst/>
@@ -3552,7 +3559,7 @@
           <a:p>
             <a:r>
               <a:rPr lang="en-US" dirty="0" smtClean="0"/>
-              <a:t>Prototype Chain</a:t>
+              <a:t>Constructor Function</a:t>
             </a:r>
             <a:endParaRPr lang="en-US" dirty="0"/>
           </a:p>
@@ -3560,7 +3567,7 @@
       </p:sp>
       <p:pic>
         <p:nvPicPr>
-          <p:cNvPr id="13314" name="Picture 2"/>
+          <p:cNvPr id="10243" name="Picture 3"/>
           <p:cNvPicPr>
             <a:picLocks noGrp="1" noChangeAspect="1" noChangeArrowheads="1"/>
           </p:cNvPicPr>
@@ -3577,8 +3584,8 @@
         </p:blipFill>
         <p:spPr bwMode="auto">
           <a:xfrm>
-            <a:off x="502919" y="1528468"/>
-            <a:ext cx="11149149" cy="5329532"/>
+            <a:off x="806767" y="1708626"/>
+            <a:ext cx="10766924" cy="4666048"/>
           </a:xfrm>
           <a:prstGeom prst="rect">
             <a:avLst/>
@@ -3635,7 +3642,7 @@
           <a:p>
             <a:r>
               <a:rPr lang="en-US" dirty="0" smtClean="0"/>
-              <a:t>Prototypal  Inheritance on Built in Objects</a:t>
+              <a:t>Prototypes</a:t>
             </a:r>
             <a:endParaRPr lang="en-US" dirty="0"/>
           </a:p>
@@ -3643,7 +3650,7 @@
       </p:sp>
       <p:pic>
         <p:nvPicPr>
-          <p:cNvPr id="14338" name="Picture 2"/>
+          <p:cNvPr id="11267" name="Picture 3"/>
           <p:cNvPicPr>
             <a:picLocks noGrp="1" noChangeAspect="1" noChangeArrowheads="1"/>
           </p:cNvPicPr>
@@ -3660,8 +3667,8 @@
         </p:blipFill>
         <p:spPr bwMode="auto">
           <a:xfrm>
-            <a:off x="608511" y="1860618"/>
-            <a:ext cx="10743112" cy="4723062"/>
+            <a:off x="875755" y="1740602"/>
+            <a:ext cx="10515055" cy="4751637"/>
           </a:xfrm>
           <a:prstGeom prst="rect">
             <a:avLst/>
@@ -3718,15 +3725,7 @@
           <a:p>
             <a:r>
               <a:rPr lang="en-US" dirty="0" smtClean="0"/>
-              <a:t>How </a:t>
-            </a:r>
-            <a:r>
-              <a:rPr lang="en-US" dirty="0" err="1" smtClean="0"/>
-              <a:t>Object.create</a:t>
-            </a:r>
-            <a:r>
-              <a:rPr lang="en-US" dirty="0" smtClean="0"/>
-              <a:t> Works</a:t>
+              <a:t>How Prototypal Inheritance</a:t>
             </a:r>
             <a:endParaRPr lang="en-US" dirty="0"/>
           </a:p>
@@ -3734,7 +3733,7 @@
       </p:sp>
       <p:pic>
         <p:nvPicPr>
-          <p:cNvPr id="15363" name="Picture 3"/>
+          <p:cNvPr id="12290" name="Picture 2"/>
           <p:cNvPicPr>
             <a:picLocks noGrp="1" noChangeAspect="1" noChangeArrowheads="1"/>
           </p:cNvPicPr>
@@ -3751,8 +3750,8 @@
         </p:blipFill>
         <p:spPr bwMode="auto">
           <a:xfrm>
-            <a:off x="526460" y="1716110"/>
-            <a:ext cx="11465243" cy="4893695"/>
+            <a:off x="888682" y="1761150"/>
+            <a:ext cx="10476004" cy="4691901"/>
           </a:xfrm>
           <a:prstGeom prst="rect">
             <a:avLst/>
@@ -3809,11 +3808,7 @@
           <a:p>
             <a:r>
               <a:rPr lang="en-US" dirty="0" smtClean="0"/>
-              <a:t>Inheritance in </a:t>
-            </a:r>
-            <a:r>
-              <a:rPr lang="en-US" dirty="0" err="1" smtClean="0"/>
-              <a:t>Object.create</a:t>
+              <a:t>Prototype Chain</a:t>
             </a:r>
             <a:endParaRPr lang="en-US" dirty="0"/>
           </a:p>
@@ -3821,7 +3816,7 @@
       </p:sp>
       <p:pic>
         <p:nvPicPr>
-          <p:cNvPr id="16387" name="Picture 3"/>
+          <p:cNvPr id="13314" name="Picture 2"/>
           <p:cNvPicPr>
             <a:picLocks noGrp="1" noChangeAspect="1" noChangeArrowheads="1"/>
           </p:cNvPicPr>
@@ -3838,8 +3833,8 @@
         </p:blipFill>
         <p:spPr bwMode="auto">
           <a:xfrm>
-            <a:off x="818741" y="2001043"/>
-            <a:ext cx="10232436" cy="4386693"/>
+            <a:off x="502919" y="1528468"/>
+            <a:ext cx="11149149" cy="5329532"/>
           </a:xfrm>
           <a:prstGeom prst="rect">
             <a:avLst/>
@@ -3896,11 +3891,7 @@
           <a:p>
             <a:r>
               <a:rPr lang="en-US" dirty="0" smtClean="0"/>
-              <a:t>Inheritance – </a:t>
-            </a:r>
-            <a:r>
-              <a:rPr lang="en-US" dirty="0" err="1" smtClean="0"/>
-              <a:t>Object.create</a:t>
+              <a:t>Prototypal  Inheritance on Built in Objects</a:t>
             </a:r>
             <a:endParaRPr lang="en-US" dirty="0"/>
           </a:p>
@@ -3908,7 +3899,7 @@
       </p:sp>
       <p:pic>
         <p:nvPicPr>
-          <p:cNvPr id="17410" name="Picture 2"/>
+          <p:cNvPr id="14338" name="Picture 2"/>
           <p:cNvPicPr>
             <a:picLocks noGrp="1" noChangeAspect="1" noChangeArrowheads="1"/>
           </p:cNvPicPr>
@@ -3925,8 +3916,8 @@
         </p:blipFill>
         <p:spPr bwMode="auto">
           <a:xfrm>
-            <a:off x="862149" y="1829865"/>
-            <a:ext cx="5460274" cy="4374992"/>
+            <a:off x="608511" y="1860618"/>
+            <a:ext cx="10743112" cy="4723062"/>
           </a:xfrm>
           <a:prstGeom prst="rect">
             <a:avLst/>
@@ -3983,7 +3974,15 @@
           <a:p>
             <a:r>
               <a:rPr lang="en-US" dirty="0" smtClean="0"/>
-              <a:t>Chaining Methods</a:t>
+              <a:t>How </a:t>
+            </a:r>
+            <a:r>
+              <a:rPr lang="en-US" dirty="0" err="1" smtClean="0"/>
+              <a:t>Object.create</a:t>
+            </a:r>
+            <a:r>
+              <a:rPr lang="en-US" dirty="0" smtClean="0"/>
+              <a:t> Works</a:t>
             </a:r>
             <a:endParaRPr lang="en-US" dirty="0"/>
           </a:p>
@@ -3991,7 +3990,7 @@
       </p:sp>
       <p:pic>
         <p:nvPicPr>
-          <p:cNvPr id="18434" name="Picture 2"/>
+          <p:cNvPr id="15363" name="Picture 3"/>
           <p:cNvPicPr>
             <a:picLocks noGrp="1" noChangeAspect="1" noChangeArrowheads="1"/>
           </p:cNvPicPr>
@@ -4008,8 +4007,8 @@
         </p:blipFill>
         <p:spPr bwMode="auto">
           <a:xfrm>
-            <a:off x="839017" y="1530509"/>
-            <a:ext cx="10669360" cy="4922542"/>
+            <a:off x="526460" y="1716110"/>
+            <a:ext cx="11465243" cy="4893695"/>
           </a:xfrm>
           <a:prstGeom prst="rect">
             <a:avLst/>
@@ -4065,8 +4064,12 @@
           <a:lstStyle/>
           <a:p>
             <a:r>
-              <a:rPr lang="en-US" dirty="0" smtClean="0"/>
-              <a:t>Object Oriented Programming</a:t>
+              <a:rPr lang="en-IN" dirty="0" err="1" smtClean="0"/>
+              <a:t>Datatypes</a:t>
+            </a:r>
+            <a:r>
+              <a:rPr lang="en-IN" dirty="0" smtClean="0"/>
+              <a:t>:</a:t>
             </a:r>
             <a:endParaRPr lang="en-US" dirty="0"/>
           </a:p>
@@ -4074,7 +4077,7 @@
       </p:sp>
       <p:pic>
         <p:nvPicPr>
-          <p:cNvPr id="1027" name="Picture 3"/>
+          <p:cNvPr id="1026" name="Picture 2"/>
           <p:cNvPicPr>
             <a:picLocks noGrp="1" noChangeAspect="1" noChangeArrowheads="1"/>
           </p:cNvPicPr>
@@ -4091,8 +4094,265 @@
         </p:blipFill>
         <p:spPr bwMode="auto">
           <a:xfrm>
-            <a:off x="838200" y="1934773"/>
-            <a:ext cx="10515600" cy="4133041"/>
+            <a:off x="940526" y="1985554"/>
+            <a:ext cx="10855234" cy="4402183"/>
+          </a:xfrm>
+          <a:prstGeom prst="rect">
+            <a:avLst/>
+          </a:prstGeom>
+          <a:noFill/>
+          <a:ln w="9525">
+            <a:noFill/>
+            <a:miter lim="800000"/>
+            <a:headEnd/>
+            <a:tailEnd/>
+          </a:ln>
+          <a:effectLst/>
+        </p:spPr>
+      </p:pic>
+    </p:spTree>
+  </p:cSld>
+  <p:clrMapOvr>
+    <a:masterClrMapping/>
+  </p:clrMapOvr>
+</p:sld>
+</file>
+
+<file path=ppt/slides/slide20.xml><?xml version="1.0" encoding="utf-8"?>
+<p:sld xmlns:a="http://schemas.openxmlformats.org/drawingml/2006/main" xmlns:r="http://schemas.openxmlformats.org/officeDocument/2006/relationships" xmlns:p="http://schemas.openxmlformats.org/presentationml/2006/main">
+  <p:cSld>
+    <p:spTree>
+      <p:nvGrpSpPr>
+        <p:cNvPr id="1" name=""/>
+        <p:cNvGrpSpPr/>
+        <p:nvPr/>
+      </p:nvGrpSpPr>
+      <p:grpSpPr>
+        <a:xfrm>
+          <a:off x="0" y="0"/>
+          <a:ext cx="0" cy="0"/>
+          <a:chOff x="0" y="0"/>
+          <a:chExt cx="0" cy="0"/>
+        </a:xfrm>
+      </p:grpSpPr>
+      <p:sp>
+        <p:nvSpPr>
+          <p:cNvPr id="2" name="Title 1"/>
+          <p:cNvSpPr>
+            <a:spLocks noGrp="1"/>
+          </p:cNvSpPr>
+          <p:nvPr>
+            <p:ph type="title"/>
+          </p:nvPr>
+        </p:nvSpPr>
+        <p:spPr/>
+        <p:txBody>
+          <a:bodyPr/>
+          <a:lstStyle/>
+          <a:p>
+            <a:r>
+              <a:rPr lang="en-US" dirty="0" smtClean="0"/>
+              <a:t>Inheritance in </a:t>
+            </a:r>
+            <a:r>
+              <a:rPr lang="en-US" dirty="0" err="1" smtClean="0"/>
+              <a:t>Object.create</a:t>
+            </a:r>
+            <a:endParaRPr lang="en-US" dirty="0"/>
+          </a:p>
+        </p:txBody>
+      </p:sp>
+      <p:pic>
+        <p:nvPicPr>
+          <p:cNvPr id="16387" name="Picture 3"/>
+          <p:cNvPicPr>
+            <a:picLocks noGrp="1" noChangeAspect="1" noChangeArrowheads="1"/>
+          </p:cNvPicPr>
+          <p:nvPr>
+            <p:ph idx="1"/>
+          </p:nvPr>
+        </p:nvPicPr>
+        <p:blipFill>
+          <a:blip r:embed="rId2"/>
+          <a:srcRect/>
+          <a:stretch>
+            <a:fillRect/>
+          </a:stretch>
+        </p:blipFill>
+        <p:spPr bwMode="auto">
+          <a:xfrm>
+            <a:off x="818741" y="2001043"/>
+            <a:ext cx="10232436" cy="4386693"/>
+          </a:xfrm>
+          <a:prstGeom prst="rect">
+            <a:avLst/>
+          </a:prstGeom>
+          <a:noFill/>
+          <a:ln w="9525">
+            <a:noFill/>
+            <a:miter lim="800000"/>
+            <a:headEnd/>
+            <a:tailEnd/>
+          </a:ln>
+          <a:effectLst/>
+        </p:spPr>
+      </p:pic>
+    </p:spTree>
+  </p:cSld>
+  <p:clrMapOvr>
+    <a:masterClrMapping/>
+  </p:clrMapOvr>
+</p:sld>
+</file>
+
+<file path=ppt/slides/slide21.xml><?xml version="1.0" encoding="utf-8"?>
+<p:sld xmlns:a="http://schemas.openxmlformats.org/drawingml/2006/main" xmlns:r="http://schemas.openxmlformats.org/officeDocument/2006/relationships" xmlns:p="http://schemas.openxmlformats.org/presentationml/2006/main">
+  <p:cSld>
+    <p:spTree>
+      <p:nvGrpSpPr>
+        <p:cNvPr id="1" name=""/>
+        <p:cNvGrpSpPr/>
+        <p:nvPr/>
+      </p:nvGrpSpPr>
+      <p:grpSpPr>
+        <a:xfrm>
+          <a:off x="0" y="0"/>
+          <a:ext cx="0" cy="0"/>
+          <a:chOff x="0" y="0"/>
+          <a:chExt cx="0" cy="0"/>
+        </a:xfrm>
+      </p:grpSpPr>
+      <p:sp>
+        <p:nvSpPr>
+          <p:cNvPr id="2" name="Title 1"/>
+          <p:cNvSpPr>
+            <a:spLocks noGrp="1"/>
+          </p:cNvSpPr>
+          <p:nvPr>
+            <p:ph type="title"/>
+          </p:nvPr>
+        </p:nvSpPr>
+        <p:spPr/>
+        <p:txBody>
+          <a:bodyPr/>
+          <a:lstStyle/>
+          <a:p>
+            <a:r>
+              <a:rPr lang="en-US" dirty="0" smtClean="0"/>
+              <a:t>Inheritance – </a:t>
+            </a:r>
+            <a:r>
+              <a:rPr lang="en-US" dirty="0" err="1" smtClean="0"/>
+              <a:t>Object.create</a:t>
+            </a:r>
+            <a:endParaRPr lang="en-US" dirty="0"/>
+          </a:p>
+        </p:txBody>
+      </p:sp>
+      <p:pic>
+        <p:nvPicPr>
+          <p:cNvPr id="17410" name="Picture 2"/>
+          <p:cNvPicPr>
+            <a:picLocks noGrp="1" noChangeAspect="1" noChangeArrowheads="1"/>
+          </p:cNvPicPr>
+          <p:nvPr>
+            <p:ph idx="1"/>
+          </p:nvPr>
+        </p:nvPicPr>
+        <p:blipFill>
+          <a:blip r:embed="rId2"/>
+          <a:srcRect/>
+          <a:stretch>
+            <a:fillRect/>
+          </a:stretch>
+        </p:blipFill>
+        <p:spPr bwMode="auto">
+          <a:xfrm>
+            <a:off x="862149" y="1829865"/>
+            <a:ext cx="5460274" cy="4374992"/>
+          </a:xfrm>
+          <a:prstGeom prst="rect">
+            <a:avLst/>
+          </a:prstGeom>
+          <a:noFill/>
+          <a:ln w="9525">
+            <a:noFill/>
+            <a:miter lim="800000"/>
+            <a:headEnd/>
+            <a:tailEnd/>
+          </a:ln>
+          <a:effectLst/>
+        </p:spPr>
+      </p:pic>
+    </p:spTree>
+  </p:cSld>
+  <p:clrMapOvr>
+    <a:masterClrMapping/>
+  </p:clrMapOvr>
+</p:sld>
+</file>
+
+<file path=ppt/slides/slide22.xml><?xml version="1.0" encoding="utf-8"?>
+<p:sld xmlns:a="http://schemas.openxmlformats.org/drawingml/2006/main" xmlns:r="http://schemas.openxmlformats.org/officeDocument/2006/relationships" xmlns:p="http://schemas.openxmlformats.org/presentationml/2006/main">
+  <p:cSld>
+    <p:spTree>
+      <p:nvGrpSpPr>
+        <p:cNvPr id="1" name=""/>
+        <p:cNvGrpSpPr/>
+        <p:nvPr/>
+      </p:nvGrpSpPr>
+      <p:grpSpPr>
+        <a:xfrm>
+          <a:off x="0" y="0"/>
+          <a:ext cx="0" cy="0"/>
+          <a:chOff x="0" y="0"/>
+          <a:chExt cx="0" cy="0"/>
+        </a:xfrm>
+      </p:grpSpPr>
+      <p:sp>
+        <p:nvSpPr>
+          <p:cNvPr id="2" name="Title 1"/>
+          <p:cNvSpPr>
+            <a:spLocks noGrp="1"/>
+          </p:cNvSpPr>
+          <p:nvPr>
+            <p:ph type="title"/>
+          </p:nvPr>
+        </p:nvSpPr>
+        <p:spPr/>
+        <p:txBody>
+          <a:bodyPr/>
+          <a:lstStyle/>
+          <a:p>
+            <a:r>
+              <a:rPr lang="en-US" dirty="0" smtClean="0"/>
+              <a:t>Chaining Methods</a:t>
+            </a:r>
+            <a:endParaRPr lang="en-US" dirty="0"/>
+          </a:p>
+        </p:txBody>
+      </p:sp>
+      <p:pic>
+        <p:nvPicPr>
+          <p:cNvPr id="18434" name="Picture 2"/>
+          <p:cNvPicPr>
+            <a:picLocks noGrp="1" noChangeAspect="1" noChangeArrowheads="1"/>
+          </p:cNvPicPr>
+          <p:nvPr>
+            <p:ph idx="1"/>
+          </p:nvPr>
+        </p:nvPicPr>
+        <p:blipFill>
+          <a:blip r:embed="rId2"/>
+          <a:srcRect/>
+          <a:stretch>
+            <a:fillRect/>
+          </a:stretch>
+        </p:blipFill>
+        <p:spPr bwMode="auto">
+          <a:xfrm>
+            <a:off x="839017" y="1530509"/>
+            <a:ext cx="10669360" cy="4922542"/>
           </a:xfrm>
           <a:prstGeom prst="rect">
             <a:avLst/>
@@ -4148,8 +4408,16 @@
           <a:lstStyle/>
           <a:p>
             <a:r>
-              <a:rPr lang="en-US" dirty="0" smtClean="0"/>
-              <a:t>Classes And Instances</a:t>
+              <a:rPr lang="en-IN" dirty="0" smtClean="0"/>
+              <a:t>Primitive </a:t>
+            </a:r>
+            <a:r>
+              <a:rPr lang="en-IN" dirty="0" err="1" smtClean="0"/>
+              <a:t>vs</a:t>
+            </a:r>
+            <a:r>
+              <a:rPr lang="en-IN" dirty="0" smtClean="0"/>
+              <a:t> Reference Types</a:t>
             </a:r>
             <a:endParaRPr lang="en-US" dirty="0"/>
           </a:p>
@@ -4157,7 +4425,7 @@
       </p:sp>
       <p:pic>
         <p:nvPicPr>
-          <p:cNvPr id="2051" name="Picture 3"/>
+          <p:cNvPr id="2050" name="Picture 2"/>
           <p:cNvPicPr>
             <a:picLocks noGrp="1" noChangeAspect="1" noChangeArrowheads="1"/>
           </p:cNvPicPr>
@@ -4174,8 +4442,8 @@
         </p:blipFill>
         <p:spPr bwMode="auto">
           <a:xfrm>
-            <a:off x="1071562" y="1996281"/>
-            <a:ext cx="10048875" cy="4010025"/>
+            <a:off x="809896" y="1436913"/>
+            <a:ext cx="10789920" cy="5107577"/>
           </a:xfrm>
           <a:prstGeom prst="rect">
             <a:avLst/>
@@ -4231,8 +4499,8 @@
           <a:lstStyle/>
           <a:p>
             <a:r>
-              <a:rPr lang="en-US" dirty="0" smtClean="0"/>
-              <a:t>Fundamental of OOPS</a:t>
+              <a:rPr lang="en-IN" dirty="0" smtClean="0"/>
+              <a:t>Deep copy of Array and Object</a:t>
             </a:r>
             <a:endParaRPr lang="en-US" dirty="0"/>
           </a:p>
@@ -4257,8 +4525,41 @@
         </p:blipFill>
         <p:spPr bwMode="auto">
           <a:xfrm>
-            <a:off x="679269" y="1815737"/>
-            <a:ext cx="11103427" cy="4506686"/>
+            <a:off x="1053577" y="1877877"/>
+            <a:ext cx="4389441" cy="4351338"/>
+          </a:xfrm>
+          <a:prstGeom prst="rect">
+            <a:avLst/>
+          </a:prstGeom>
+          <a:noFill/>
+          <a:ln w="9525">
+            <a:noFill/>
+            <a:miter lim="800000"/>
+            <a:headEnd/>
+            <a:tailEnd/>
+          </a:ln>
+          <a:effectLst/>
+        </p:spPr>
+      </p:pic>
+      <p:pic>
+        <p:nvPicPr>
+          <p:cNvPr id="3075" name="Picture 3"/>
+          <p:cNvPicPr>
+            <a:picLocks noChangeAspect="1" noChangeArrowheads="1"/>
+          </p:cNvPicPr>
+          <p:nvPr/>
+        </p:nvPicPr>
+        <p:blipFill>
+          <a:blip r:embed="rId3"/>
+          <a:srcRect/>
+          <a:stretch>
+            <a:fillRect/>
+          </a:stretch>
+        </p:blipFill>
+        <p:spPr bwMode="auto">
+          <a:xfrm>
+            <a:off x="5796641" y="2099991"/>
+            <a:ext cx="5959929" cy="4170180"/>
           </a:xfrm>
           <a:prstGeom prst="rect">
             <a:avLst/>
@@ -4315,7 +4616,7 @@
           <a:p>
             <a:r>
               <a:rPr lang="en-US" dirty="0" smtClean="0"/>
-              <a:t>Abstraction</a:t>
+              <a:t>Object Oriented Programming</a:t>
             </a:r>
             <a:endParaRPr lang="en-US" dirty="0"/>
           </a:p>
@@ -4323,7 +4624,7 @@
       </p:sp>
       <p:pic>
         <p:nvPicPr>
-          <p:cNvPr id="4098" name="Picture 2"/>
+          <p:cNvPr id="1027" name="Picture 3"/>
           <p:cNvPicPr>
             <a:picLocks noGrp="1" noChangeAspect="1" noChangeArrowheads="1"/>
           </p:cNvPicPr>
@@ -4340,8 +4641,8 @@
         </p:blipFill>
         <p:spPr bwMode="auto">
           <a:xfrm>
-            <a:off x="916849" y="1736248"/>
-            <a:ext cx="10826659" cy="4729866"/>
+            <a:off x="838200" y="1934773"/>
+            <a:ext cx="10515600" cy="4133041"/>
           </a:xfrm>
           <a:prstGeom prst="rect">
             <a:avLst/>
@@ -4398,7 +4699,7 @@
           <a:p>
             <a:r>
               <a:rPr lang="en-US" dirty="0" smtClean="0"/>
-              <a:t>Encapsulation</a:t>
+              <a:t>Classes And Instances</a:t>
             </a:r>
             <a:endParaRPr lang="en-US" dirty="0"/>
           </a:p>
@@ -4406,7 +4707,7 @@
       </p:sp>
       <p:pic>
         <p:nvPicPr>
-          <p:cNvPr id="5122" name="Picture 2"/>
+          <p:cNvPr id="2051" name="Picture 3"/>
           <p:cNvPicPr>
             <a:picLocks noGrp="1" noChangeAspect="1" noChangeArrowheads="1"/>
           </p:cNvPicPr>
@@ -4423,8 +4724,8 @@
         </p:blipFill>
         <p:spPr bwMode="auto">
           <a:xfrm>
-            <a:off x="1045029" y="1667397"/>
-            <a:ext cx="10123714" cy="4772592"/>
+            <a:off x="1071562" y="1996281"/>
+            <a:ext cx="10048875" cy="4010025"/>
           </a:xfrm>
           <a:prstGeom prst="rect">
             <a:avLst/>
@@ -4481,7 +4782,7 @@
           <a:p>
             <a:r>
               <a:rPr lang="en-US" dirty="0" smtClean="0"/>
-              <a:t>Inheritance</a:t>
+              <a:t>Fundamental of OOPS</a:t>
             </a:r>
             <a:endParaRPr lang="en-US" dirty="0"/>
           </a:p>
@@ -4489,7 +4790,7 @@
       </p:sp>
       <p:pic>
         <p:nvPicPr>
-          <p:cNvPr id="6146" name="Picture 2"/>
+          <p:cNvPr id="3074" name="Picture 2"/>
           <p:cNvPicPr>
             <a:picLocks noGrp="1" noChangeAspect="1" noChangeArrowheads="1"/>
           </p:cNvPicPr>
@@ -4506,8 +4807,8 @@
         </p:blipFill>
         <p:spPr bwMode="auto">
           <a:xfrm>
-            <a:off x="1152253" y="1663858"/>
-            <a:ext cx="10604318" cy="4736941"/>
+            <a:off x="679269" y="1815737"/>
+            <a:ext cx="11103427" cy="4506686"/>
           </a:xfrm>
           <a:prstGeom prst="rect">
             <a:avLst/>
@@ -4564,7 +4865,7 @@
           <a:p>
             <a:r>
               <a:rPr lang="en-US" dirty="0" smtClean="0"/>
-              <a:t>Polymorphism</a:t>
+              <a:t>Abstraction</a:t>
             </a:r>
             <a:endParaRPr lang="en-US" dirty="0"/>
           </a:p>
@@ -4572,7 +4873,7 @@
       </p:sp>
       <p:pic>
         <p:nvPicPr>
-          <p:cNvPr id="7170" name="Picture 2"/>
+          <p:cNvPr id="4098" name="Picture 2"/>
           <p:cNvPicPr>
             <a:picLocks noGrp="1" noChangeAspect="1" noChangeArrowheads="1"/>
           </p:cNvPicPr>
@@ -4589,8 +4890,8 @@
         </p:blipFill>
         <p:spPr bwMode="auto">
           <a:xfrm>
-            <a:off x="1134290" y="1762374"/>
-            <a:ext cx="10230395" cy="4546985"/>
+            <a:off x="916849" y="1736248"/>
+            <a:ext cx="10826659" cy="4729866"/>
           </a:xfrm>
           <a:prstGeom prst="rect">
             <a:avLst/>
@@ -4647,11 +4948,7 @@
           <a:p>
             <a:r>
               <a:rPr lang="en-US" dirty="0" smtClean="0"/>
-              <a:t>OOPS in </a:t>
-            </a:r>
-            <a:r>
-              <a:rPr lang="en-US" dirty="0" err="1" smtClean="0"/>
-              <a:t>Javascript</a:t>
+              <a:t>Encapsulation</a:t>
             </a:r>
             <a:endParaRPr lang="en-US" dirty="0"/>
           </a:p>
@@ -4659,7 +4956,7 @@
       </p:sp>
       <p:pic>
         <p:nvPicPr>
-          <p:cNvPr id="8195" name="Picture 3"/>
+          <p:cNvPr id="5122" name="Picture 2"/>
           <p:cNvPicPr>
             <a:picLocks noGrp="1" noChangeAspect="1" noChangeArrowheads="1"/>
           </p:cNvPicPr>
@@ -4676,8 +4973,8 @@
         </p:blipFill>
         <p:spPr bwMode="auto">
           <a:xfrm>
-            <a:off x="914400" y="1825625"/>
-            <a:ext cx="10907486" cy="4351338"/>
+            <a:off x="1045029" y="1667397"/>
+            <a:ext cx="10123714" cy="4772592"/>
           </a:xfrm>
           <a:prstGeom prst="rect">
             <a:avLst/>

--- a/2022/June_Batch/5Javascript/others/new-version/10javascript - OOPS.pptx
+++ b/2022/June_Batch/5Javascript/others/new-version/10javascript - OOPS.pptx
@@ -2,7 +2,7 @@
 <file path=ppt/presentation.xml><?xml version="1.0" encoding="utf-8"?>
 <p:presentation xmlns:a="http://schemas.openxmlformats.org/drawingml/2006/main" xmlns:r="http://schemas.openxmlformats.org/officeDocument/2006/relationships" xmlns:p="http://schemas.openxmlformats.org/presentationml/2006/main" saveSubsetFonts="1">
   <p:sldMasterIdLst>
-    <p:sldMasterId id="2147483660" r:id="rId1"/>
+    <p:sldMasterId id="2147483672" r:id="rId1"/>
   </p:sldMasterIdLst>
   <p:sldIdLst>
     <p:sldId id="289" r:id="rId2"/>
@@ -163,7 +163,7 @@
       </p:grpSpPr>
       <p:sp>
         <p:nvSpPr>
-          <p:cNvPr id="2" name="Title 1"/>
+          <p:cNvPr id="8" name="Title 7"/>
           <p:cNvSpPr>
             <a:spLocks noGrp="1"/>
           </p:cNvSpPr>
@@ -173,94 +173,74 @@
         </p:nvSpPr>
         <p:spPr>
           <a:xfrm>
-            <a:off x="1524000" y="1122363"/>
-            <a:ext cx="9144000" cy="2387600"/>
+            <a:off x="562707" y="1371600"/>
+            <a:ext cx="10972800" cy="1828800"/>
           </a:xfrm>
         </p:spPr>
         <p:txBody>
-          <a:bodyPr anchor="b"/>
+          <a:bodyPr vert="horz" lIns="45720" tIns="0" rIns="45720" bIns="0" anchor="b">
+            <a:normAutofit/>
+            <a:scene3d>
+              <a:camera prst="orthographicFront"/>
+              <a:lightRig rig="soft" dir="t">
+                <a:rot lat="0" lon="0" rev="17220000"/>
+              </a:lightRig>
+            </a:scene3d>
+            <a:sp3d prstMaterial="softEdge">
+              <a:bevelT w="38100" h="38100"/>
+            </a:sp3d>
+          </a:bodyPr>
           <a:lstStyle>
-            <a:lvl1pPr algn="ctr">
-              <a:defRPr sz="6000"/>
+            <a:lvl1pPr>
+              <a:defRPr sz="4800" b="1" cap="all" baseline="0">
+                <a:ln w="6350">
+                  <a:noFill/>
+                </a:ln>
+                <a:gradFill>
+                  <a:gsLst>
+                    <a:gs pos="0">
+                      <a:schemeClr val="accent1">
+                        <a:tint val="73000"/>
+                        <a:satMod val="145000"/>
+                      </a:schemeClr>
+                    </a:gs>
+                    <a:gs pos="73000">
+                      <a:schemeClr val="accent1">
+                        <a:tint val="73000"/>
+                        <a:satMod val="145000"/>
+                      </a:schemeClr>
+                    </a:gs>
+                    <a:gs pos="100000">
+                      <a:schemeClr val="accent1">
+                        <a:tint val="83000"/>
+                        <a:satMod val="143000"/>
+                      </a:schemeClr>
+                    </a:gs>
+                  </a:gsLst>
+                  <a:lin ang="4800000" scaled="1"/>
+                </a:gradFill>
+                <a:effectLst>
+                  <a:outerShdw blurRad="127000" dist="200000" dir="2700000" algn="tl" rotWithShape="0">
+                    <a:srgbClr val="000000">
+                      <a:alpha val="30000"/>
+                    </a:srgbClr>
+                  </a:outerShdw>
+                </a:effectLst>
+              </a:defRPr>
             </a:lvl1pPr>
           </a:lstStyle>
           <a:p>
             <a:r>
-              <a:rPr lang="en-US" altLang="ja-JP" dirty="0"/>
+              <a:rPr kumimoji="0" lang="en-US" smtClean="0"/>
               <a:t>Click to edit Master title style</a:t>
             </a:r>
-            <a:endParaRPr lang="en-US" dirty="0"/>
-          </a:p>
-        </p:txBody>
-      </p:sp>
-      <p:sp>
-        <p:nvSpPr>
-          <p:cNvPr id="3" name="Subtitle 2"/>
-          <p:cNvSpPr>
-            <a:spLocks noGrp="1"/>
-          </p:cNvSpPr>
-          <p:nvPr>
-            <p:ph type="subTitle" idx="1"/>
-          </p:nvPr>
-        </p:nvSpPr>
-        <p:spPr>
-          <a:xfrm>
-            <a:off x="1524000" y="3602038"/>
-            <a:ext cx="9144000" cy="1655762"/>
-          </a:xfrm>
-        </p:spPr>
-        <p:txBody>
-          <a:bodyPr/>
-          <a:lstStyle>
-            <a:lvl1pPr marL="0" indent="0" algn="ctr">
-              <a:buNone/>
-              <a:defRPr sz="2400"/>
-            </a:lvl1pPr>
-            <a:lvl2pPr marL="457200" indent="0" algn="ctr">
-              <a:buNone/>
-              <a:defRPr sz="2000"/>
-            </a:lvl2pPr>
-            <a:lvl3pPr marL="914400" indent="0" algn="ctr">
-              <a:buNone/>
-              <a:defRPr sz="1800"/>
-            </a:lvl3pPr>
-            <a:lvl4pPr marL="1371600" indent="0" algn="ctr">
-              <a:buNone/>
-              <a:defRPr sz="1600"/>
-            </a:lvl4pPr>
-            <a:lvl5pPr marL="1828800" indent="0" algn="ctr">
-              <a:buNone/>
-              <a:defRPr sz="1600"/>
-            </a:lvl5pPr>
-            <a:lvl6pPr marL="2286000" indent="0" algn="ctr">
-              <a:buNone/>
-              <a:defRPr sz="1600"/>
-            </a:lvl6pPr>
-            <a:lvl7pPr marL="2743200" indent="0" algn="ctr">
-              <a:buNone/>
-              <a:defRPr sz="1600"/>
-            </a:lvl7pPr>
-            <a:lvl8pPr marL="3200400" indent="0" algn="ctr">
-              <a:buNone/>
-              <a:defRPr sz="1600"/>
-            </a:lvl8pPr>
-            <a:lvl9pPr marL="3657600" indent="0" algn="ctr">
-              <a:buNone/>
-              <a:defRPr sz="1600"/>
-            </a:lvl9pPr>
-          </a:lstStyle>
-          <a:p>
-            <a:r>
-              <a:rPr lang="en-US" altLang="ja-JP" dirty="0"/>
-              <a:t>Click to edit Master subtitle style</a:t>
-            </a:r>
-            <a:endParaRPr lang="en-US" dirty="0"/>
-          </a:p>
-        </p:txBody>
-      </p:sp>
-      <p:sp>
-        <p:nvSpPr>
-          <p:cNvPr id="4" name="Date Placeholder 3"/>
+            <a:endParaRPr kumimoji="0" lang="en-US"/>
+          </a:p>
+        </p:txBody>
+      </p:sp>
+      <p:sp>
+        <p:nvSpPr>
+          <p:cNvPr id="28" name="Date Placeholder 27"/>
           <p:cNvSpPr>
             <a:spLocks noGrp="1"/>
           </p:cNvSpPr>
@@ -276,7 +256,7 @@
             <a:fld id="{7FCC5AE5-E495-4913-B643-A95A6AFABB00}" type="datetimeFigureOut">
               <a:rPr kumimoji="1" lang="ja-JP" altLang="en-US" smtClean="0"/>
               <a:pPr/>
-              <a:t>2022/8/24</a:t>
+              <a:t>2022/8/25</a:t>
             </a:fld>
             <a:endParaRPr kumimoji="1" lang="ja-JP" altLang="en-US"/>
           </a:p>
@@ -284,7 +264,7 @@
       </p:sp>
       <p:sp>
         <p:nvSpPr>
-          <p:cNvPr id="5" name="Footer Placeholder 4"/>
+          <p:cNvPr id="17" name="Footer Placeholder 16"/>
           <p:cNvSpPr>
             <a:spLocks noGrp="1"/>
           </p:cNvSpPr>
@@ -303,7 +283,7 @@
       </p:sp>
       <p:sp>
         <p:nvSpPr>
-          <p:cNvPr id="6" name="Slide Number Placeholder 5"/>
+          <p:cNvPr id="29" name="Slide Number Placeholder 28"/>
           <p:cNvSpPr>
             <a:spLocks noGrp="1"/>
           </p:cNvSpPr>
@@ -325,12 +305,68 @@
           </a:p>
         </p:txBody>
       </p:sp>
+      <p:sp>
+        <p:nvSpPr>
+          <p:cNvPr id="9" name="Subtitle 8"/>
+          <p:cNvSpPr>
+            <a:spLocks noGrp="1"/>
+          </p:cNvSpPr>
+          <p:nvPr>
+            <p:ph type="subTitle" idx="1"/>
+          </p:nvPr>
+        </p:nvSpPr>
+        <p:spPr>
+          <a:xfrm>
+            <a:off x="1828800" y="3331698"/>
+            <a:ext cx="8534400" cy="1752600"/>
+          </a:xfrm>
+        </p:spPr>
+        <p:txBody>
+          <a:bodyPr/>
+          <a:lstStyle>
+            <a:lvl1pPr marL="0" indent="0" algn="ctr">
+              <a:buNone/>
+              <a:defRPr>
+                <a:solidFill>
+                  <a:schemeClr val="tx1"/>
+                </a:solidFill>
+              </a:defRPr>
+            </a:lvl1pPr>
+            <a:lvl2pPr marL="457200" indent="0" algn="ctr">
+              <a:buNone/>
+            </a:lvl2pPr>
+            <a:lvl3pPr marL="914400" indent="0" algn="ctr">
+              <a:buNone/>
+            </a:lvl3pPr>
+            <a:lvl4pPr marL="1371600" indent="0" algn="ctr">
+              <a:buNone/>
+            </a:lvl4pPr>
+            <a:lvl5pPr marL="1828800" indent="0" algn="ctr">
+              <a:buNone/>
+            </a:lvl5pPr>
+            <a:lvl6pPr marL="2286000" indent="0" algn="ctr">
+              <a:buNone/>
+            </a:lvl6pPr>
+            <a:lvl7pPr marL="2743200" indent="0" algn="ctr">
+              <a:buNone/>
+            </a:lvl7pPr>
+            <a:lvl8pPr marL="3200400" indent="0" algn="ctr">
+              <a:buNone/>
+            </a:lvl8pPr>
+            <a:lvl9pPr marL="3657600" indent="0" algn="ctr">
+              <a:buNone/>
+            </a:lvl9pPr>
+          </a:lstStyle>
+          <a:p>
+            <a:r>
+              <a:rPr kumimoji="0" lang="en-US" smtClean="0"/>
+              <a:t>Click to edit Master subtitle style</a:t>
+            </a:r>
+            <a:endParaRPr kumimoji="0" lang="en-US"/>
+          </a:p>
+        </p:txBody>
+      </p:sp>
     </p:spTree>
-    <p:extLst>
-      <p:ext uri="{BB962C8B-B14F-4D97-AF65-F5344CB8AC3E}">
-        <p14:creationId xmlns="" xmlns:p14="http://schemas.microsoft.com/office/powerpoint/2010/main" val="3096064434"/>
-      </p:ext>
-    </p:extLst>
   </p:cSld>
   <p:clrMapOvr>
     <a:masterClrMapping/>
@@ -371,10 +407,10 @@
           <a:lstStyle/>
           <a:p>
             <a:r>
-              <a:rPr lang="en-US" altLang="ja-JP"/>
+              <a:rPr kumimoji="0" lang="en-US" smtClean="0"/>
               <a:t>Click to edit Master title style</a:t>
             </a:r>
-            <a:endParaRPr lang="en-US" dirty="0"/>
+            <a:endParaRPr kumimoji="0" lang="en-US"/>
           </a:p>
         </p:txBody>
       </p:sp>
@@ -393,40 +429,40 @@
           <a:bodyPr vert="eaVert"/>
           <a:lstStyle/>
           <a:p>
-            <a:pPr lvl="0"/>
-            <a:r>
-              <a:rPr lang="en-US" altLang="ja-JP"/>
-              <a:t>Edit Master text styles</a:t>
-            </a:r>
-          </a:p>
-          <a:p>
-            <a:pPr lvl="1"/>
-            <a:r>
-              <a:rPr lang="en-US" altLang="ja-JP"/>
+            <a:pPr lvl="0" eaLnBrk="1" latinLnBrk="0" hangingPunct="1"/>
+            <a:r>
+              <a:rPr lang="en-US" smtClean="0"/>
+              <a:t>Click to edit Master text styles</a:t>
+            </a:r>
+          </a:p>
+          <a:p>
+            <a:pPr lvl="1" eaLnBrk="1" latinLnBrk="0" hangingPunct="1"/>
+            <a:r>
+              <a:rPr lang="en-US" smtClean="0"/>
               <a:t>Second level</a:t>
             </a:r>
           </a:p>
           <a:p>
-            <a:pPr lvl="2"/>
-            <a:r>
-              <a:rPr lang="en-US" altLang="ja-JP"/>
+            <a:pPr lvl="2" eaLnBrk="1" latinLnBrk="0" hangingPunct="1"/>
+            <a:r>
+              <a:rPr lang="en-US" smtClean="0"/>
               <a:t>Third level</a:t>
             </a:r>
           </a:p>
           <a:p>
-            <a:pPr lvl="3"/>
-            <a:r>
-              <a:rPr lang="en-US" altLang="ja-JP"/>
+            <a:pPr lvl="3" eaLnBrk="1" latinLnBrk="0" hangingPunct="1"/>
+            <a:r>
+              <a:rPr lang="en-US" smtClean="0"/>
               <a:t>Fourth level</a:t>
             </a:r>
           </a:p>
           <a:p>
-            <a:pPr lvl="4"/>
-            <a:r>
-              <a:rPr lang="en-US" altLang="ja-JP"/>
+            <a:pPr lvl="4" eaLnBrk="1" latinLnBrk="0" hangingPunct="1"/>
+            <a:r>
+              <a:rPr lang="en-US" smtClean="0"/>
               <a:t>Fifth level</a:t>
             </a:r>
-            <a:endParaRPr lang="en-US" dirty="0"/>
+            <a:endParaRPr kumimoji="0" lang="en-US"/>
           </a:p>
         </p:txBody>
       </p:sp>
@@ -448,7 +484,7 @@
             <a:fld id="{7FCC5AE5-E495-4913-B643-A95A6AFABB00}" type="datetimeFigureOut">
               <a:rPr kumimoji="1" lang="ja-JP" altLang="en-US" smtClean="0"/>
               <a:pPr/>
-              <a:t>2022/8/24</a:t>
+              <a:t>2022/8/25</a:t>
             </a:fld>
             <a:endParaRPr kumimoji="1" lang="ja-JP" altLang="en-US"/>
           </a:p>
@@ -498,11 +534,6 @@
         </p:txBody>
       </p:sp>
     </p:spTree>
-    <p:extLst>
-      <p:ext uri="{BB962C8B-B14F-4D97-AF65-F5344CB8AC3E}">
-        <p14:creationId xmlns="" xmlns:p14="http://schemas.microsoft.com/office/powerpoint/2010/main" val="71407721"/>
-      </p:ext>
-    </p:extLst>
   </p:cSld>
   <p:clrMapOvr>
     <a:masterClrMapping/>
@@ -539,8 +570,8 @@
         </p:nvSpPr>
         <p:spPr>
           <a:xfrm>
-            <a:off x="8724900" y="365125"/>
-            <a:ext cx="2628900" cy="5811838"/>
+            <a:off x="8839200" y="274639"/>
+            <a:ext cx="2743200" cy="5851525"/>
           </a:xfrm>
         </p:spPr>
         <p:txBody>
@@ -548,10 +579,10 @@
           <a:lstStyle/>
           <a:p>
             <a:r>
-              <a:rPr lang="en-US" altLang="ja-JP"/>
+              <a:rPr kumimoji="0" lang="en-US" smtClean="0"/>
               <a:t>Click to edit Master title style</a:t>
             </a:r>
-            <a:endParaRPr lang="en-US" dirty="0"/>
+            <a:endParaRPr kumimoji="0" lang="en-US"/>
           </a:p>
         </p:txBody>
       </p:sp>
@@ -567,48 +598,48 @@
         </p:nvSpPr>
         <p:spPr>
           <a:xfrm>
-            <a:off x="838200" y="365125"/>
-            <a:ext cx="7734300" cy="5811838"/>
+            <a:off x="609600" y="274639"/>
+            <a:ext cx="8026400" cy="5851525"/>
           </a:xfrm>
         </p:spPr>
         <p:txBody>
           <a:bodyPr vert="eaVert"/>
           <a:lstStyle/>
           <a:p>
-            <a:pPr lvl="0"/>
-            <a:r>
-              <a:rPr lang="en-US" altLang="ja-JP"/>
-              <a:t>Edit Master text styles</a:t>
-            </a:r>
-          </a:p>
-          <a:p>
-            <a:pPr lvl="1"/>
-            <a:r>
-              <a:rPr lang="en-US" altLang="ja-JP"/>
+            <a:pPr lvl="0" eaLnBrk="1" latinLnBrk="0" hangingPunct="1"/>
+            <a:r>
+              <a:rPr lang="en-US" smtClean="0"/>
+              <a:t>Click to edit Master text styles</a:t>
+            </a:r>
+          </a:p>
+          <a:p>
+            <a:pPr lvl="1" eaLnBrk="1" latinLnBrk="0" hangingPunct="1"/>
+            <a:r>
+              <a:rPr lang="en-US" smtClean="0"/>
               <a:t>Second level</a:t>
             </a:r>
           </a:p>
           <a:p>
-            <a:pPr lvl="2"/>
-            <a:r>
-              <a:rPr lang="en-US" altLang="ja-JP"/>
+            <a:pPr lvl="2" eaLnBrk="1" latinLnBrk="0" hangingPunct="1"/>
+            <a:r>
+              <a:rPr lang="en-US" smtClean="0"/>
               <a:t>Third level</a:t>
             </a:r>
           </a:p>
           <a:p>
-            <a:pPr lvl="3"/>
-            <a:r>
-              <a:rPr lang="en-US" altLang="ja-JP"/>
+            <a:pPr lvl="3" eaLnBrk="1" latinLnBrk="0" hangingPunct="1"/>
+            <a:r>
+              <a:rPr lang="en-US" smtClean="0"/>
               <a:t>Fourth level</a:t>
             </a:r>
           </a:p>
           <a:p>
-            <a:pPr lvl="4"/>
-            <a:r>
-              <a:rPr lang="en-US" altLang="ja-JP"/>
+            <a:pPr lvl="4" eaLnBrk="1" latinLnBrk="0" hangingPunct="1"/>
+            <a:r>
+              <a:rPr lang="en-US" smtClean="0"/>
               <a:t>Fifth level</a:t>
             </a:r>
-            <a:endParaRPr lang="en-US" dirty="0"/>
+            <a:endParaRPr kumimoji="0" lang="en-US"/>
           </a:p>
         </p:txBody>
       </p:sp>
@@ -630,7 +661,7 @@
             <a:fld id="{7FCC5AE5-E495-4913-B643-A95A6AFABB00}" type="datetimeFigureOut">
               <a:rPr kumimoji="1" lang="ja-JP" altLang="en-US" smtClean="0"/>
               <a:pPr/>
-              <a:t>2022/8/24</a:t>
+              <a:t>2022/8/25</a:t>
             </a:fld>
             <a:endParaRPr kumimoji="1" lang="ja-JP" altLang="en-US"/>
           </a:p>
@@ -680,11 +711,6 @@
         </p:txBody>
       </p:sp>
     </p:spTree>
-    <p:extLst>
-      <p:ext uri="{BB962C8B-B14F-4D97-AF65-F5344CB8AC3E}">
-        <p14:creationId xmlns="" xmlns:p14="http://schemas.microsoft.com/office/powerpoint/2010/main" val="3852493858"/>
-      </p:ext>
-    </p:extLst>
   </p:cSld>
   <p:clrMapOvr>
     <a:masterClrMapping/>
@@ -725,10 +751,10 @@
           <a:lstStyle/>
           <a:p>
             <a:r>
-              <a:rPr lang="en-US" altLang="ja-JP"/>
+              <a:rPr kumimoji="0" lang="en-US" smtClean="0"/>
               <a:t>Click to edit Master title style</a:t>
             </a:r>
-            <a:endParaRPr lang="en-US" dirty="0"/>
+            <a:endParaRPr kumimoji="0" lang="en-US"/>
           </a:p>
         </p:txBody>
       </p:sp>
@@ -747,40 +773,40 @@
           <a:bodyPr/>
           <a:lstStyle/>
           <a:p>
-            <a:pPr lvl="0"/>
-            <a:r>
-              <a:rPr lang="en-US" altLang="ja-JP"/>
-              <a:t>Edit Master text styles</a:t>
-            </a:r>
-          </a:p>
-          <a:p>
-            <a:pPr lvl="1"/>
-            <a:r>
-              <a:rPr lang="en-US" altLang="ja-JP"/>
+            <a:pPr lvl="0" eaLnBrk="1" latinLnBrk="0" hangingPunct="1"/>
+            <a:r>
+              <a:rPr lang="en-US" smtClean="0"/>
+              <a:t>Click to edit Master text styles</a:t>
+            </a:r>
+          </a:p>
+          <a:p>
+            <a:pPr lvl="1" eaLnBrk="1" latinLnBrk="0" hangingPunct="1"/>
+            <a:r>
+              <a:rPr lang="en-US" smtClean="0"/>
               <a:t>Second level</a:t>
             </a:r>
           </a:p>
           <a:p>
-            <a:pPr lvl="2"/>
-            <a:r>
-              <a:rPr lang="en-US" altLang="ja-JP"/>
+            <a:pPr lvl="2" eaLnBrk="1" latinLnBrk="0" hangingPunct="1"/>
+            <a:r>
+              <a:rPr lang="en-US" smtClean="0"/>
               <a:t>Third level</a:t>
             </a:r>
           </a:p>
           <a:p>
-            <a:pPr lvl="3"/>
-            <a:r>
-              <a:rPr lang="en-US" altLang="ja-JP"/>
+            <a:pPr lvl="3" eaLnBrk="1" latinLnBrk="0" hangingPunct="1"/>
+            <a:r>
+              <a:rPr lang="en-US" smtClean="0"/>
               <a:t>Fourth level</a:t>
             </a:r>
           </a:p>
           <a:p>
-            <a:pPr lvl="4"/>
-            <a:r>
-              <a:rPr lang="en-US" altLang="ja-JP"/>
+            <a:pPr lvl="4" eaLnBrk="1" latinLnBrk="0" hangingPunct="1"/>
+            <a:r>
+              <a:rPr lang="en-US" smtClean="0"/>
               <a:t>Fifth level</a:t>
             </a:r>
-            <a:endParaRPr lang="en-US" dirty="0"/>
+            <a:endParaRPr kumimoji="0" lang="en-US"/>
           </a:p>
         </p:txBody>
       </p:sp>
@@ -802,7 +828,7 @@
             <a:fld id="{7FCC5AE5-E495-4913-B643-A95A6AFABB00}" type="datetimeFigureOut">
               <a:rPr kumimoji="1" lang="ja-JP" altLang="en-US" smtClean="0"/>
               <a:pPr/>
-              <a:t>2022/8/24</a:t>
+              <a:t>2022/8/25</a:t>
             </a:fld>
             <a:endParaRPr kumimoji="1" lang="ja-JP" altLang="en-US"/>
           </a:p>
@@ -852,11 +878,6 @@
         </p:txBody>
       </p:sp>
     </p:spTree>
-    <p:extLst>
-      <p:ext uri="{BB962C8B-B14F-4D97-AF65-F5344CB8AC3E}">
-        <p14:creationId xmlns="" xmlns:p14="http://schemas.microsoft.com/office/powerpoint/2010/main" val="282795843"/>
-      </p:ext>
-    </p:extLst>
   </p:cSld>
   <p:clrMapOvr>
     <a:masterClrMapping/>
@@ -867,6 +888,11 @@
 <file path=ppt/slideLayouts/slideLayout3.xml><?xml version="1.0" encoding="utf-8"?>
 <p:sldLayout xmlns:a="http://schemas.openxmlformats.org/drawingml/2006/main" xmlns:r="http://schemas.openxmlformats.org/officeDocument/2006/relationships" xmlns:p="http://schemas.openxmlformats.org/presentationml/2006/main" type="secHead" preserve="1">
   <p:cSld name="Section Header">
+    <p:bg>
+      <p:bgRef idx="1003">
+        <a:schemeClr val="bg2"/>
+      </p:bgRef>
+    </p:bg>
     <p:spTree>
       <p:nvGrpSpPr>
         <p:cNvPr id="1" name=""/>
@@ -893,23 +919,63 @@
         </p:nvSpPr>
         <p:spPr>
           <a:xfrm>
-            <a:off x="831850" y="1709738"/>
-            <a:ext cx="10515600" cy="2852737"/>
+            <a:off x="2133600" y="609600"/>
+            <a:ext cx="9448800" cy="1828800"/>
           </a:xfrm>
         </p:spPr>
         <p:txBody>
-          <a:bodyPr anchor="b"/>
+          <a:bodyPr vert="horz" bIns="0" anchor="b">
+            <a:noAutofit/>
+            <a:scene3d>
+              <a:camera prst="orthographicFront"/>
+              <a:lightRig rig="soft" dir="t">
+                <a:rot lat="0" lon="0" rev="17220000"/>
+              </a:lightRig>
+            </a:scene3d>
+            <a:sp3d prstMaterial="softEdge">
+              <a:bevelT w="38100" h="38100"/>
+              <a:contourClr>
+                <a:schemeClr val="tx2">
+                  <a:shade val="50000"/>
+                </a:schemeClr>
+              </a:contourClr>
+            </a:sp3d>
+          </a:bodyPr>
           <a:lstStyle>
-            <a:lvl1pPr>
-              <a:defRPr sz="6000"/>
+            <a:lvl1pPr algn="l" rtl="0">
+              <a:spcBef>
+                <a:spcPct val="0"/>
+              </a:spcBef>
+              <a:buNone/>
+              <a:defRPr sz="4800" b="1" cap="none" baseline="0">
+                <a:ln w="6350">
+                  <a:noFill/>
+                </a:ln>
+                <a:solidFill>
+                  <a:schemeClr val="accent1">
+                    <a:tint val="90000"/>
+                    <a:satMod val="120000"/>
+                  </a:schemeClr>
+                </a:solidFill>
+                <a:effectLst>
+                  <a:outerShdw blurRad="114300" dist="101600" dir="2700000" algn="tl" rotWithShape="0">
+                    <a:srgbClr val="000000">
+                      <a:alpha val="40000"/>
+                    </a:srgbClr>
+                  </a:outerShdw>
+                </a:effectLst>
+                <a:latin typeface="+mj-lt"/>
+                <a:ea typeface="+mj-ea"/>
+                <a:cs typeface="+mj-cs"/>
+              </a:defRPr>
             </a:lvl1pPr>
           </a:lstStyle>
           <a:p>
             <a:r>
-              <a:rPr lang="en-US" altLang="ja-JP"/>
+              <a:rPr kumimoji="0" lang="en-US" smtClean="0"/>
               <a:t>Click to edit Master title style</a:t>
             </a:r>
-            <a:endParaRPr lang="en-US" dirty="0"/>
+            <a:endParaRPr kumimoji="0" lang="en-US"/>
           </a:p>
         </p:txBody>
       </p:sp>
@@ -925,34 +991,22 @@
         </p:nvSpPr>
         <p:spPr>
           <a:xfrm>
-            <a:off x="831850" y="4589463"/>
-            <a:ext cx="10515600" cy="1500187"/>
+            <a:off x="2133600" y="2507786"/>
+            <a:ext cx="9448800" cy="1509712"/>
           </a:xfrm>
         </p:spPr>
         <p:txBody>
-          <a:bodyPr/>
+          <a:bodyPr anchor="t"/>
           <a:lstStyle>
-            <a:lvl1pPr marL="0" indent="0">
+            <a:lvl1pPr marL="73152" indent="0" algn="l">
               <a:buNone/>
-              <a:defRPr sz="2400">
+              <a:defRPr sz="2000">
                 <a:solidFill>
-                  <a:schemeClr val="tx1">
-                    <a:tint val="75000"/>
-                  </a:schemeClr>
+                  <a:schemeClr val="tx1"/>
                 </a:solidFill>
               </a:defRPr>
             </a:lvl1pPr>
-            <a:lvl2pPr marL="457200" indent="0">
-              <a:buNone/>
-              <a:defRPr sz="2000">
-                <a:solidFill>
-                  <a:schemeClr val="tx1">
-                    <a:tint val="75000"/>
-                  </a:schemeClr>
-                </a:solidFill>
-              </a:defRPr>
-            </a:lvl2pPr>
-            <a:lvl3pPr marL="914400" indent="0">
+            <a:lvl2pPr>
               <a:buNone/>
               <a:defRPr sz="1800">
                 <a:solidFill>
@@ -961,8 +1015,8 @@
                   </a:schemeClr>
                 </a:solidFill>
               </a:defRPr>
-            </a:lvl3pPr>
-            <a:lvl4pPr marL="1371600" indent="0">
+            </a:lvl2pPr>
+            <a:lvl3pPr>
               <a:buNone/>
               <a:defRPr sz="1600">
                 <a:solidFill>
@@ -971,10 +1025,20 @@
                   </a:schemeClr>
                 </a:solidFill>
               </a:defRPr>
+            </a:lvl3pPr>
+            <a:lvl4pPr>
+              <a:buNone/>
+              <a:defRPr sz="1400">
+                <a:solidFill>
+                  <a:schemeClr val="tx1">
+                    <a:tint val="75000"/>
+                  </a:schemeClr>
+                </a:solidFill>
+              </a:defRPr>
             </a:lvl4pPr>
-            <a:lvl5pPr marL="1828800" indent="0">
+            <a:lvl5pPr>
               <a:buNone/>
-              <a:defRPr sz="1600">
+              <a:defRPr sz="1400">
                 <a:solidFill>
                   <a:schemeClr val="tx1">
                     <a:tint val="75000"/>
@@ -982,52 +1046,12 @@
                 </a:solidFill>
               </a:defRPr>
             </a:lvl5pPr>
-            <a:lvl6pPr marL="2286000" indent="0">
-              <a:buNone/>
-              <a:defRPr sz="1600">
-                <a:solidFill>
-                  <a:schemeClr val="tx1">
-                    <a:tint val="75000"/>
-                  </a:schemeClr>
-                </a:solidFill>
-              </a:defRPr>
-            </a:lvl6pPr>
-            <a:lvl7pPr marL="2743200" indent="0">
-              <a:buNone/>
-              <a:defRPr sz="1600">
-                <a:solidFill>
-                  <a:schemeClr val="tx1">
-                    <a:tint val="75000"/>
-                  </a:schemeClr>
-                </a:solidFill>
-              </a:defRPr>
-            </a:lvl7pPr>
-            <a:lvl8pPr marL="3200400" indent="0">
-              <a:buNone/>
-              <a:defRPr sz="1600">
-                <a:solidFill>
-                  <a:schemeClr val="tx1">
-                    <a:tint val="75000"/>
-                  </a:schemeClr>
-                </a:solidFill>
-              </a:defRPr>
-            </a:lvl8pPr>
-            <a:lvl9pPr marL="3657600" indent="0">
-              <a:buNone/>
-              <a:defRPr sz="1600">
-                <a:solidFill>
-                  <a:schemeClr val="tx1">
-                    <a:tint val="75000"/>
-                  </a:schemeClr>
-                </a:solidFill>
-              </a:defRPr>
-            </a:lvl9pPr>
           </a:lstStyle>
           <a:p>
-            <a:pPr lvl="0"/>
-            <a:r>
-              <a:rPr lang="en-US" altLang="ja-JP"/>
-              <a:t>Edit Master text styles</a:t>
+            <a:pPr lvl="0" eaLnBrk="1" latinLnBrk="0" hangingPunct="1"/>
+            <a:r>
+              <a:rPr kumimoji="0" lang="en-US" smtClean="0"/>
+              <a:t>Click to edit Master text styles</a:t>
             </a:r>
           </a:p>
         </p:txBody>
@@ -1050,7 +1074,7 @@
             <a:fld id="{7FCC5AE5-E495-4913-B643-A95A6AFABB00}" type="datetimeFigureOut">
               <a:rPr kumimoji="1" lang="ja-JP" altLang="en-US" smtClean="0"/>
               <a:pPr/>
-              <a:t>2022/8/24</a:t>
+              <a:t>2022/8/25</a:t>
             </a:fld>
             <a:endParaRPr kumimoji="1" lang="ja-JP" altLang="en-US"/>
           </a:p>
@@ -1085,7 +1109,12 @@
             <p:ph type="sldNum" sz="quarter" idx="12"/>
           </p:nvPr>
         </p:nvSpPr>
-        <p:spPr/>
+        <p:spPr>
+          <a:xfrm>
+            <a:off x="10566400" y="6416676"/>
+            <a:ext cx="1016000" cy="365125"/>
+          </a:xfrm>
+        </p:spPr>
         <p:txBody>
           <a:bodyPr/>
           <a:lstStyle/>
@@ -1100,14 +1129,9 @@
         </p:txBody>
       </p:sp>
     </p:spTree>
-    <p:extLst>
-      <p:ext uri="{BB962C8B-B14F-4D97-AF65-F5344CB8AC3E}">
-        <p14:creationId xmlns="" xmlns:p14="http://schemas.microsoft.com/office/powerpoint/2010/main" val="1315004973"/>
-      </p:ext>
-    </p:extLst>
   </p:cSld>
   <p:clrMapOvr>
-    <a:masterClrMapping/>
+    <a:overrideClrMapping bg1="dk1" tx1="lt1" bg2="dk2" tx2="lt2" accent1="accent1" accent2="accent2" accent3="accent3" accent4="accent4" accent5="accent5" accent6="accent6" hlink="hlink" folHlink="folHlink"/>
   </p:clrMapOvr>
 </p:sldLayout>
 </file>
@@ -1145,10 +1169,10 @@
           <a:lstStyle/>
           <a:p>
             <a:r>
-              <a:rPr lang="en-US" altLang="ja-JP"/>
+              <a:rPr kumimoji="0" lang="en-US" smtClean="0"/>
               <a:t>Click to edit Master title style</a:t>
             </a:r>
-            <a:endParaRPr lang="en-US" dirty="0"/>
+            <a:endParaRPr kumimoji="0" lang="en-US"/>
           </a:p>
         </p:txBody>
       </p:sp>
@@ -1164,48 +1188,64 @@
         </p:nvSpPr>
         <p:spPr>
           <a:xfrm>
-            <a:off x="838200" y="1825625"/>
-            <a:ext cx="5181600" cy="4351338"/>
+            <a:off x="609600" y="1600201"/>
+            <a:ext cx="5384800" cy="4525963"/>
           </a:xfrm>
         </p:spPr>
         <p:txBody>
           <a:bodyPr/>
-          <a:lstStyle/>
-          <a:p>
-            <a:pPr lvl="0"/>
-            <a:r>
-              <a:rPr lang="en-US" altLang="ja-JP"/>
-              <a:t>Edit Master text styles</a:t>
-            </a:r>
-          </a:p>
-          <a:p>
-            <a:pPr lvl="1"/>
-            <a:r>
-              <a:rPr lang="en-US" altLang="ja-JP"/>
+          <a:lstStyle>
+            <a:lvl1pPr>
+              <a:defRPr sz="2600"/>
+            </a:lvl1pPr>
+            <a:lvl2pPr>
+              <a:defRPr sz="2400"/>
+            </a:lvl2pPr>
+            <a:lvl3pPr>
+              <a:defRPr sz="2000"/>
+            </a:lvl3pPr>
+            <a:lvl4pPr>
+              <a:defRPr sz="1800"/>
+            </a:lvl4pPr>
+            <a:lvl5pPr>
+              <a:defRPr sz="1800"/>
+            </a:lvl5pPr>
+          </a:lstStyle>
+          <a:p>
+            <a:pPr lvl="0" eaLnBrk="1" latinLnBrk="0" hangingPunct="1"/>
+            <a:r>
+              <a:rPr lang="en-US" smtClean="0"/>
+              <a:t>Click to edit Master text styles</a:t>
+            </a:r>
+          </a:p>
+          <a:p>
+            <a:pPr lvl="1" eaLnBrk="1" latinLnBrk="0" hangingPunct="1"/>
+            <a:r>
+              <a:rPr lang="en-US" smtClean="0"/>
               <a:t>Second level</a:t>
             </a:r>
           </a:p>
           <a:p>
-            <a:pPr lvl="2"/>
-            <a:r>
-              <a:rPr lang="en-US" altLang="ja-JP"/>
+            <a:pPr lvl="2" eaLnBrk="1" latinLnBrk="0" hangingPunct="1"/>
+            <a:r>
+              <a:rPr lang="en-US" smtClean="0"/>
               <a:t>Third level</a:t>
             </a:r>
           </a:p>
           <a:p>
-            <a:pPr lvl="3"/>
-            <a:r>
-              <a:rPr lang="en-US" altLang="ja-JP"/>
+            <a:pPr lvl="3" eaLnBrk="1" latinLnBrk="0" hangingPunct="1"/>
+            <a:r>
+              <a:rPr lang="en-US" smtClean="0"/>
               <a:t>Fourth level</a:t>
             </a:r>
           </a:p>
           <a:p>
-            <a:pPr lvl="4"/>
-            <a:r>
-              <a:rPr lang="en-US" altLang="ja-JP"/>
+            <a:pPr lvl="4" eaLnBrk="1" latinLnBrk="0" hangingPunct="1"/>
+            <a:r>
+              <a:rPr lang="en-US" smtClean="0"/>
               <a:t>Fifth level</a:t>
             </a:r>
-            <a:endParaRPr lang="en-US" dirty="0"/>
+            <a:endParaRPr kumimoji="0" lang="en-US"/>
           </a:p>
         </p:txBody>
       </p:sp>
@@ -1221,48 +1261,64 @@
         </p:nvSpPr>
         <p:spPr>
           <a:xfrm>
-            <a:off x="6172200" y="1825625"/>
-            <a:ext cx="5181600" cy="4351338"/>
+            <a:off x="6197600" y="1600201"/>
+            <a:ext cx="5384800" cy="4525963"/>
           </a:xfrm>
         </p:spPr>
         <p:txBody>
           <a:bodyPr/>
-          <a:lstStyle/>
-          <a:p>
-            <a:pPr lvl="0"/>
-            <a:r>
-              <a:rPr lang="en-US" altLang="ja-JP"/>
-              <a:t>Edit Master text styles</a:t>
-            </a:r>
-          </a:p>
-          <a:p>
-            <a:pPr lvl="1"/>
-            <a:r>
-              <a:rPr lang="en-US" altLang="ja-JP"/>
+          <a:lstStyle>
+            <a:lvl1pPr>
+              <a:defRPr sz="2600"/>
+            </a:lvl1pPr>
+            <a:lvl2pPr>
+              <a:defRPr sz="2400"/>
+            </a:lvl2pPr>
+            <a:lvl3pPr>
+              <a:defRPr sz="2000"/>
+            </a:lvl3pPr>
+            <a:lvl4pPr>
+              <a:defRPr sz="1800"/>
+            </a:lvl4pPr>
+            <a:lvl5pPr>
+              <a:defRPr sz="1800"/>
+            </a:lvl5pPr>
+          </a:lstStyle>
+          <a:p>
+            <a:pPr lvl="0" eaLnBrk="1" latinLnBrk="0" hangingPunct="1"/>
+            <a:r>
+              <a:rPr lang="en-US" smtClean="0"/>
+              <a:t>Click to edit Master text styles</a:t>
+            </a:r>
+          </a:p>
+          <a:p>
+            <a:pPr lvl="1" eaLnBrk="1" latinLnBrk="0" hangingPunct="1"/>
+            <a:r>
+              <a:rPr lang="en-US" smtClean="0"/>
               <a:t>Second level</a:t>
             </a:r>
           </a:p>
           <a:p>
-            <a:pPr lvl="2"/>
-            <a:r>
-              <a:rPr lang="en-US" altLang="ja-JP"/>
+            <a:pPr lvl="2" eaLnBrk="1" latinLnBrk="0" hangingPunct="1"/>
+            <a:r>
+              <a:rPr lang="en-US" smtClean="0"/>
               <a:t>Third level</a:t>
             </a:r>
           </a:p>
           <a:p>
-            <a:pPr lvl="3"/>
-            <a:r>
-              <a:rPr lang="en-US" altLang="ja-JP"/>
+            <a:pPr lvl="3" eaLnBrk="1" latinLnBrk="0" hangingPunct="1"/>
+            <a:r>
+              <a:rPr lang="en-US" smtClean="0"/>
               <a:t>Fourth level</a:t>
             </a:r>
           </a:p>
           <a:p>
-            <a:pPr lvl="4"/>
-            <a:r>
-              <a:rPr lang="en-US" altLang="ja-JP"/>
+            <a:pPr lvl="4" eaLnBrk="1" latinLnBrk="0" hangingPunct="1"/>
+            <a:r>
+              <a:rPr lang="en-US" smtClean="0"/>
               <a:t>Fifth level</a:t>
             </a:r>
-            <a:endParaRPr lang="en-US" dirty="0"/>
+            <a:endParaRPr kumimoji="0" lang="en-US"/>
           </a:p>
         </p:txBody>
       </p:sp>
@@ -1284,7 +1340,7 @@
             <a:fld id="{7FCC5AE5-E495-4913-B643-A95A6AFABB00}" type="datetimeFigureOut">
               <a:rPr kumimoji="1" lang="ja-JP" altLang="en-US" smtClean="0"/>
               <a:pPr/>
-              <a:t>2022/8/24</a:t>
+              <a:t>2022/8/25</a:t>
             </a:fld>
             <a:endParaRPr kumimoji="1" lang="ja-JP" altLang="en-US"/>
           </a:p>
@@ -1334,11 +1390,6 @@
         </p:txBody>
       </p:sp>
     </p:spTree>
-    <p:extLst>
-      <p:ext uri="{BB962C8B-B14F-4D97-AF65-F5344CB8AC3E}">
-        <p14:creationId xmlns="" xmlns:p14="http://schemas.microsoft.com/office/powerpoint/2010/main" val="3048296005"/>
-      </p:ext>
-    </p:extLst>
   </p:cSld>
   <p:clrMapOvr>
     <a:masterClrMapping/>
@@ -1375,19 +1426,23 @@
         </p:nvSpPr>
         <p:spPr>
           <a:xfrm>
-            <a:off x="839788" y="365125"/>
-            <a:ext cx="10515600" cy="1325563"/>
+            <a:off x="609600" y="273050"/>
+            <a:ext cx="10972800" cy="1143000"/>
           </a:xfrm>
         </p:spPr>
         <p:txBody>
-          <a:bodyPr/>
-          <a:lstStyle/>
-          <a:p>
-            <a:r>
-              <a:rPr lang="en-US" altLang="ja-JP"/>
+          <a:bodyPr anchor="ctr"/>
+          <a:lstStyle>
+            <a:lvl1pPr>
+              <a:defRPr/>
+            </a:lvl1pPr>
+          </a:lstStyle>
+          <a:p>
+            <a:r>
+              <a:rPr kumimoji="0" lang="en-US" smtClean="0"/>
               <a:t>Click to edit Master title style</a:t>
             </a:r>
-            <a:endParaRPr lang="en-US" dirty="0"/>
+            <a:endParaRPr kumimoji="0" lang="en-US"/>
           </a:p>
         </p:txBody>
       </p:sp>
@@ -1403,235 +1458,243 @@
         </p:nvSpPr>
         <p:spPr>
           <a:xfrm>
-            <a:off x="839788" y="1681163"/>
-            <a:ext cx="5157787" cy="823912"/>
+            <a:off x="609600" y="1535113"/>
+            <a:ext cx="5386917" cy="750887"/>
           </a:xfrm>
         </p:spPr>
         <p:txBody>
-          <a:bodyPr anchor="b"/>
+          <a:bodyPr anchor="ctr"/>
           <a:lstStyle>
             <a:lvl1pPr marL="0" indent="0">
               <a:buNone/>
-              <a:defRPr sz="2400" b="1"/>
+              <a:defRPr sz="2400" b="0" cap="all" baseline="0">
+                <a:solidFill>
+                  <a:schemeClr val="tx1"/>
+                </a:solidFill>
+              </a:defRPr>
             </a:lvl1pPr>
-            <a:lvl2pPr marL="457200" indent="0">
+            <a:lvl2pPr>
               <a:buNone/>
               <a:defRPr sz="2000" b="1"/>
             </a:lvl2pPr>
-            <a:lvl3pPr marL="914400" indent="0">
+            <a:lvl3pPr>
               <a:buNone/>
               <a:defRPr sz="1800" b="1"/>
             </a:lvl3pPr>
-            <a:lvl4pPr marL="1371600" indent="0">
+            <a:lvl4pPr>
               <a:buNone/>
               <a:defRPr sz="1600" b="1"/>
             </a:lvl4pPr>
-            <a:lvl5pPr marL="1828800" indent="0">
+            <a:lvl5pPr>
               <a:buNone/>
               <a:defRPr sz="1600" b="1"/>
             </a:lvl5pPr>
-            <a:lvl6pPr marL="2286000" indent="0">
-              <a:buNone/>
-              <a:defRPr sz="1600" b="1"/>
-            </a:lvl6pPr>
-            <a:lvl7pPr marL="2743200" indent="0">
-              <a:buNone/>
-              <a:defRPr sz="1600" b="1"/>
-            </a:lvl7pPr>
-            <a:lvl8pPr marL="3200400" indent="0">
-              <a:buNone/>
-              <a:defRPr sz="1600" b="1"/>
-            </a:lvl8pPr>
-            <a:lvl9pPr marL="3657600" indent="0">
-              <a:buNone/>
-              <a:defRPr sz="1600" b="1"/>
-            </a:lvl9pPr>
           </a:lstStyle>
           <a:p>
-            <a:pPr lvl="0"/>
-            <a:r>
-              <a:rPr lang="en-US" altLang="ja-JP"/>
-              <a:t>Edit Master text styles</a:t>
-            </a:r>
-          </a:p>
-        </p:txBody>
-      </p:sp>
-      <p:sp>
-        <p:nvSpPr>
-          <p:cNvPr id="4" name="Content Placeholder 3"/>
-          <p:cNvSpPr>
-            <a:spLocks noGrp="1"/>
-          </p:cNvSpPr>
-          <p:nvPr>
-            <p:ph sz="half" idx="2"/>
+            <a:pPr lvl="0" eaLnBrk="1" latinLnBrk="0" hangingPunct="1"/>
+            <a:r>
+              <a:rPr kumimoji="0" lang="en-US" smtClean="0"/>
+              <a:t>Click to edit Master text styles</a:t>
+            </a:r>
+          </a:p>
+        </p:txBody>
+      </p:sp>
+      <p:sp>
+        <p:nvSpPr>
+          <p:cNvPr id="4" name="Text Placeholder 3"/>
+          <p:cNvSpPr>
+            <a:spLocks noGrp="1"/>
+          </p:cNvSpPr>
+          <p:nvPr>
+            <p:ph type="body" sz="half" idx="3"/>
           </p:nvPr>
         </p:nvSpPr>
         <p:spPr>
           <a:xfrm>
-            <a:off x="839788" y="2505075"/>
-            <a:ext cx="5157787" cy="3684588"/>
+            <a:off x="6193368" y="1535113"/>
+            <a:ext cx="5389033" cy="750887"/>
           </a:xfrm>
         </p:spPr>
         <p:txBody>
-          <a:bodyPr/>
-          <a:lstStyle/>
-          <a:p>
-            <a:pPr lvl="0"/>
-            <a:r>
-              <a:rPr lang="en-US" altLang="ja-JP"/>
-              <a:t>Edit Master text styles</a:t>
-            </a:r>
-          </a:p>
-          <a:p>
-            <a:pPr lvl="1"/>
-            <a:r>
-              <a:rPr lang="en-US" altLang="ja-JP"/>
-              <a:t>Second level</a:t>
-            </a:r>
-          </a:p>
-          <a:p>
-            <a:pPr lvl="2"/>
-            <a:r>
-              <a:rPr lang="en-US" altLang="ja-JP"/>
-              <a:t>Third level</a:t>
-            </a:r>
-          </a:p>
-          <a:p>
-            <a:pPr lvl="3"/>
-            <a:r>
-              <a:rPr lang="en-US" altLang="ja-JP"/>
-              <a:t>Fourth level</a:t>
-            </a:r>
-          </a:p>
-          <a:p>
-            <a:pPr lvl="4"/>
-            <a:r>
-              <a:rPr lang="en-US" altLang="ja-JP"/>
-              <a:t>Fifth level</a:t>
-            </a:r>
-            <a:endParaRPr lang="en-US" dirty="0"/>
-          </a:p>
-        </p:txBody>
-      </p:sp>
-      <p:sp>
-        <p:nvSpPr>
-          <p:cNvPr id="5" name="Text Placeholder 4"/>
-          <p:cNvSpPr>
-            <a:spLocks noGrp="1"/>
-          </p:cNvSpPr>
-          <p:nvPr>
-            <p:ph type="body" sz="quarter" idx="3"/>
-          </p:nvPr>
-        </p:nvSpPr>
-        <p:spPr>
-          <a:xfrm>
-            <a:off x="6172200" y="1681163"/>
-            <a:ext cx="5183188" cy="823912"/>
-          </a:xfrm>
-        </p:spPr>
-        <p:txBody>
-          <a:bodyPr anchor="b"/>
+          <a:bodyPr anchor="ctr"/>
           <a:lstStyle>
             <a:lvl1pPr marL="0" indent="0">
               <a:buNone/>
-              <a:defRPr sz="2400" b="1"/>
+              <a:defRPr sz="2400" b="0" cap="all" baseline="0">
+                <a:solidFill>
+                  <a:schemeClr val="tx1"/>
+                </a:solidFill>
+              </a:defRPr>
             </a:lvl1pPr>
-            <a:lvl2pPr marL="457200" indent="0">
+            <a:lvl2pPr>
               <a:buNone/>
               <a:defRPr sz="2000" b="1"/>
             </a:lvl2pPr>
-            <a:lvl3pPr marL="914400" indent="0">
+            <a:lvl3pPr>
               <a:buNone/>
               <a:defRPr sz="1800" b="1"/>
             </a:lvl3pPr>
-            <a:lvl4pPr marL="1371600" indent="0">
+            <a:lvl4pPr>
               <a:buNone/>
               <a:defRPr sz="1600" b="1"/>
             </a:lvl4pPr>
-            <a:lvl5pPr marL="1828800" indent="0">
+            <a:lvl5pPr>
               <a:buNone/>
               <a:defRPr sz="1600" b="1"/>
             </a:lvl5pPr>
-            <a:lvl6pPr marL="2286000" indent="0">
-              <a:buNone/>
-              <a:defRPr sz="1600" b="1"/>
-            </a:lvl6pPr>
-            <a:lvl7pPr marL="2743200" indent="0">
-              <a:buNone/>
-              <a:defRPr sz="1600" b="1"/>
-            </a:lvl7pPr>
-            <a:lvl8pPr marL="3200400" indent="0">
-              <a:buNone/>
-              <a:defRPr sz="1600" b="1"/>
-            </a:lvl8pPr>
-            <a:lvl9pPr marL="3657600" indent="0">
-              <a:buNone/>
-              <a:defRPr sz="1600" b="1"/>
-            </a:lvl9pPr>
           </a:lstStyle>
           <a:p>
-            <a:pPr lvl="0"/>
-            <a:r>
-              <a:rPr lang="en-US" altLang="ja-JP"/>
-              <a:t>Edit Master text styles</a:t>
-            </a:r>
-          </a:p>
-        </p:txBody>
-      </p:sp>
-      <p:sp>
-        <p:nvSpPr>
-          <p:cNvPr id="6" name="Content Placeholder 5"/>
-          <p:cNvSpPr>
-            <a:spLocks noGrp="1"/>
-          </p:cNvSpPr>
-          <p:nvPr>
-            <p:ph sz="quarter" idx="4"/>
+            <a:pPr lvl="0" eaLnBrk="1" latinLnBrk="0" hangingPunct="1"/>
+            <a:r>
+              <a:rPr kumimoji="0" lang="en-US" smtClean="0"/>
+              <a:t>Click to edit Master text styles</a:t>
+            </a:r>
+          </a:p>
+        </p:txBody>
+      </p:sp>
+      <p:sp>
+        <p:nvSpPr>
+          <p:cNvPr id="5" name="Content Placeholder 4"/>
+          <p:cNvSpPr>
+            <a:spLocks noGrp="1"/>
+          </p:cNvSpPr>
+          <p:nvPr>
+            <p:ph sz="quarter" idx="2"/>
           </p:nvPr>
         </p:nvSpPr>
         <p:spPr>
           <a:xfrm>
-            <a:off x="6172200" y="2505075"/>
-            <a:ext cx="5183188" cy="3684588"/>
+            <a:off x="609600" y="2362201"/>
+            <a:ext cx="5386917" cy="3763963"/>
           </a:xfrm>
         </p:spPr>
         <p:txBody>
           <a:bodyPr/>
-          <a:lstStyle/>
-          <a:p>
-            <a:pPr lvl="0"/>
-            <a:r>
-              <a:rPr lang="en-US" altLang="ja-JP"/>
-              <a:t>Edit Master text styles</a:t>
-            </a:r>
-          </a:p>
-          <a:p>
-            <a:pPr lvl="1"/>
-            <a:r>
-              <a:rPr lang="en-US" altLang="ja-JP"/>
+          <a:lstStyle>
+            <a:lvl1pPr>
+              <a:defRPr sz="2400"/>
+            </a:lvl1pPr>
+            <a:lvl2pPr>
+              <a:defRPr sz="2000"/>
+            </a:lvl2pPr>
+            <a:lvl3pPr>
+              <a:defRPr sz="1800"/>
+            </a:lvl3pPr>
+            <a:lvl4pPr>
+              <a:defRPr sz="1600"/>
+            </a:lvl4pPr>
+            <a:lvl5pPr>
+              <a:defRPr sz="1600"/>
+            </a:lvl5pPr>
+          </a:lstStyle>
+          <a:p>
+            <a:pPr lvl="0" eaLnBrk="1" latinLnBrk="0" hangingPunct="1"/>
+            <a:r>
+              <a:rPr lang="en-US" smtClean="0"/>
+              <a:t>Click to edit Master text styles</a:t>
+            </a:r>
+          </a:p>
+          <a:p>
+            <a:pPr lvl="1" eaLnBrk="1" latinLnBrk="0" hangingPunct="1"/>
+            <a:r>
+              <a:rPr lang="en-US" smtClean="0"/>
               <a:t>Second level</a:t>
             </a:r>
           </a:p>
           <a:p>
-            <a:pPr lvl="2"/>
-            <a:r>
-              <a:rPr lang="en-US" altLang="ja-JP"/>
+            <a:pPr lvl="2" eaLnBrk="1" latinLnBrk="0" hangingPunct="1"/>
+            <a:r>
+              <a:rPr lang="en-US" smtClean="0"/>
               <a:t>Third level</a:t>
             </a:r>
           </a:p>
           <a:p>
-            <a:pPr lvl="3"/>
-            <a:r>
-              <a:rPr lang="en-US" altLang="ja-JP"/>
+            <a:pPr lvl="3" eaLnBrk="1" latinLnBrk="0" hangingPunct="1"/>
+            <a:r>
+              <a:rPr lang="en-US" smtClean="0"/>
               <a:t>Fourth level</a:t>
             </a:r>
           </a:p>
           <a:p>
-            <a:pPr lvl="4"/>
-            <a:r>
-              <a:rPr lang="en-US" altLang="ja-JP"/>
+            <a:pPr lvl="4" eaLnBrk="1" latinLnBrk="0" hangingPunct="1"/>
+            <a:r>
+              <a:rPr lang="en-US" smtClean="0"/>
               <a:t>Fifth level</a:t>
             </a:r>
-            <a:endParaRPr lang="en-US" dirty="0"/>
+            <a:endParaRPr kumimoji="0" lang="en-US"/>
+          </a:p>
+        </p:txBody>
+      </p:sp>
+      <p:sp>
+        <p:nvSpPr>
+          <p:cNvPr id="6" name="Content Placeholder 5"/>
+          <p:cNvSpPr>
+            <a:spLocks noGrp="1"/>
+          </p:cNvSpPr>
+          <p:nvPr>
+            <p:ph sz="quarter" idx="4"/>
+          </p:nvPr>
+        </p:nvSpPr>
+        <p:spPr>
+          <a:xfrm>
+            <a:off x="6193368" y="2362201"/>
+            <a:ext cx="5389033" cy="3763963"/>
+          </a:xfrm>
+        </p:spPr>
+        <p:txBody>
+          <a:bodyPr/>
+          <a:lstStyle>
+            <a:lvl1pPr>
+              <a:defRPr sz="2400"/>
+            </a:lvl1pPr>
+            <a:lvl2pPr>
+              <a:defRPr sz="2000"/>
+            </a:lvl2pPr>
+            <a:lvl3pPr>
+              <a:defRPr sz="1800"/>
+            </a:lvl3pPr>
+            <a:lvl4pPr>
+              <a:defRPr sz="1600"/>
+            </a:lvl4pPr>
+            <a:lvl5pPr>
+              <a:defRPr sz="1600"/>
+            </a:lvl5pPr>
+          </a:lstStyle>
+          <a:p>
+            <a:pPr lvl="0" eaLnBrk="1" latinLnBrk="0" hangingPunct="1"/>
+            <a:r>
+              <a:rPr lang="en-US" smtClean="0"/>
+              <a:t>Click to edit Master text styles</a:t>
+            </a:r>
+          </a:p>
+          <a:p>
+            <a:pPr lvl="1" eaLnBrk="1" latinLnBrk="0" hangingPunct="1"/>
+            <a:r>
+              <a:rPr lang="en-US" smtClean="0"/>
+              <a:t>Second level</a:t>
+            </a:r>
+          </a:p>
+          <a:p>
+            <a:pPr lvl="2" eaLnBrk="1" latinLnBrk="0" hangingPunct="1"/>
+            <a:r>
+              <a:rPr lang="en-US" smtClean="0"/>
+              <a:t>Third level</a:t>
+            </a:r>
+          </a:p>
+          <a:p>
+            <a:pPr lvl="3" eaLnBrk="1" latinLnBrk="0" hangingPunct="1"/>
+            <a:r>
+              <a:rPr lang="en-US" smtClean="0"/>
+              <a:t>Fourth level</a:t>
+            </a:r>
+          </a:p>
+          <a:p>
+            <a:pPr lvl="4" eaLnBrk="1" latinLnBrk="0" hangingPunct="1"/>
+            <a:r>
+              <a:rPr lang="en-US" smtClean="0"/>
+              <a:t>Fifth level</a:t>
+            </a:r>
+            <a:endParaRPr kumimoji="0" lang="en-US"/>
           </a:p>
         </p:txBody>
       </p:sp>
@@ -1653,7 +1716,7 @@
             <a:fld id="{7FCC5AE5-E495-4913-B643-A95A6AFABB00}" type="datetimeFigureOut">
               <a:rPr kumimoji="1" lang="ja-JP" altLang="en-US" smtClean="0"/>
               <a:pPr/>
-              <a:t>2022/8/24</a:t>
+              <a:t>2022/8/25</a:t>
             </a:fld>
             <a:endParaRPr kumimoji="1" lang="ja-JP" altLang="en-US"/>
           </a:p>
@@ -1703,11 +1766,6 @@
         </p:txBody>
       </p:sp>
     </p:spTree>
-    <p:extLst>
-      <p:ext uri="{BB962C8B-B14F-4D97-AF65-F5344CB8AC3E}">
-        <p14:creationId xmlns="" xmlns:p14="http://schemas.microsoft.com/office/powerpoint/2010/main" val="890299385"/>
-      </p:ext>
-    </p:extLst>
   </p:cSld>
   <p:clrMapOvr>
     <a:masterClrMapping/>
@@ -1748,10 +1806,10 @@
           <a:lstStyle/>
           <a:p>
             <a:r>
-              <a:rPr lang="en-US" altLang="ja-JP"/>
+              <a:rPr kumimoji="0" lang="en-US" smtClean="0"/>
               <a:t>Click to edit Master title style</a:t>
             </a:r>
-            <a:endParaRPr lang="en-US" dirty="0"/>
+            <a:endParaRPr kumimoji="0" lang="en-US"/>
           </a:p>
         </p:txBody>
       </p:sp>
@@ -1773,7 +1831,7 @@
             <a:fld id="{7FCC5AE5-E495-4913-B643-A95A6AFABB00}" type="datetimeFigureOut">
               <a:rPr kumimoji="1" lang="ja-JP" altLang="en-US" smtClean="0"/>
               <a:pPr/>
-              <a:t>2022/8/24</a:t>
+              <a:t>2022/8/25</a:t>
             </a:fld>
             <a:endParaRPr kumimoji="1" lang="ja-JP" altLang="en-US"/>
           </a:p>
@@ -1823,11 +1881,6 @@
         </p:txBody>
       </p:sp>
     </p:spTree>
-    <p:extLst>
-      <p:ext uri="{BB962C8B-B14F-4D97-AF65-F5344CB8AC3E}">
-        <p14:creationId xmlns="" xmlns:p14="http://schemas.microsoft.com/office/powerpoint/2010/main" val="2049573599"/>
-      </p:ext>
-    </p:extLst>
   </p:cSld>
   <p:clrMapOvr>
     <a:masterClrMapping/>
@@ -1870,7 +1923,7 @@
             <a:fld id="{7FCC5AE5-E495-4913-B643-A95A6AFABB00}" type="datetimeFigureOut">
               <a:rPr kumimoji="1" lang="ja-JP" altLang="en-US" smtClean="0"/>
               <a:pPr/>
-              <a:t>2022/8/24</a:t>
+              <a:t>2022/8/25</a:t>
             </a:fld>
             <a:endParaRPr kumimoji="1" lang="ja-JP" altLang="en-US"/>
           </a:p>
@@ -1920,11 +1973,6 @@
         </p:txBody>
       </p:sp>
     </p:spTree>
-    <p:extLst>
-      <p:ext uri="{BB962C8B-B14F-4D97-AF65-F5344CB8AC3E}">
-        <p14:creationId xmlns="" xmlns:p14="http://schemas.microsoft.com/office/powerpoint/2010/main" val="1896888541"/>
-      </p:ext>
-    </p:extLst>
   </p:cSld>
   <p:clrMapOvr>
     <a:masterClrMapping/>
@@ -1961,173 +2009,159 @@
         </p:nvSpPr>
         <p:spPr>
           <a:xfrm>
-            <a:off x="839788" y="457200"/>
-            <a:ext cx="3932237" cy="1600200"/>
+            <a:off x="609601" y="273050"/>
+            <a:ext cx="4011084" cy="1162050"/>
           </a:xfrm>
         </p:spPr>
         <p:txBody>
-          <a:bodyPr anchor="b"/>
+          <a:bodyPr vert="horz" anchor="b">
+            <a:normAutofit/>
+            <a:sp3d prstMaterial="softEdge"/>
+          </a:bodyPr>
+          <a:lstStyle>
+            <a:lvl1pPr algn="l">
+              <a:buNone/>
+              <a:defRPr sz="2200" b="0">
+                <a:ln w="6350">
+                  <a:noFill/>
+                </a:ln>
+                <a:solidFill>
+                  <a:schemeClr val="accent1">
+                    <a:tint val="73000"/>
+                    <a:satMod val="180000"/>
+                  </a:schemeClr>
+                </a:solidFill>
+              </a:defRPr>
+            </a:lvl1pPr>
+          </a:lstStyle>
+          <a:p>
+            <a:r>
+              <a:rPr kumimoji="0" lang="en-US" smtClean="0"/>
+              <a:t>Click to edit Master title style</a:t>
+            </a:r>
+            <a:endParaRPr kumimoji="0" lang="en-US"/>
+          </a:p>
+        </p:txBody>
+      </p:sp>
+      <p:sp>
+        <p:nvSpPr>
+          <p:cNvPr id="3" name="Text Placeholder 2"/>
+          <p:cNvSpPr>
+            <a:spLocks noGrp="1"/>
+          </p:cNvSpPr>
+          <p:nvPr>
+            <p:ph type="body" idx="2"/>
+          </p:nvPr>
+        </p:nvSpPr>
+        <p:spPr>
+          <a:xfrm>
+            <a:off x="609601" y="1524001"/>
+            <a:ext cx="4011084" cy="4602163"/>
+          </a:xfrm>
+        </p:spPr>
+        <p:txBody>
+          <a:bodyPr/>
+          <a:lstStyle>
+            <a:lvl1pPr marL="0" indent="0">
+              <a:buNone/>
+              <a:defRPr sz="1400"/>
+            </a:lvl1pPr>
+            <a:lvl2pPr>
+              <a:buNone/>
+              <a:defRPr sz="1200"/>
+            </a:lvl2pPr>
+            <a:lvl3pPr>
+              <a:buNone/>
+              <a:defRPr sz="1000"/>
+            </a:lvl3pPr>
+            <a:lvl4pPr>
+              <a:buNone/>
+              <a:defRPr sz="900"/>
+            </a:lvl4pPr>
+            <a:lvl5pPr>
+              <a:buNone/>
+              <a:defRPr sz="900"/>
+            </a:lvl5pPr>
+          </a:lstStyle>
+          <a:p>
+            <a:pPr lvl="0" eaLnBrk="1" latinLnBrk="0" hangingPunct="1"/>
+            <a:r>
+              <a:rPr kumimoji="0" lang="en-US" smtClean="0"/>
+              <a:t>Click to edit Master text styles</a:t>
+            </a:r>
+          </a:p>
+        </p:txBody>
+      </p:sp>
+      <p:sp>
+        <p:nvSpPr>
+          <p:cNvPr id="4" name="Content Placeholder 3"/>
+          <p:cNvSpPr>
+            <a:spLocks noGrp="1"/>
+          </p:cNvSpPr>
+          <p:nvPr>
+            <p:ph sz="half" idx="1"/>
+          </p:nvPr>
+        </p:nvSpPr>
+        <p:spPr>
+          <a:xfrm>
+            <a:off x="4766733" y="273051"/>
+            <a:ext cx="6815667" cy="5853113"/>
+          </a:xfrm>
+        </p:spPr>
+        <p:txBody>
+          <a:bodyPr/>
           <a:lstStyle>
             <a:lvl1pPr>
-              <a:defRPr sz="3200"/>
-            </a:lvl1pPr>
-          </a:lstStyle>
-          <a:p>
-            <a:r>
-              <a:rPr lang="en-US" altLang="ja-JP"/>
-              <a:t>Click to edit Master title style</a:t>
-            </a:r>
-            <a:endParaRPr lang="en-US" dirty="0"/>
-          </a:p>
-        </p:txBody>
-      </p:sp>
-      <p:sp>
-        <p:nvSpPr>
-          <p:cNvPr id="3" name="Content Placeholder 2"/>
-          <p:cNvSpPr>
-            <a:spLocks noGrp="1"/>
-          </p:cNvSpPr>
-          <p:nvPr>
-            <p:ph idx="1"/>
-          </p:nvPr>
-        </p:nvSpPr>
-        <p:spPr>
-          <a:xfrm>
-            <a:off x="5183188" y="987425"/>
-            <a:ext cx="6172200" cy="4873625"/>
-          </a:xfrm>
-        </p:spPr>
-        <p:txBody>
-          <a:bodyPr/>
-          <a:lstStyle>
-            <a:lvl1pPr>
-              <a:defRPr sz="3200"/>
+              <a:defRPr sz="2600"/>
             </a:lvl1pPr>
             <a:lvl2pPr>
-              <a:defRPr sz="2800"/>
+              <a:defRPr sz="2400"/>
             </a:lvl2pPr>
             <a:lvl3pPr>
-              <a:defRPr sz="2400"/>
+              <a:defRPr sz="2200"/>
             </a:lvl3pPr>
             <a:lvl4pPr>
               <a:defRPr sz="2000"/>
             </a:lvl4pPr>
             <a:lvl5pPr>
-              <a:defRPr sz="2000"/>
+              <a:defRPr sz="1800"/>
             </a:lvl5pPr>
-            <a:lvl6pPr>
-              <a:defRPr sz="2000"/>
-            </a:lvl6pPr>
-            <a:lvl7pPr>
-              <a:defRPr sz="2000"/>
-            </a:lvl7pPr>
-            <a:lvl8pPr>
-              <a:defRPr sz="2000"/>
-            </a:lvl8pPr>
-            <a:lvl9pPr>
-              <a:defRPr sz="2000"/>
-            </a:lvl9pPr>
           </a:lstStyle>
           <a:p>
-            <a:pPr lvl="0"/>
-            <a:r>
-              <a:rPr lang="en-US" altLang="ja-JP"/>
-              <a:t>Edit Master text styles</a:t>
-            </a:r>
-          </a:p>
-          <a:p>
-            <a:pPr lvl="1"/>
-            <a:r>
-              <a:rPr lang="en-US" altLang="ja-JP"/>
+            <a:pPr lvl="0" eaLnBrk="1" latinLnBrk="0" hangingPunct="1"/>
+            <a:r>
+              <a:rPr lang="en-US" smtClean="0"/>
+              <a:t>Click to edit Master text styles</a:t>
+            </a:r>
+          </a:p>
+          <a:p>
+            <a:pPr lvl="1" eaLnBrk="1" latinLnBrk="0" hangingPunct="1"/>
+            <a:r>
+              <a:rPr lang="en-US" smtClean="0"/>
               <a:t>Second level</a:t>
             </a:r>
           </a:p>
           <a:p>
-            <a:pPr lvl="2"/>
-            <a:r>
-              <a:rPr lang="en-US" altLang="ja-JP"/>
+            <a:pPr lvl="2" eaLnBrk="1" latinLnBrk="0" hangingPunct="1"/>
+            <a:r>
+              <a:rPr lang="en-US" smtClean="0"/>
               <a:t>Third level</a:t>
             </a:r>
           </a:p>
           <a:p>
-            <a:pPr lvl="3"/>
-            <a:r>
-              <a:rPr lang="en-US" altLang="ja-JP"/>
+            <a:pPr lvl="3" eaLnBrk="1" latinLnBrk="0" hangingPunct="1"/>
+            <a:r>
+              <a:rPr lang="en-US" smtClean="0"/>
               <a:t>Fourth level</a:t>
             </a:r>
           </a:p>
           <a:p>
-            <a:pPr lvl="4"/>
-            <a:r>
-              <a:rPr lang="en-US" altLang="ja-JP"/>
+            <a:pPr lvl="4" eaLnBrk="1" latinLnBrk="0" hangingPunct="1"/>
+            <a:r>
+              <a:rPr lang="en-US" smtClean="0"/>
               <a:t>Fifth level</a:t>
             </a:r>
-            <a:endParaRPr lang="en-US" dirty="0"/>
-          </a:p>
-        </p:txBody>
-      </p:sp>
-      <p:sp>
-        <p:nvSpPr>
-          <p:cNvPr id="4" name="Text Placeholder 3"/>
-          <p:cNvSpPr>
-            <a:spLocks noGrp="1"/>
-          </p:cNvSpPr>
-          <p:nvPr>
-            <p:ph type="body" sz="half" idx="2"/>
-          </p:nvPr>
-        </p:nvSpPr>
-        <p:spPr>
-          <a:xfrm>
-            <a:off x="839788" y="2057400"/>
-            <a:ext cx="3932237" cy="3811588"/>
-          </a:xfrm>
-        </p:spPr>
-        <p:txBody>
-          <a:bodyPr/>
-          <a:lstStyle>
-            <a:lvl1pPr marL="0" indent="0">
-              <a:buNone/>
-              <a:defRPr sz="1600"/>
-            </a:lvl1pPr>
-            <a:lvl2pPr marL="457200" indent="0">
-              <a:buNone/>
-              <a:defRPr sz="1400"/>
-            </a:lvl2pPr>
-            <a:lvl3pPr marL="914400" indent="0">
-              <a:buNone/>
-              <a:defRPr sz="1200"/>
-            </a:lvl3pPr>
-            <a:lvl4pPr marL="1371600" indent="0">
-              <a:buNone/>
-              <a:defRPr sz="1000"/>
-            </a:lvl4pPr>
-            <a:lvl5pPr marL="1828800" indent="0">
-              <a:buNone/>
-              <a:defRPr sz="1000"/>
-            </a:lvl5pPr>
-            <a:lvl6pPr marL="2286000" indent="0">
-              <a:buNone/>
-              <a:defRPr sz="1000"/>
-            </a:lvl6pPr>
-            <a:lvl7pPr marL="2743200" indent="0">
-              <a:buNone/>
-              <a:defRPr sz="1000"/>
-            </a:lvl7pPr>
-            <a:lvl8pPr marL="3200400" indent="0">
-              <a:buNone/>
-              <a:defRPr sz="1000"/>
-            </a:lvl8pPr>
-            <a:lvl9pPr marL="3657600" indent="0">
-              <a:buNone/>
-              <a:defRPr sz="1000"/>
-            </a:lvl9pPr>
-          </a:lstStyle>
-          <a:p>
-            <a:pPr lvl="0"/>
-            <a:r>
-              <a:rPr lang="en-US" altLang="ja-JP"/>
-              <a:t>Edit Master text styles</a:t>
-            </a:r>
+            <a:endParaRPr kumimoji="0" lang="en-US"/>
           </a:p>
         </p:txBody>
       </p:sp>
@@ -2149,7 +2183,7 @@
             <a:fld id="{7FCC5AE5-E495-4913-B643-A95A6AFABB00}" type="datetimeFigureOut">
               <a:rPr kumimoji="1" lang="ja-JP" altLang="en-US" smtClean="0"/>
               <a:pPr/>
-              <a:t>2022/8/24</a:t>
+              <a:t>2022/8/25</a:t>
             </a:fld>
             <a:endParaRPr kumimoji="1" lang="ja-JP" altLang="en-US"/>
           </a:p>
@@ -2199,11 +2233,6 @@
         </p:txBody>
       </p:sp>
     </p:spTree>
-    <p:extLst>
-      <p:ext uri="{BB962C8B-B14F-4D97-AF65-F5344CB8AC3E}">
-        <p14:creationId xmlns="" xmlns:p14="http://schemas.microsoft.com/office/powerpoint/2010/main" val="1581260034"/>
-      </p:ext>
-    </p:extLst>
   </p:cSld>
   <p:clrMapOvr>
     <a:masterClrMapping/>
@@ -2240,152 +2269,164 @@
         </p:nvSpPr>
         <p:spPr>
           <a:xfrm>
-            <a:off x="839788" y="457200"/>
-            <a:ext cx="3932237" cy="1600200"/>
+            <a:off x="2438400" y="609600"/>
+            <a:ext cx="7315200" cy="522288"/>
           </a:xfrm>
         </p:spPr>
         <p:txBody>
-          <a:bodyPr anchor="b"/>
+          <a:bodyPr lIns="45720" rIns="45720" bIns="0" anchor="b">
+            <a:sp3d prstMaterial="softEdge"/>
+          </a:bodyPr>
           <a:lstStyle>
-            <a:lvl1pPr>
+            <a:lvl1pPr algn="ctr">
+              <a:buNone/>
+              <a:defRPr sz="2000" b="1"/>
+            </a:lvl1pPr>
+          </a:lstStyle>
+          <a:p>
+            <a:r>
+              <a:rPr kumimoji="0" lang="en-US" smtClean="0"/>
+              <a:t>Click to edit Master title style</a:t>
+            </a:r>
+            <a:endParaRPr kumimoji="0" lang="en-US"/>
+          </a:p>
+        </p:txBody>
+      </p:sp>
+      <p:sp>
+        <p:nvSpPr>
+          <p:cNvPr id="3" name="Picture Placeholder 2"/>
+          <p:cNvSpPr>
+            <a:spLocks noGrp="1"/>
+          </p:cNvSpPr>
+          <p:nvPr>
+            <p:ph type="pic" idx="1"/>
+          </p:nvPr>
+        </p:nvSpPr>
+        <p:spPr>
+          <a:xfrm>
+            <a:off x="2438400" y="1831975"/>
+            <a:ext cx="7315200" cy="3962400"/>
+          </a:xfrm>
+          <a:solidFill>
+            <a:schemeClr val="bg2"/>
+          </a:solidFill>
+          <a:ln w="44450" cap="sq" cmpd="sng" algn="ctr">
+            <a:solidFill>
+              <a:srgbClr val="FFFFFF"/>
+            </a:solidFill>
+            <a:prstDash val="solid"/>
+            <a:miter lim="800000"/>
+          </a:ln>
+          <a:effectLst>
+            <a:outerShdw blurRad="190500" dist="228600" dir="2700000" sy="90000">
+              <a:srgbClr val="000000">
+                <a:alpha val="25000"/>
+              </a:srgbClr>
+            </a:outerShdw>
+          </a:effectLst>
+          <a:scene3d>
+            <a:camera prst="orthographicFront">
+              <a:rot lat="0" lon="0" rev="0"/>
+            </a:camera>
+            <a:lightRig rig="balanced" dir="tr">
+              <a:rot lat="0" lon="0" rev="2700000"/>
+            </a:lightRig>
+          </a:scene3d>
+          <a:sp3d prstMaterial="matte">
+            <a:contourClr>
+              <a:schemeClr val="tx2">
+                <a:shade val="50000"/>
+              </a:schemeClr>
+            </a:contourClr>
+          </a:sp3d>
+        </p:spPr>
+        <p:style>
+          <a:lnRef idx="3">
+            <a:schemeClr val="lt1"/>
+          </a:lnRef>
+          <a:fillRef idx="1">
+            <a:schemeClr val="accent1"/>
+          </a:fillRef>
+          <a:effectRef idx="1">
+            <a:schemeClr val="accent1"/>
+          </a:effectRef>
+          <a:fontRef idx="minor">
+            <a:schemeClr val="lt1"/>
+          </a:fontRef>
+        </p:style>
+        <p:txBody>
+          <a:bodyPr anchor="t"/>
+          <a:lstStyle>
+            <a:lvl1pPr indent="0">
+              <a:buNone/>
               <a:defRPr sz="3200"/>
             </a:lvl1pPr>
           </a:lstStyle>
           <a:p>
-            <a:r>
-              <a:rPr lang="en-US" altLang="ja-JP"/>
-              <a:t>Click to edit Master title style</a:t>
-            </a:r>
-            <a:endParaRPr lang="en-US" dirty="0"/>
-          </a:p>
-        </p:txBody>
-      </p:sp>
-      <p:sp>
-        <p:nvSpPr>
-          <p:cNvPr id="3" name="Picture Placeholder 2"/>
-          <p:cNvSpPr>
-            <a:spLocks noGrp="1" noChangeAspect="1"/>
-          </p:cNvSpPr>
-          <p:nvPr>
-            <p:ph type="pic" idx="1"/>
+            <a:pPr marL="0" algn="l" rtl="0" eaLnBrk="1" latinLnBrk="0" hangingPunct="1"/>
+            <a:r>
+              <a:rPr kumimoji="0" lang="en-US" smtClean="0">
+                <a:solidFill>
+                  <a:schemeClr val="lt1"/>
+                </a:solidFill>
+                <a:latin typeface="+mn-lt"/>
+                <a:ea typeface="+mn-ea"/>
+                <a:cs typeface="+mn-cs"/>
+              </a:rPr>
+              <a:t>Click icon to add picture</a:t>
+            </a:r>
+            <a:endParaRPr kumimoji="0" lang="en-US" dirty="0">
+              <a:solidFill>
+                <a:schemeClr val="lt1"/>
+              </a:solidFill>
+              <a:latin typeface="+mn-lt"/>
+              <a:ea typeface="+mn-ea"/>
+              <a:cs typeface="+mn-cs"/>
+            </a:endParaRPr>
+          </a:p>
+        </p:txBody>
+      </p:sp>
+      <p:sp>
+        <p:nvSpPr>
+          <p:cNvPr id="4" name="Text Placeholder 3"/>
+          <p:cNvSpPr>
+            <a:spLocks noGrp="1"/>
+          </p:cNvSpPr>
+          <p:nvPr>
+            <p:ph type="body" sz="half" idx="2"/>
           </p:nvPr>
         </p:nvSpPr>
         <p:spPr>
           <a:xfrm>
-            <a:off x="5183188" y="987425"/>
-            <a:ext cx="6172200" cy="4873625"/>
+            <a:off x="2438400" y="1166787"/>
+            <a:ext cx="7315200" cy="530352"/>
           </a:xfrm>
         </p:spPr>
         <p:txBody>
-          <a:bodyPr anchor="t"/>
+          <a:bodyPr lIns="45720" tIns="45720" rIns="45720" anchor="t"/>
           <a:lstStyle>
-            <a:lvl1pPr marL="0" indent="0">
-              <a:buNone/>
-              <a:defRPr sz="3200"/>
-            </a:lvl1pPr>
-            <a:lvl2pPr marL="457200" indent="0">
-              <a:buNone/>
-              <a:defRPr sz="2800"/>
-            </a:lvl2pPr>
-            <a:lvl3pPr marL="914400" indent="0">
-              <a:buNone/>
-              <a:defRPr sz="2400"/>
-            </a:lvl3pPr>
-            <a:lvl4pPr marL="1371600" indent="0">
-              <a:buNone/>
-              <a:defRPr sz="2000"/>
-            </a:lvl4pPr>
-            <a:lvl5pPr marL="1828800" indent="0">
-              <a:buNone/>
-              <a:defRPr sz="2000"/>
-            </a:lvl5pPr>
-            <a:lvl6pPr marL="2286000" indent="0">
-              <a:buNone/>
-              <a:defRPr sz="2000"/>
-            </a:lvl6pPr>
-            <a:lvl7pPr marL="2743200" indent="0">
-              <a:buNone/>
-              <a:defRPr sz="2000"/>
-            </a:lvl7pPr>
-            <a:lvl8pPr marL="3200400" indent="0">
-              <a:buNone/>
-              <a:defRPr sz="2000"/>
-            </a:lvl8pPr>
-            <a:lvl9pPr marL="3657600" indent="0">
-              <a:buNone/>
-              <a:defRPr sz="2000"/>
-            </a:lvl9pPr>
-          </a:lstStyle>
-          <a:p>
-            <a:r>
-              <a:rPr lang="en-US" altLang="ja-JP"/>
-              <a:t>Click icon to add picture</a:t>
-            </a:r>
-            <a:endParaRPr lang="en-US" dirty="0"/>
-          </a:p>
-        </p:txBody>
-      </p:sp>
-      <p:sp>
-        <p:nvSpPr>
-          <p:cNvPr id="4" name="Text Placeholder 3"/>
-          <p:cNvSpPr>
-            <a:spLocks noGrp="1"/>
-          </p:cNvSpPr>
-          <p:nvPr>
-            <p:ph type="body" sz="half" idx="2"/>
-          </p:nvPr>
-        </p:nvSpPr>
-        <p:spPr>
-          <a:xfrm>
-            <a:off x="839788" y="2057400"/>
-            <a:ext cx="3932237" cy="3811588"/>
-          </a:xfrm>
-        </p:spPr>
-        <p:txBody>
-          <a:bodyPr/>
-          <a:lstStyle>
-            <a:lvl1pPr marL="0" indent="0">
-              <a:buNone/>
-              <a:defRPr sz="1600"/>
-            </a:lvl1pPr>
-            <a:lvl2pPr marL="457200" indent="0">
+            <a:lvl1pPr marL="0" indent="0" algn="ctr">
               <a:buNone/>
               <a:defRPr sz="1400"/>
+            </a:lvl1pPr>
+            <a:lvl2pPr>
+              <a:defRPr sz="1200"/>
             </a:lvl2pPr>
-            <a:lvl3pPr marL="914400" indent="0">
-              <a:buNone/>
-              <a:defRPr sz="1200"/>
+            <a:lvl3pPr>
+              <a:defRPr sz="1000"/>
             </a:lvl3pPr>
-            <a:lvl4pPr marL="1371600" indent="0">
-              <a:buNone/>
-              <a:defRPr sz="1000"/>
+            <a:lvl4pPr>
+              <a:defRPr sz="900"/>
             </a:lvl4pPr>
-            <a:lvl5pPr marL="1828800" indent="0">
-              <a:buNone/>
-              <a:defRPr sz="1000"/>
+            <a:lvl5pPr>
+              <a:defRPr sz="900"/>
             </a:lvl5pPr>
-            <a:lvl6pPr marL="2286000" indent="0">
-              <a:buNone/>
-              <a:defRPr sz="1000"/>
-            </a:lvl6pPr>
-            <a:lvl7pPr marL="2743200" indent="0">
-              <a:buNone/>
-              <a:defRPr sz="1000"/>
-            </a:lvl7pPr>
-            <a:lvl8pPr marL="3200400" indent="0">
-              <a:buNone/>
-              <a:defRPr sz="1000"/>
-            </a:lvl8pPr>
-            <a:lvl9pPr marL="3657600" indent="0">
-              <a:buNone/>
-              <a:defRPr sz="1000"/>
-            </a:lvl9pPr>
           </a:lstStyle>
           <a:p>
-            <a:pPr lvl="0"/>
-            <a:r>
-              <a:rPr lang="en-US" altLang="ja-JP"/>
-              <a:t>Edit Master text styles</a:t>
+            <a:pPr lvl="0" eaLnBrk="1" latinLnBrk="0" hangingPunct="1"/>
+            <a:r>
+              <a:rPr kumimoji="0" lang="en-US" smtClean="0"/>
+              <a:t>Click to edit Master text styles</a:t>
             </a:r>
           </a:p>
         </p:txBody>
@@ -2408,7 +2449,7 @@
             <a:fld id="{7FCC5AE5-E495-4913-B643-A95A6AFABB00}" type="datetimeFigureOut">
               <a:rPr kumimoji="1" lang="ja-JP" altLang="en-US" smtClean="0"/>
               <a:pPr/>
-              <a:t>2022/8/24</a:t>
+              <a:t>2022/8/25</a:t>
             </a:fld>
             <a:endParaRPr kumimoji="1" lang="ja-JP" altLang="en-US"/>
           </a:p>
@@ -2458,11 +2499,6 @@
         </p:txBody>
       </p:sp>
     </p:spTree>
-    <p:extLst>
-      <p:ext uri="{BB962C8B-B14F-4D97-AF65-F5344CB8AC3E}">
-        <p14:creationId xmlns="" xmlns:p14="http://schemas.microsoft.com/office/powerpoint/2010/main" val="2397771766"/>
-      </p:ext>
-    </p:extLst>
   </p:cSld>
   <p:clrMapOvr>
     <a:masterClrMapping/>
@@ -2474,8 +2510,8 @@
 <p:sldMaster xmlns:a="http://schemas.openxmlformats.org/drawingml/2006/main" xmlns:r="http://schemas.openxmlformats.org/officeDocument/2006/relationships" xmlns:p="http://schemas.openxmlformats.org/presentationml/2006/main">
   <p:cSld>
     <p:bg>
-      <p:bgRef idx="1001">
-        <a:schemeClr val="bg1"/>
+      <p:bgRef idx="1003">
+        <a:schemeClr val="bg2"/>
       </p:bgRef>
     </p:bg>
     <p:spTree>
@@ -2494,7 +2530,7 @@
       </p:grpSpPr>
       <p:sp>
         <p:nvSpPr>
-          <p:cNvPr id="2" name="Title Placeholder 1"/>
+          <p:cNvPr id="22" name="Title Placeholder 21"/>
           <p:cNvSpPr>
             <a:spLocks noGrp="1"/>
           </p:cNvSpPr>
@@ -2504,30 +2540,39 @@
         </p:nvSpPr>
         <p:spPr>
           <a:xfrm>
-            <a:off x="838200" y="365125"/>
-            <a:ext cx="10515600" cy="1325563"/>
+            <a:off x="609600" y="274638"/>
+            <a:ext cx="10972800" cy="1143000"/>
           </a:xfrm>
           <a:prstGeom prst="rect">
             <a:avLst/>
           </a:prstGeom>
         </p:spPr>
         <p:txBody>
-          <a:bodyPr vert="horz" lIns="91440" tIns="45720" rIns="91440" bIns="45720" rtlCol="0" anchor="ctr">
+          <a:bodyPr vert="horz" anchor="ctr">
             <a:normAutofit/>
+            <a:scene3d>
+              <a:camera prst="orthographicFront"/>
+              <a:lightRig rig="soft" dir="t">
+                <a:rot lat="0" lon="0" rev="16800000"/>
+              </a:lightRig>
+            </a:scene3d>
+            <a:sp3d prstMaterial="softEdge">
+              <a:bevelT w="38100" h="38100"/>
+            </a:sp3d>
           </a:bodyPr>
           <a:lstStyle/>
           <a:p>
             <a:r>
-              <a:rPr lang="en-US" altLang="ja-JP"/>
+              <a:rPr kumimoji="0" lang="en-US" smtClean="0"/>
               <a:t>Click to edit Master title style</a:t>
             </a:r>
-            <a:endParaRPr lang="en-US" dirty="0"/>
-          </a:p>
-        </p:txBody>
-      </p:sp>
-      <p:sp>
-        <p:nvSpPr>
-          <p:cNvPr id="3" name="Text Placeholder 2"/>
+            <a:endParaRPr kumimoji="0" lang="en-US"/>
+          </a:p>
+        </p:txBody>
+      </p:sp>
+      <p:sp>
+        <p:nvSpPr>
+          <p:cNvPr id="13" name="Text Placeholder 12"/>
           <p:cNvSpPr>
             <a:spLocks noGrp="1"/>
           </p:cNvSpPr>
@@ -2537,59 +2582,59 @@
         </p:nvSpPr>
         <p:spPr>
           <a:xfrm>
-            <a:off x="838200" y="1825625"/>
-            <a:ext cx="10515600" cy="4351338"/>
+            <a:off x="609600" y="1600200"/>
+            <a:ext cx="10972800" cy="4709160"/>
           </a:xfrm>
           <a:prstGeom prst="rect">
             <a:avLst/>
           </a:prstGeom>
         </p:spPr>
         <p:txBody>
-          <a:bodyPr vert="horz" lIns="91440" tIns="45720" rIns="91440" bIns="45720" rtlCol="0">
+          <a:bodyPr vert="horz">
             <a:normAutofit/>
           </a:bodyPr>
           <a:lstStyle/>
           <a:p>
-            <a:pPr lvl="0"/>
-            <a:r>
-              <a:rPr lang="en-US" altLang="ja-JP"/>
-              <a:t>Edit Master text styles</a:t>
-            </a:r>
-          </a:p>
-          <a:p>
-            <a:pPr lvl="1"/>
-            <a:r>
-              <a:rPr lang="en-US" altLang="ja-JP"/>
+            <a:pPr lvl="0" eaLnBrk="1" latinLnBrk="0" hangingPunct="1"/>
+            <a:r>
+              <a:rPr kumimoji="0" lang="en-US" smtClean="0"/>
+              <a:t>Click to edit Master text styles</a:t>
+            </a:r>
+          </a:p>
+          <a:p>
+            <a:pPr lvl="1" eaLnBrk="1" latinLnBrk="0" hangingPunct="1"/>
+            <a:r>
+              <a:rPr kumimoji="0" lang="en-US" smtClean="0"/>
               <a:t>Second level</a:t>
             </a:r>
           </a:p>
           <a:p>
-            <a:pPr lvl="2"/>
-            <a:r>
-              <a:rPr lang="en-US" altLang="ja-JP"/>
+            <a:pPr lvl="2" eaLnBrk="1" latinLnBrk="0" hangingPunct="1"/>
+            <a:r>
+              <a:rPr kumimoji="0" lang="en-US" smtClean="0"/>
               <a:t>Third level</a:t>
             </a:r>
           </a:p>
           <a:p>
-            <a:pPr lvl="3"/>
-            <a:r>
-              <a:rPr lang="en-US" altLang="ja-JP"/>
+            <a:pPr lvl="3" eaLnBrk="1" latinLnBrk="0" hangingPunct="1"/>
+            <a:r>
+              <a:rPr kumimoji="0" lang="en-US" smtClean="0"/>
               <a:t>Fourth level</a:t>
             </a:r>
           </a:p>
           <a:p>
-            <a:pPr lvl="4"/>
-            <a:r>
-              <a:rPr lang="en-US" altLang="ja-JP"/>
+            <a:pPr lvl="4" eaLnBrk="1" latinLnBrk="0" hangingPunct="1"/>
+            <a:r>
+              <a:rPr kumimoji="0" lang="en-US" smtClean="0"/>
               <a:t>Fifth level</a:t>
             </a:r>
-            <a:endParaRPr lang="en-US" dirty="0"/>
-          </a:p>
-        </p:txBody>
-      </p:sp>
-      <p:sp>
-        <p:nvSpPr>
-          <p:cNvPr id="4" name="Date Placeholder 3"/>
+            <a:endParaRPr kumimoji="0" lang="en-US"/>
+          </a:p>
+        </p:txBody>
+      </p:sp>
+      <p:sp>
+        <p:nvSpPr>
+          <p:cNvPr id="14" name="Date Placeholder 13"/>
           <p:cNvSpPr>
             <a:spLocks noGrp="1"/>
           </p:cNvSpPr>
@@ -2599,21 +2644,21 @@
         </p:nvSpPr>
         <p:spPr>
           <a:xfrm>
-            <a:off x="838200" y="6356350"/>
-            <a:ext cx="2743200" cy="365125"/>
+            <a:off x="609600" y="6416676"/>
+            <a:ext cx="2844800" cy="365125"/>
           </a:xfrm>
           <a:prstGeom prst="rect">
             <a:avLst/>
           </a:prstGeom>
         </p:spPr>
         <p:txBody>
-          <a:bodyPr vert="horz" lIns="91440" tIns="45720" rIns="91440" bIns="45720" rtlCol="0" anchor="ctr"/>
+          <a:bodyPr vert="horz" anchor="b"/>
           <a:lstStyle>
-            <a:lvl1pPr algn="l">
-              <a:defRPr sz="1200">
+            <a:lvl1pPr algn="l" eaLnBrk="1" latinLnBrk="0" hangingPunct="1">
+              <a:defRPr kumimoji="0" sz="1200">
                 <a:solidFill>
                   <a:schemeClr val="tx1">
-                    <a:tint val="75000"/>
+                    <a:shade val="50000"/>
                   </a:schemeClr>
                 </a:solidFill>
               </a:defRPr>
@@ -2623,7 +2668,7 @@
             <a:fld id="{7FCC5AE5-E495-4913-B643-A95A6AFABB00}" type="datetimeFigureOut">
               <a:rPr kumimoji="1" lang="ja-JP" altLang="en-US" smtClean="0"/>
               <a:pPr/>
-              <a:t>2022/8/24</a:t>
+              <a:t>2022/8/25</a:t>
             </a:fld>
             <a:endParaRPr kumimoji="1" lang="ja-JP" altLang="en-US"/>
           </a:p>
@@ -2631,7 +2676,7 @@
       </p:sp>
       <p:sp>
         <p:nvSpPr>
-          <p:cNvPr id="5" name="Footer Placeholder 4"/>
+          <p:cNvPr id="3" name="Footer Placeholder 2"/>
           <p:cNvSpPr>
             <a:spLocks noGrp="1"/>
           </p:cNvSpPr>
@@ -2641,21 +2686,21 @@
         </p:nvSpPr>
         <p:spPr>
           <a:xfrm>
-            <a:off x="4038600" y="6356350"/>
-            <a:ext cx="4114800" cy="365125"/>
+            <a:off x="4165600" y="6416676"/>
+            <a:ext cx="3860800" cy="365125"/>
           </a:xfrm>
           <a:prstGeom prst="rect">
             <a:avLst/>
           </a:prstGeom>
         </p:spPr>
         <p:txBody>
-          <a:bodyPr vert="horz" lIns="91440" tIns="45720" rIns="91440" bIns="45720" rtlCol="0" anchor="ctr"/>
+          <a:bodyPr vert="horz" anchor="b"/>
           <a:lstStyle>
-            <a:lvl1pPr algn="ctr">
-              <a:defRPr sz="1200">
+            <a:lvl1pPr algn="ctr" eaLnBrk="1" latinLnBrk="0" hangingPunct="1">
+              <a:defRPr kumimoji="0" sz="1200">
                 <a:solidFill>
                   <a:schemeClr val="tx1">
-                    <a:tint val="75000"/>
+                    <a:shade val="50000"/>
                   </a:schemeClr>
                 </a:solidFill>
               </a:defRPr>
@@ -2668,7 +2713,7 @@
       </p:sp>
       <p:sp>
         <p:nvSpPr>
-          <p:cNvPr id="6" name="Slide Number Placeholder 5"/>
+          <p:cNvPr id="23" name="Slide Number Placeholder 22"/>
           <p:cNvSpPr>
             <a:spLocks noGrp="1"/>
           </p:cNvSpPr>
@@ -2678,21 +2723,21 @@
         </p:nvSpPr>
         <p:spPr>
           <a:xfrm>
-            <a:off x="8610600" y="6356350"/>
-            <a:ext cx="2743200" cy="365125"/>
+            <a:off x="10566400" y="6416676"/>
+            <a:ext cx="1016000" cy="365125"/>
           </a:xfrm>
           <a:prstGeom prst="rect">
             <a:avLst/>
           </a:prstGeom>
         </p:spPr>
         <p:txBody>
-          <a:bodyPr vert="horz" lIns="91440" tIns="45720" rIns="91440" bIns="45720" rtlCol="0" anchor="ctr"/>
+          <a:bodyPr vert="horz" lIns="0" rIns="0" anchor="b"/>
           <a:lstStyle>
-            <a:lvl1pPr algn="r">
-              <a:defRPr sz="1200">
+            <a:lvl1pPr algn="r" eaLnBrk="1" latinLnBrk="0" hangingPunct="1">
+              <a:defRPr kumimoji="0" sz="1200">
                 <a:solidFill>
                   <a:schemeClr val="tx1">
-                    <a:tint val="75000"/>
+                    <a:shade val="50000"/>
                   </a:schemeClr>
                 </a:solidFill>
               </a:defRPr>
@@ -2708,90 +2753,63 @@
           </a:p>
         </p:txBody>
       </p:sp>
-      <p:sp>
-        <p:nvSpPr>
-          <p:cNvPr id="7" name="TextBox 6">
-            <a:extLst>
-              <a:ext uri="{FF2B5EF4-FFF2-40B4-BE49-F238E27FC236}">
-                <a16:creationId xmlns="" xmlns:a16="http://schemas.microsoft.com/office/drawing/2014/main" id="{847969B0-9AAB-4EBF-AF99-17A470D83F03}"/>
-              </a:ext>
-            </a:extLst>
-          </p:cNvPr>
-          <p:cNvSpPr txBox="1"/>
-          <p:nvPr/>
-        </p:nvSpPr>
-        <p:spPr>
-          <a:xfrm rot="18771082">
-            <a:off x="2371661" y="3320685"/>
-            <a:ext cx="5953880" cy="1015663"/>
-          </a:xfrm>
-          <a:prstGeom prst="rect">
-            <a:avLst/>
-          </a:prstGeom>
-          <a:noFill/>
-        </p:spPr>
-        <p:txBody>
-          <a:bodyPr wrap="square" rtlCol="0">
-            <a:spAutoFit/>
-          </a:bodyPr>
-          <a:lstStyle/>
-          <a:p>
-            <a:pPr algn="ctr"/>
-            <a:r>
-              <a:rPr lang="en-US" sz="6000" dirty="0">
-                <a:solidFill>
-                  <a:schemeClr val="bg1">
-                    <a:lumMod val="95000"/>
-                  </a:schemeClr>
-                </a:solidFill>
-              </a:rPr>
-              <a:t>Credo Systemz</a:t>
-            </a:r>
-            <a:endParaRPr lang="en-IN" sz="6000" dirty="0">
-              <a:solidFill>
-                <a:schemeClr val="bg1">
-                  <a:lumMod val="95000"/>
-                </a:schemeClr>
-              </a:solidFill>
-            </a:endParaRPr>
-          </a:p>
-        </p:txBody>
-      </p:sp>
     </p:spTree>
-    <p:extLst>
-      <p:ext uri="{BB962C8B-B14F-4D97-AF65-F5344CB8AC3E}">
-        <p14:creationId xmlns="" xmlns:p14="http://schemas.microsoft.com/office/powerpoint/2010/main" val="492407304"/>
-      </p:ext>
-    </p:extLst>
   </p:cSld>
-  <p:clrMap bg1="lt1" tx1="dk1" bg2="lt2" tx2="dk2" accent1="accent1" accent2="accent2" accent3="accent3" accent4="accent4" accent5="accent5" accent6="accent6" hlink="hlink" folHlink="folHlink"/>
+  <p:clrMap bg1="dk1" tx1="lt1" bg2="dk2" tx2="lt2" accent1="accent1" accent2="accent2" accent3="accent3" accent4="accent4" accent5="accent5" accent6="accent6" hlink="hlink" folHlink="folHlink"/>
   <p:sldLayoutIdLst>
-    <p:sldLayoutId id="2147483661" r:id="rId1"/>
-    <p:sldLayoutId id="2147483662" r:id="rId2"/>
-    <p:sldLayoutId id="2147483663" r:id="rId3"/>
-    <p:sldLayoutId id="2147483664" r:id="rId4"/>
-    <p:sldLayoutId id="2147483665" r:id="rId5"/>
-    <p:sldLayoutId id="2147483666" r:id="rId6"/>
-    <p:sldLayoutId id="2147483667" r:id="rId7"/>
-    <p:sldLayoutId id="2147483668" r:id="rId8"/>
-    <p:sldLayoutId id="2147483669" r:id="rId9"/>
-    <p:sldLayoutId id="2147483670" r:id="rId10"/>
-    <p:sldLayoutId id="2147483671" r:id="rId11"/>
+    <p:sldLayoutId id="2147483673" r:id="rId1"/>
+    <p:sldLayoutId id="2147483674" r:id="rId2"/>
+    <p:sldLayoutId id="2147483675" r:id="rId3"/>
+    <p:sldLayoutId id="2147483676" r:id="rId4"/>
+    <p:sldLayoutId id="2147483677" r:id="rId5"/>
+    <p:sldLayoutId id="2147483678" r:id="rId6"/>
+    <p:sldLayoutId id="2147483679" r:id="rId7"/>
+    <p:sldLayoutId id="2147483680" r:id="rId8"/>
+    <p:sldLayoutId id="2147483681" r:id="rId9"/>
+    <p:sldLayoutId id="2147483682" r:id="rId10"/>
+    <p:sldLayoutId id="2147483683" r:id="rId11"/>
   </p:sldLayoutIdLst>
   <p:txStyles>
     <p:titleStyle>
-      <a:lvl1pPr algn="l" defTabSz="914400" rtl="0" eaLnBrk="1" latinLnBrk="0" hangingPunct="1">
-        <a:lnSpc>
-          <a:spcPct val="90000"/>
-        </a:lnSpc>
+      <a:lvl1pPr algn="ctr" rtl="0" eaLnBrk="1" latinLnBrk="0" hangingPunct="1">
         <a:spcBef>
           <a:spcPct val="0"/>
         </a:spcBef>
         <a:buNone/>
-        <a:defRPr kumimoji="1" sz="4400" kern="1200">
-          <a:solidFill>
-            <a:schemeClr val="tx1"/>
-          </a:solidFill>
+        <a:defRPr kumimoji="0" sz="4100" b="1" kern="1200" cap="none" baseline="0">
+          <a:ln w="6350">
+            <a:noFill/>
+          </a:ln>
+          <a:gradFill>
+            <a:gsLst>
+              <a:gs pos="0">
+                <a:schemeClr val="accent1">
+                  <a:tint val="73000"/>
+                  <a:satMod val="145000"/>
+                </a:schemeClr>
+              </a:gs>
+              <a:gs pos="73000">
+                <a:schemeClr val="accent1">
+                  <a:tint val="73000"/>
+                  <a:satMod val="145000"/>
+                </a:schemeClr>
+              </a:gs>
+              <a:gs pos="100000">
+                <a:schemeClr val="accent1">
+                  <a:tint val="83000"/>
+                  <a:satMod val="143000"/>
+                </a:schemeClr>
+              </a:gs>
+            </a:gsLst>
+            <a:lin ang="4800000" scaled="1"/>
+          </a:gradFill>
+          <a:effectLst>
+            <a:outerShdw blurRad="114300" dist="101600" dir="2700000" algn="tl" rotWithShape="0">
+              <a:srgbClr val="000000">
+                <a:alpha val="40000"/>
+              </a:srgbClr>
+            </a:outerShdw>
+          </a:effectLst>
           <a:latin typeface="+mj-lt"/>
           <a:ea typeface="+mj-ea"/>
           <a:cs typeface="+mj-cs"/>
@@ -2799,16 +2817,19 @@
       </a:lvl1pPr>
     </p:titleStyle>
     <p:bodyStyle>
-      <a:lvl1pPr marL="228600" indent="-228600" algn="l" defTabSz="914400" rtl="0" eaLnBrk="1" latinLnBrk="0" hangingPunct="1">
-        <a:lnSpc>
-          <a:spcPct val="90000"/>
-        </a:lnSpc>
+      <a:lvl1pPr marL="548640" indent="-411480" algn="l" rtl="0" eaLnBrk="1" latinLnBrk="0" hangingPunct="1">
         <a:spcBef>
-          <a:spcPts val="1000"/>
+          <a:spcPct val="20000"/>
         </a:spcBef>
-        <a:buFont typeface="Arial" panose="020B0604020202020204" pitchFamily="34" charset="0"/>
-        <a:buChar char="•"/>
-        <a:defRPr kumimoji="1" sz="2800" kern="1200">
+        <a:buClr>
+          <a:schemeClr val="tx1">
+            <a:shade val="95000"/>
+          </a:schemeClr>
+        </a:buClr>
+        <a:buSzPct val="65000"/>
+        <a:buFont typeface="Wingdings 2"/>
+        <a:buChar char=""/>
+        <a:defRPr kumimoji="0" sz="2800" kern="1200">
           <a:solidFill>
             <a:schemeClr val="tx1"/>
           </a:solidFill>
@@ -2817,16 +2838,17 @@
           <a:cs typeface="+mn-cs"/>
         </a:defRPr>
       </a:lvl1pPr>
-      <a:lvl2pPr marL="685800" indent="-228600" algn="l" defTabSz="914400" rtl="0" eaLnBrk="1" latinLnBrk="0" hangingPunct="1">
-        <a:lnSpc>
-          <a:spcPct val="90000"/>
-        </a:lnSpc>
+      <a:lvl2pPr marL="868680" indent="-283464" algn="l" rtl="0" eaLnBrk="1" latinLnBrk="0" hangingPunct="1">
         <a:spcBef>
-          <a:spcPts val="500"/>
+          <a:spcPct val="20000"/>
         </a:spcBef>
-        <a:buFont typeface="Arial" panose="020B0604020202020204" pitchFamily="34" charset="0"/>
-        <a:buChar char="•"/>
-        <a:defRPr kumimoji="1" sz="2400" kern="1200">
+        <a:buClr>
+          <a:schemeClr val="tx1"/>
+        </a:buClr>
+        <a:buSzPct val="80000"/>
+        <a:buFont typeface="Wingdings 2"/>
+        <a:buChar char=""/>
+        <a:defRPr kumimoji="0" sz="2400" kern="1200">
           <a:solidFill>
             <a:schemeClr val="tx1"/>
           </a:solidFill>
@@ -2835,16 +2857,17 @@
           <a:cs typeface="+mn-cs"/>
         </a:defRPr>
       </a:lvl2pPr>
-      <a:lvl3pPr marL="1143000" indent="-228600" algn="l" defTabSz="914400" rtl="0" eaLnBrk="1" latinLnBrk="0" hangingPunct="1">
-        <a:lnSpc>
-          <a:spcPct val="90000"/>
-        </a:lnSpc>
+      <a:lvl3pPr marL="1133856" indent="-228600" algn="l" rtl="0" eaLnBrk="1" latinLnBrk="0" hangingPunct="1">
         <a:spcBef>
-          <a:spcPts val="500"/>
+          <a:spcPct val="20000"/>
         </a:spcBef>
-        <a:buFont typeface="Arial" panose="020B0604020202020204" pitchFamily="34" charset="0"/>
-        <a:buChar char="•"/>
-        <a:defRPr kumimoji="1" sz="2000" kern="1200">
+        <a:buClr>
+          <a:schemeClr val="tx1"/>
+        </a:buClr>
+        <a:buSzPct val="95000"/>
+        <a:buFont typeface="Wingdings"/>
+        <a:buChar char=""/>
+        <a:defRPr kumimoji="0" sz="2200" kern="1200">
           <a:solidFill>
             <a:schemeClr val="tx1"/>
           </a:solidFill>
@@ -2853,16 +2876,17 @@
           <a:cs typeface="+mn-cs"/>
         </a:defRPr>
       </a:lvl3pPr>
-      <a:lvl4pPr marL="1600200" indent="-228600" algn="l" defTabSz="914400" rtl="0" eaLnBrk="1" latinLnBrk="0" hangingPunct="1">
-        <a:lnSpc>
-          <a:spcPct val="90000"/>
-        </a:lnSpc>
+      <a:lvl4pPr marL="1353312" indent="-182880" algn="l" rtl="0" eaLnBrk="1" latinLnBrk="0" hangingPunct="1">
         <a:spcBef>
-          <a:spcPts val="500"/>
+          <a:spcPct val="20000"/>
         </a:spcBef>
-        <a:buFont typeface="Arial" panose="020B0604020202020204" pitchFamily="34" charset="0"/>
-        <a:buChar char="•"/>
-        <a:defRPr kumimoji="1" sz="1800" kern="1200">
+        <a:buClr>
+          <a:schemeClr val="tx1"/>
+        </a:buClr>
+        <a:buSzPct val="100000"/>
+        <a:buFont typeface="Wingdings 3"/>
+        <a:buChar char=""/>
+        <a:defRPr kumimoji="0" sz="2000" kern="1200">
           <a:solidFill>
             <a:schemeClr val="tx1"/>
           </a:solidFill>
@@ -2871,16 +2895,16 @@
           <a:cs typeface="+mn-cs"/>
         </a:defRPr>
       </a:lvl4pPr>
-      <a:lvl5pPr marL="2057400" indent="-228600" algn="l" defTabSz="914400" rtl="0" eaLnBrk="1" latinLnBrk="0" hangingPunct="1">
-        <a:lnSpc>
-          <a:spcPct val="90000"/>
-        </a:lnSpc>
+      <a:lvl5pPr marL="1545336" indent="-182880" algn="l" rtl="0" eaLnBrk="1" latinLnBrk="0" hangingPunct="1">
         <a:spcBef>
-          <a:spcPts val="500"/>
+          <a:spcPct val="20000"/>
         </a:spcBef>
-        <a:buFont typeface="Arial" panose="020B0604020202020204" pitchFamily="34" charset="0"/>
-        <a:buChar char="•"/>
-        <a:defRPr kumimoji="1" sz="1800" kern="1200">
+        <a:buClr>
+          <a:schemeClr val="tx1"/>
+        </a:buClr>
+        <a:buFont typeface="Wingdings 2"/>
+        <a:buChar char=""/>
+        <a:defRPr kumimoji="0" sz="2000" kern="1200">
           <a:solidFill>
             <a:schemeClr val="tx1"/>
           </a:solidFill>
@@ -2889,16 +2913,16 @@
           <a:cs typeface="+mn-cs"/>
         </a:defRPr>
       </a:lvl5pPr>
-      <a:lvl6pPr marL="2514600" indent="-228600" algn="l" defTabSz="914400" rtl="0" eaLnBrk="1" latinLnBrk="0" hangingPunct="1">
-        <a:lnSpc>
-          <a:spcPct val="90000"/>
-        </a:lnSpc>
+      <a:lvl6pPr marL="1764792" indent="-182880" algn="l" rtl="0" eaLnBrk="1" latinLnBrk="0" hangingPunct="1">
         <a:spcBef>
-          <a:spcPts val="500"/>
+          <a:spcPct val="20000"/>
         </a:spcBef>
-        <a:buFont typeface="Arial" panose="020B0604020202020204" pitchFamily="34" charset="0"/>
-        <a:buChar char="•"/>
-        <a:defRPr kumimoji="1" sz="1800" kern="1200">
+        <a:buClr>
+          <a:schemeClr val="tx1"/>
+        </a:buClr>
+        <a:buFont typeface="Wingdings 3"/>
+        <a:buChar char=""/>
+        <a:defRPr kumimoji="0" sz="1800" kern="1200">
           <a:solidFill>
             <a:schemeClr val="tx1"/>
           </a:solidFill>
@@ -2907,16 +2931,16 @@
           <a:cs typeface="+mn-cs"/>
         </a:defRPr>
       </a:lvl6pPr>
-      <a:lvl7pPr marL="2971800" indent="-228600" algn="l" defTabSz="914400" rtl="0" eaLnBrk="1" latinLnBrk="0" hangingPunct="1">
-        <a:lnSpc>
-          <a:spcPct val="90000"/>
-        </a:lnSpc>
+      <a:lvl7pPr marL="1965960" indent="-182880" algn="l" rtl="0" eaLnBrk="1" latinLnBrk="0" hangingPunct="1">
         <a:spcBef>
-          <a:spcPts val="500"/>
+          <a:spcPct val="20000"/>
         </a:spcBef>
-        <a:buFont typeface="Arial" panose="020B0604020202020204" pitchFamily="34" charset="0"/>
-        <a:buChar char="•"/>
-        <a:defRPr kumimoji="1" sz="1800" kern="1200">
+        <a:buClr>
+          <a:schemeClr val="tx1"/>
+        </a:buClr>
+        <a:buFont typeface="Wingdings 2"/>
+        <a:buChar char=""/>
+        <a:defRPr kumimoji="0" sz="1600" kern="1200">
           <a:solidFill>
             <a:schemeClr val="tx1"/>
           </a:solidFill>
@@ -2925,16 +2949,16 @@
           <a:cs typeface="+mn-cs"/>
         </a:defRPr>
       </a:lvl7pPr>
-      <a:lvl8pPr marL="3429000" indent="-228600" algn="l" defTabSz="914400" rtl="0" eaLnBrk="1" latinLnBrk="0" hangingPunct="1">
-        <a:lnSpc>
-          <a:spcPct val="90000"/>
-        </a:lnSpc>
+      <a:lvl8pPr marL="2167128" indent="-182880" algn="l" rtl="0" eaLnBrk="1" latinLnBrk="0" hangingPunct="1">
         <a:spcBef>
-          <a:spcPts val="500"/>
+          <a:spcPct val="20000"/>
         </a:spcBef>
-        <a:buFont typeface="Arial" panose="020B0604020202020204" pitchFamily="34" charset="0"/>
-        <a:buChar char="•"/>
-        <a:defRPr kumimoji="1" sz="1800" kern="1200">
+        <a:buClr>
+          <a:schemeClr val="tx1"/>
+        </a:buClr>
+        <a:buFont typeface="Wingdings 2"/>
+        <a:buChar char=""/>
+        <a:defRPr kumimoji="0" sz="1400" kern="1200">
           <a:solidFill>
             <a:schemeClr val="tx1"/>
           </a:solidFill>
@@ -2943,16 +2967,16 @@
           <a:cs typeface="+mn-cs"/>
         </a:defRPr>
       </a:lvl8pPr>
-      <a:lvl9pPr marL="3886200" indent="-228600" algn="l" defTabSz="914400" rtl="0" eaLnBrk="1" latinLnBrk="0" hangingPunct="1">
-        <a:lnSpc>
-          <a:spcPct val="90000"/>
-        </a:lnSpc>
+      <a:lvl9pPr marL="2368296" indent="-182880" algn="l" rtl="0" eaLnBrk="1" latinLnBrk="0" hangingPunct="1">
         <a:spcBef>
-          <a:spcPts val="500"/>
+          <a:spcPct val="20000"/>
         </a:spcBef>
-        <a:buFont typeface="Arial" panose="020B0604020202020204" pitchFamily="34" charset="0"/>
-        <a:buChar char="•"/>
-        <a:defRPr kumimoji="1" sz="1800" kern="1200">
+        <a:buClr>
+          <a:schemeClr val="tx1"/>
+        </a:buClr>
+        <a:buFont typeface="Wingdings 2"/>
+        <a:buChar char=""/>
+        <a:defRPr kumimoji="0" sz="1400" kern="1200" baseline="0">
           <a:solidFill>
             <a:schemeClr val="tx1"/>
           </a:solidFill>
@@ -2963,11 +2987,8 @@
       </a:lvl9pPr>
     </p:bodyStyle>
     <p:otherStyle>
-      <a:defPPr>
-        <a:defRPr lang="en-US"/>
-      </a:defPPr>
-      <a:lvl1pPr marL="0" algn="l" defTabSz="914400" rtl="0" eaLnBrk="1" latinLnBrk="0" hangingPunct="1">
-        <a:defRPr kumimoji="1" sz="1800" kern="1200">
+      <a:lvl1pPr marL="0" algn="l" rtl="0" eaLnBrk="1" latinLnBrk="0" hangingPunct="1">
+        <a:defRPr kumimoji="0" kern="1200">
           <a:solidFill>
             <a:schemeClr val="tx1"/>
           </a:solidFill>
@@ -2976,8 +2997,8 @@
           <a:cs typeface="+mn-cs"/>
         </a:defRPr>
       </a:lvl1pPr>
-      <a:lvl2pPr marL="457200" algn="l" defTabSz="914400" rtl="0" eaLnBrk="1" latinLnBrk="0" hangingPunct="1">
-        <a:defRPr kumimoji="1" sz="1800" kern="1200">
+      <a:lvl2pPr marL="457200" algn="l" rtl="0" eaLnBrk="1" latinLnBrk="0" hangingPunct="1">
+        <a:defRPr kumimoji="0" kern="1200">
           <a:solidFill>
             <a:schemeClr val="tx1"/>
           </a:solidFill>
@@ -2986,8 +3007,8 @@
           <a:cs typeface="+mn-cs"/>
         </a:defRPr>
       </a:lvl2pPr>
-      <a:lvl3pPr marL="914400" algn="l" defTabSz="914400" rtl="0" eaLnBrk="1" latinLnBrk="0" hangingPunct="1">
-        <a:defRPr kumimoji="1" sz="1800" kern="1200">
+      <a:lvl3pPr marL="914400" algn="l" rtl="0" eaLnBrk="1" latinLnBrk="0" hangingPunct="1">
+        <a:defRPr kumimoji="0" kern="1200">
           <a:solidFill>
             <a:schemeClr val="tx1"/>
           </a:solidFill>
@@ -2996,8 +3017,8 @@
           <a:cs typeface="+mn-cs"/>
         </a:defRPr>
       </a:lvl3pPr>
-      <a:lvl4pPr marL="1371600" algn="l" defTabSz="914400" rtl="0" eaLnBrk="1" latinLnBrk="0" hangingPunct="1">
-        <a:defRPr kumimoji="1" sz="1800" kern="1200">
+      <a:lvl4pPr marL="1371600" algn="l" rtl="0" eaLnBrk="1" latinLnBrk="0" hangingPunct="1">
+        <a:defRPr kumimoji="0" kern="1200">
           <a:solidFill>
             <a:schemeClr val="tx1"/>
           </a:solidFill>
@@ -3006,8 +3027,8 @@
           <a:cs typeface="+mn-cs"/>
         </a:defRPr>
       </a:lvl4pPr>
-      <a:lvl5pPr marL="1828800" algn="l" defTabSz="914400" rtl="0" eaLnBrk="1" latinLnBrk="0" hangingPunct="1">
-        <a:defRPr kumimoji="1" sz="1800" kern="1200">
+      <a:lvl5pPr marL="1828800" algn="l" rtl="0" eaLnBrk="1" latinLnBrk="0" hangingPunct="1">
+        <a:defRPr kumimoji="0" kern="1200">
           <a:solidFill>
             <a:schemeClr val="tx1"/>
           </a:solidFill>
@@ -3016,8 +3037,8 @@
           <a:cs typeface="+mn-cs"/>
         </a:defRPr>
       </a:lvl5pPr>
-      <a:lvl6pPr marL="2286000" algn="l" defTabSz="914400" rtl="0" eaLnBrk="1" latinLnBrk="0" hangingPunct="1">
-        <a:defRPr kumimoji="1" sz="1800" kern="1200">
+      <a:lvl6pPr marL="2286000" algn="l" rtl="0" eaLnBrk="1" latinLnBrk="0" hangingPunct="1">
+        <a:defRPr kumimoji="0" kern="1200">
           <a:solidFill>
             <a:schemeClr val="tx1"/>
           </a:solidFill>
@@ -3026,8 +3047,8 @@
           <a:cs typeface="+mn-cs"/>
         </a:defRPr>
       </a:lvl6pPr>
-      <a:lvl7pPr marL="2743200" algn="l" defTabSz="914400" rtl="0" eaLnBrk="1" latinLnBrk="0" hangingPunct="1">
-        <a:defRPr kumimoji="1" sz="1800" kern="1200">
+      <a:lvl7pPr marL="2743200" algn="l" rtl="0" eaLnBrk="1" latinLnBrk="0" hangingPunct="1">
+        <a:defRPr kumimoji="0" kern="1200">
           <a:solidFill>
             <a:schemeClr val="tx1"/>
           </a:solidFill>
@@ -3036,8 +3057,8 @@
           <a:cs typeface="+mn-cs"/>
         </a:defRPr>
       </a:lvl7pPr>
-      <a:lvl8pPr marL="3200400" algn="l" defTabSz="914400" rtl="0" eaLnBrk="1" latinLnBrk="0" hangingPunct="1">
-        <a:defRPr kumimoji="1" sz="1800" kern="1200">
+      <a:lvl8pPr marL="3200400" algn="l" rtl="0" eaLnBrk="1" latinLnBrk="0" hangingPunct="1">
+        <a:defRPr kumimoji="0" kern="1200">
           <a:solidFill>
             <a:schemeClr val="tx1"/>
           </a:solidFill>
@@ -3046,8 +3067,8 @@
           <a:cs typeface="+mn-cs"/>
         </a:defRPr>
       </a:lvl8pPr>
-      <a:lvl9pPr marL="3657600" algn="l" defTabSz="914400" rtl="0" eaLnBrk="1" latinLnBrk="0" hangingPunct="1">
-        <a:defRPr kumimoji="1" sz="1800" kern="1200">
+      <a:lvl9pPr marL="3657600" algn="l" rtl="0" eaLnBrk="1" latinLnBrk="0" hangingPunct="1">
+        <a:defRPr kumimoji="0" kern="1200">
           <a:solidFill>
             <a:schemeClr val="tx1"/>
           </a:solidFill>
@@ -3237,15 +3258,14 @@
         </p:nvPicPr>
         <p:blipFill>
           <a:blip r:embed="rId2"/>
-          <a:srcRect/>
           <a:stretch>
             <a:fillRect/>
           </a:stretch>
         </p:blipFill>
         <p:spPr bwMode="auto">
           <a:xfrm>
-            <a:off x="1152253" y="1663858"/>
-            <a:ext cx="10604318" cy="4736941"/>
+            <a:off x="3790950" y="2439987"/>
+            <a:ext cx="4610100" cy="3028950"/>
           </a:xfrm>
           <a:prstGeom prst="rect">
             <a:avLst/>
@@ -3320,15 +3340,14 @@
         </p:nvPicPr>
         <p:blipFill>
           <a:blip r:embed="rId2"/>
-          <a:srcRect/>
           <a:stretch>
             <a:fillRect/>
           </a:stretch>
         </p:blipFill>
         <p:spPr bwMode="auto">
           <a:xfrm>
-            <a:off x="1134290" y="1762374"/>
-            <a:ext cx="10230395" cy="4546985"/>
+            <a:off x="3733800" y="2420937"/>
+            <a:ext cx="4724400" cy="3067050"/>
           </a:xfrm>
           <a:prstGeom prst="rect">
             <a:avLst/>
@@ -3407,15 +3426,14 @@
         </p:nvPicPr>
         <p:blipFill>
           <a:blip r:embed="rId2"/>
-          <a:srcRect/>
           <a:stretch>
             <a:fillRect/>
           </a:stretch>
         </p:blipFill>
         <p:spPr bwMode="auto">
           <a:xfrm>
-            <a:off x="914400" y="1825625"/>
-            <a:ext cx="10907486" cy="4351338"/>
+            <a:off x="868976" y="1600200"/>
+            <a:ext cx="10454047" cy="4708525"/>
           </a:xfrm>
           <a:prstGeom prst="rect">
             <a:avLst/>
@@ -3467,7 +3485,9 @@
         </p:nvSpPr>
         <p:spPr/>
         <p:txBody>
-          <a:bodyPr/>
+          <a:bodyPr>
+            <a:normAutofit fontScale="90000"/>
+          </a:bodyPr>
           <a:lstStyle/>
           <a:p>
             <a:r>
@@ -3577,15 +3597,14 @@
         </p:nvPicPr>
         <p:blipFill>
           <a:blip r:embed="rId2"/>
-          <a:srcRect/>
           <a:stretch>
             <a:fillRect/>
           </a:stretch>
         </p:blipFill>
         <p:spPr bwMode="auto">
           <a:xfrm>
-            <a:off x="806767" y="1708626"/>
-            <a:ext cx="10766924" cy="4666048"/>
+            <a:off x="3367087" y="2759075"/>
+            <a:ext cx="5457825" cy="2390775"/>
           </a:xfrm>
           <a:prstGeom prst="rect">
             <a:avLst/>
@@ -3650,7 +3669,7 @@
       </p:sp>
       <p:pic>
         <p:nvPicPr>
-          <p:cNvPr id="11267" name="Picture 3"/>
+          <p:cNvPr id="1026" name="Picture 2"/>
           <p:cNvPicPr>
             <a:picLocks noGrp="1" noChangeAspect="1" noChangeArrowheads="1"/>
           </p:cNvPicPr>
@@ -3667,8 +3686,8 @@
         </p:blipFill>
         <p:spPr bwMode="auto">
           <a:xfrm>
-            <a:off x="875755" y="1740602"/>
-            <a:ext cx="10515055" cy="4751637"/>
+            <a:off x="1096055" y="1701800"/>
+            <a:ext cx="10391775" cy="4505325"/>
           </a:xfrm>
           <a:prstGeom prst="rect">
             <a:avLst/>
@@ -3743,15 +3762,14 @@
         </p:nvPicPr>
         <p:blipFill>
           <a:blip r:embed="rId2"/>
-          <a:srcRect/>
           <a:stretch>
             <a:fillRect/>
           </a:stretch>
         </p:blipFill>
         <p:spPr bwMode="auto">
           <a:xfrm>
-            <a:off x="888682" y="1761150"/>
-            <a:ext cx="10476004" cy="4691901"/>
+            <a:off x="2900362" y="2406650"/>
+            <a:ext cx="6391275" cy="3095625"/>
           </a:xfrm>
           <a:prstGeom prst="rect">
             <a:avLst/>
@@ -3886,7 +3904,9 @@
         </p:nvSpPr>
         <p:spPr/>
         <p:txBody>
-          <a:bodyPr/>
+          <a:bodyPr>
+            <a:normAutofit fontScale="90000"/>
+          </a:bodyPr>
           <a:lstStyle/>
           <a:p>
             <a:r>
@@ -4000,15 +4020,14 @@
         </p:nvPicPr>
         <p:blipFill>
           <a:blip r:embed="rId2"/>
-          <a:srcRect/>
           <a:stretch>
             <a:fillRect/>
           </a:stretch>
         </p:blipFill>
         <p:spPr bwMode="auto">
           <a:xfrm>
-            <a:off x="526460" y="1716110"/>
-            <a:ext cx="11465243" cy="4893695"/>
+            <a:off x="2890837" y="2439987"/>
+            <a:ext cx="6410325" cy="3028950"/>
           </a:xfrm>
           <a:prstGeom prst="rect">
             <a:avLst/>
@@ -4087,15 +4106,14 @@
         </p:nvPicPr>
         <p:blipFill>
           <a:blip r:embed="rId2"/>
-          <a:srcRect/>
           <a:stretch>
             <a:fillRect/>
           </a:stretch>
         </p:blipFill>
         <p:spPr bwMode="auto">
           <a:xfrm>
-            <a:off x="940526" y="1985554"/>
-            <a:ext cx="10855234" cy="4402183"/>
+            <a:off x="2938462" y="2535237"/>
+            <a:ext cx="6315075" cy="2838450"/>
           </a:xfrm>
           <a:prstGeom prst="rect">
             <a:avLst/>
@@ -4634,15 +4652,14 @@
         </p:nvPicPr>
         <p:blipFill>
           <a:blip r:embed="rId2"/>
-          <a:srcRect/>
           <a:stretch>
             <a:fillRect/>
           </a:stretch>
         </p:blipFill>
         <p:spPr bwMode="auto">
           <a:xfrm>
-            <a:off x="838200" y="1934773"/>
-            <a:ext cx="10515600" cy="4133041"/>
+            <a:off x="609600" y="1798093"/>
+            <a:ext cx="10972800" cy="4312739"/>
           </a:xfrm>
           <a:prstGeom prst="rect">
             <a:avLst/>
@@ -4717,14 +4734,13 @@
         </p:nvPicPr>
         <p:blipFill>
           <a:blip r:embed="rId2"/>
-          <a:srcRect/>
           <a:stretch>
             <a:fillRect/>
           </a:stretch>
         </p:blipFill>
         <p:spPr bwMode="auto">
           <a:xfrm>
-            <a:off x="1071562" y="1996281"/>
+            <a:off x="1071562" y="1949450"/>
             <a:ext cx="10048875" cy="4010025"/>
           </a:xfrm>
           <a:prstGeom prst="rect">
@@ -4800,15 +4816,14 @@
         </p:nvPicPr>
         <p:blipFill>
           <a:blip r:embed="rId2"/>
-          <a:srcRect/>
           <a:stretch>
             <a:fillRect/>
           </a:stretch>
         </p:blipFill>
         <p:spPr bwMode="auto">
           <a:xfrm>
-            <a:off x="679269" y="1815737"/>
-            <a:ext cx="11103427" cy="4506686"/>
+            <a:off x="3014662" y="2420937"/>
+            <a:ext cx="6162675" cy="3067050"/>
           </a:xfrm>
           <a:prstGeom prst="rect">
             <a:avLst/>
@@ -4883,15 +4898,14 @@
         </p:nvPicPr>
         <p:blipFill>
           <a:blip r:embed="rId2"/>
-          <a:srcRect/>
           <a:stretch>
             <a:fillRect/>
           </a:stretch>
         </p:blipFill>
         <p:spPr bwMode="auto">
           <a:xfrm>
-            <a:off x="916849" y="1736248"/>
-            <a:ext cx="10826659" cy="4729866"/>
+            <a:off x="3686175" y="2420937"/>
+            <a:ext cx="4819650" cy="3067050"/>
           </a:xfrm>
           <a:prstGeom prst="rect">
             <a:avLst/>
@@ -4966,15 +4980,14 @@
         </p:nvPicPr>
         <p:blipFill>
           <a:blip r:embed="rId2"/>
-          <a:srcRect/>
           <a:stretch>
             <a:fillRect/>
           </a:stretch>
         </p:blipFill>
         <p:spPr bwMode="auto">
           <a:xfrm>
-            <a:off x="1045029" y="1667397"/>
-            <a:ext cx="10123714" cy="4772592"/>
+            <a:off x="3667125" y="2430462"/>
+            <a:ext cx="4857750" cy="3048000"/>
           </a:xfrm>
           <a:prstGeom prst="rect">
             <a:avLst/>
@@ -4998,9 +5011,9 @@
 </file>
 
 <file path=ppt/theme/theme1.xml><?xml version="1.0" encoding="utf-8"?>
-<a:theme xmlns:a="http://schemas.openxmlformats.org/drawingml/2006/main" name="Office Theme">
+<a:theme xmlns:a="http://schemas.openxmlformats.org/drawingml/2006/main" name="Apex">
   <a:themeElements>
-    <a:clrScheme name="Custom 1">
+    <a:clrScheme name="Apex">
       <a:dk1>
         <a:sysClr val="windowText" lastClr="000000"/>
       </a:dk1>
@@ -5008,48 +5021,86 @@
         <a:sysClr val="window" lastClr="FFFFFF"/>
       </a:lt1>
       <a:dk2>
-        <a:srgbClr val="44546A"/>
+        <a:srgbClr val="69676D"/>
       </a:dk2>
       <a:lt2>
-        <a:srgbClr val="E7E6E6"/>
+        <a:srgbClr val="C9C2D1"/>
       </a:lt2>
       <a:accent1>
-        <a:srgbClr val="5B9BD5"/>
+        <a:srgbClr val="CEB966"/>
       </a:accent1>
       <a:accent2>
-        <a:srgbClr val="ED7D31"/>
+        <a:srgbClr val="9CB084"/>
       </a:accent2>
       <a:accent3>
-        <a:srgbClr val="A5A5A5"/>
+        <a:srgbClr val="6BB1C9"/>
       </a:accent3>
       <a:accent4>
-        <a:srgbClr val="FFC000"/>
+        <a:srgbClr val="6585CF"/>
       </a:accent4>
       <a:accent5>
-        <a:srgbClr val="4472C4"/>
+        <a:srgbClr val="7E6BC9"/>
       </a:accent5>
       <a:accent6>
-        <a:srgbClr val="70AD47"/>
+        <a:srgbClr val="A379BB"/>
       </a:accent6>
       <a:hlink>
-        <a:srgbClr val="FFFFFF"/>
+        <a:srgbClr val="410082"/>
       </a:hlink>
       <a:folHlink>
-        <a:srgbClr val="954F72"/>
+        <a:srgbClr val="932968"/>
       </a:folHlink>
     </a:clrScheme>
-    <a:fontScheme name="Office Theme">
+    <a:fontScheme name="Apex">
       <a:majorFont>
-        <a:latin typeface="Calibri Light"/>
+        <a:latin typeface="Lucida Sans"/>
         <a:ea typeface=""/>
         <a:cs typeface=""/>
-        <a:font script="Jpan" typeface="游ゴシック Light"/>
-        <a:font script="Hang" typeface="맑은 고딕"/>
-        <a:font script="Hans" typeface="等线 Light"/>
+        <a:font script="Grek" typeface="Arial"/>
+        <a:font script="Cyrl" typeface="Arial"/>
+        <a:font script="Jpan" typeface="HG丸ｺﾞｼｯｸM-PRO"/>
+        <a:font script="Hang" typeface="휴먼옛체"/>
+        <a:font script="Hans" typeface="黑体"/>
+        <a:font script="Hant" typeface="微軟正黑體"/>
+        <a:font script="Arab" typeface="Tahoma"/>
+        <a:font script="Hebr" typeface="Levenim MT"/>
+        <a:font script="Thai" typeface="FreesiaUPC"/>
+        <a:font script="Ethi" typeface="Nyala"/>
+        <a:font script="Beng" typeface="Vrinda"/>
+        <a:font script="Gujr" typeface="Shruti"/>
+        <a:font script="Khmr" typeface="DaunPenh"/>
+        <a:font script="Knda" typeface="Tunga"/>
+        <a:font script="Guru" typeface="Raavi"/>
+        <a:font script="Cans" typeface="Euphemia"/>
+        <a:font script="Cher" typeface="Plantagenet Cherokee"/>
+        <a:font script="Yiii" typeface="Microsoft Yi Baiti"/>
+        <a:font script="Tibt" typeface="Microsoft Himalaya"/>
+        <a:font script="Thaa" typeface="MV Boli"/>
+        <a:font script="Deva" typeface="Mangal"/>
+        <a:font script="Telu" typeface="Gautami"/>
+        <a:font script="Taml" typeface="Latha"/>
+        <a:font script="Syrc" typeface="Estrangelo Edessa"/>
+        <a:font script="Orya" typeface="Kalinga"/>
+        <a:font script="Mlym" typeface="Kartika"/>
+        <a:font script="Laoo" typeface="DokChampa"/>
+        <a:font script="Sinh" typeface="Iskoola Pota"/>
+        <a:font script="Mong" typeface="Mongolian Baiti"/>
+        <a:font script="Viet" typeface="Tahoma"/>
+        <a:font script="Uigh" typeface="Microsoft Uighur"/>
+      </a:majorFont>
+      <a:minorFont>
+        <a:latin typeface="Book Antiqua"/>
+        <a:ea typeface=""/>
+        <a:cs typeface=""/>
+        <a:font script="Grek" typeface="Times New Roman"/>
+        <a:font script="Cyrl" typeface="Times New Roman"/>
+        <a:font script="Jpan" typeface="HG明朝B"/>
+        <a:font script="Hang" typeface="돋움"/>
+        <a:font script="Hans" typeface="宋体"/>
         <a:font script="Hant" typeface="新細明體"/>
         <a:font script="Arab" typeface="Times New Roman"/>
-        <a:font script="Hebr" typeface="Times New Roman"/>
-        <a:font script="Thai" typeface="Angsana New"/>
+        <a:font script="Hebr" typeface="David"/>
+        <a:font script="Thai" typeface="EucrosiaUPC"/>
         <a:font script="Ethi" typeface="Nyala"/>
         <a:font script="Beng" typeface="Vrinda"/>
         <a:font script="Gujr" typeface="Shruti"/>
@@ -5072,46 +5123,133 @@
         <a:font script="Mong" typeface="Mongolian Baiti"/>
         <a:font script="Viet" typeface="Times New Roman"/>
         <a:font script="Uigh" typeface="Microsoft Uighur"/>
-        <a:font script="Geor" typeface="Sylfaen"/>
-      </a:majorFont>
-      <a:minorFont>
-        <a:latin typeface="Calibri"/>
-        <a:ea typeface=""/>
-        <a:cs typeface=""/>
-        <a:font script="Jpan" typeface="游ゴシック"/>
-        <a:font script="Hang" typeface="맑은 고딕"/>
-        <a:font script="Hans" typeface="等线"/>
-        <a:font script="Hant" typeface="新細明體"/>
-        <a:font script="Arab" typeface="Arial"/>
-        <a:font script="Hebr" typeface="Arial"/>
-        <a:font script="Thai" typeface="Cordia New"/>
-        <a:font script="Ethi" typeface="Nyala"/>
-        <a:font script="Beng" typeface="Vrinda"/>
-        <a:font script="Gujr" typeface="Shruti"/>
-        <a:font script="Khmr" typeface="DaunPenh"/>
-        <a:font script="Knda" typeface="Tunga"/>
-        <a:font script="Guru" typeface="Raavi"/>
-        <a:font script="Cans" typeface="Euphemia"/>
-        <a:font script="Cher" typeface="Plantagenet Cherokee"/>
-        <a:font script="Yiii" typeface="Microsoft Yi Baiti"/>
-        <a:font script="Tibt" typeface="Microsoft Himalaya"/>
-        <a:font script="Thaa" typeface="MV Boli"/>
-        <a:font script="Deva" typeface="Mangal"/>
-        <a:font script="Telu" typeface="Gautami"/>
-        <a:font script="Taml" typeface="Latha"/>
-        <a:font script="Syrc" typeface="Estrangelo Edessa"/>
-        <a:font script="Orya" typeface="Kalinga"/>
-        <a:font script="Mlym" typeface="Kartika"/>
-        <a:font script="Laoo" typeface="DokChampa"/>
-        <a:font script="Sinh" typeface="Iskoola Pota"/>
-        <a:font script="Mong" typeface="Mongolian Baiti"/>
-        <a:font script="Viet" typeface="Arial"/>
-        <a:font script="Uigh" typeface="Microsoft Uighur"/>
-        <a:font script="Geor" typeface="Sylfaen"/>
       </a:minorFont>
     </a:fontScheme>
-    <a:fmtScheme name="Office Theme">
+    <a:fmtScheme name="Apex">
       <a:fillStyleLst>
+        <a:solidFill>
+          <a:schemeClr val="phClr"/>
+        </a:solidFill>
+        <a:gradFill rotWithShape="1">
+          <a:gsLst>
+            <a:gs pos="20000">
+              <a:schemeClr val="phClr">
+                <a:tint val="9000"/>
+              </a:schemeClr>
+            </a:gs>
+            <a:gs pos="100000">
+              <a:schemeClr val="phClr">
+                <a:tint val="70000"/>
+                <a:satMod val="100000"/>
+              </a:schemeClr>
+            </a:gs>
+          </a:gsLst>
+          <a:path path="circle">
+            <a:fillToRect l="-15000" t="-15000" r="115000" b="115000"/>
+          </a:path>
+        </a:gradFill>
+        <a:gradFill rotWithShape="1">
+          <a:gsLst>
+            <a:gs pos="0">
+              <a:schemeClr val="phClr">
+                <a:shade val="60000"/>
+              </a:schemeClr>
+            </a:gs>
+            <a:gs pos="33000">
+              <a:schemeClr val="phClr">
+                <a:tint val="86500"/>
+              </a:schemeClr>
+            </a:gs>
+            <a:gs pos="46750">
+              <a:schemeClr val="phClr">
+                <a:tint val="71000"/>
+                <a:satMod val="112000"/>
+              </a:schemeClr>
+            </a:gs>
+            <a:gs pos="53000">
+              <a:schemeClr val="phClr">
+                <a:tint val="71000"/>
+                <a:satMod val="112000"/>
+              </a:schemeClr>
+            </a:gs>
+            <a:gs pos="68000">
+              <a:schemeClr val="phClr">
+                <a:tint val="86000"/>
+              </a:schemeClr>
+            </a:gs>
+            <a:gs pos="100000">
+              <a:schemeClr val="phClr">
+                <a:shade val="60000"/>
+              </a:schemeClr>
+            </a:gs>
+          </a:gsLst>
+          <a:lin ang="8350000" scaled="1"/>
+        </a:gradFill>
+      </a:fillStyleLst>
+      <a:lnStyleLst>
+        <a:ln w="9525" cap="flat" cmpd="sng" algn="ctr">
+          <a:solidFill>
+            <a:schemeClr val="phClr">
+              <a:shade val="48000"/>
+              <a:satMod val="110000"/>
+            </a:schemeClr>
+          </a:solidFill>
+          <a:prstDash val="solid"/>
+        </a:ln>
+        <a:ln w="25400" cap="flat" cmpd="sng" algn="ctr">
+          <a:solidFill>
+            <a:schemeClr val="phClr"/>
+          </a:solidFill>
+          <a:prstDash val="solid"/>
+        </a:ln>
+        <a:ln w="38100" cap="flat" cmpd="sng" algn="ctr">
+          <a:solidFill>
+            <a:schemeClr val="phClr"/>
+          </a:solidFill>
+          <a:prstDash val="solid"/>
+        </a:ln>
+      </a:lnStyleLst>
+      <a:effectStyleLst>
+        <a:effectStyle>
+          <a:effectLst>
+            <a:outerShdw blurRad="130000" dist="101600" dir="2700000" algn="tl" rotWithShape="0">
+              <a:srgbClr val="000000">
+                <a:alpha val="35000"/>
+              </a:srgbClr>
+            </a:outerShdw>
+          </a:effectLst>
+        </a:effectStyle>
+        <a:effectStyle>
+          <a:effectLst>
+            <a:outerShdw blurRad="190500" dist="228600" dir="2700000" sy="90000" rotWithShape="0">
+              <a:srgbClr val="000000">
+                <a:alpha val="25500"/>
+              </a:srgbClr>
+            </a:outerShdw>
+          </a:effectLst>
+        </a:effectStyle>
+        <a:effectStyle>
+          <a:effectLst>
+            <a:outerShdw blurRad="190500" dist="228600" dir="2700000" sy="90000" rotWithShape="0">
+              <a:srgbClr val="000000">
+                <a:alpha val="25500"/>
+              </a:srgbClr>
+            </a:outerShdw>
+          </a:effectLst>
+          <a:scene3d>
+            <a:camera prst="orthographicFront" fov="0">
+              <a:rot lat="0" lon="0" rev="0"/>
+            </a:camera>
+            <a:lightRig rig="soft" dir="tl">
+              <a:rot lat="0" lon="0" rev="20100000"/>
+            </a:lightRig>
+          </a:scene3d>
+          <a:sp3d>
+            <a:bevelT w="50800" h="50800"/>
+          </a:sp3d>
+        </a:effectStyle>
+      </a:effectStyleLst>
+      <a:bgFillStyleLst>
         <a:solidFill>
           <a:schemeClr val="phClr"/>
         </a:solidFill>
@@ -5119,141 +5257,42 @@
           <a:gsLst>
             <a:gs pos="0">
               <a:schemeClr val="phClr">
-                <a:lumMod val="110000"/>
-                <a:satMod val="105000"/>
-                <a:tint val="67000"/>
-              </a:schemeClr>
-            </a:gs>
-            <a:gs pos="50000">
-              <a:schemeClr val="phClr">
-                <a:lumMod val="105000"/>
-                <a:satMod val="103000"/>
-                <a:tint val="73000"/>
+                <a:tint val="50000"/>
+                <a:satMod val="180000"/>
               </a:schemeClr>
             </a:gs>
             <a:gs pos="100000">
               <a:schemeClr val="phClr">
-                <a:lumMod val="105000"/>
-                <a:satMod val="109000"/>
-                <a:tint val="81000"/>
-              </a:schemeClr>
-            </a:gs>
-          </a:gsLst>
-          <a:lin ang="5400000" scaled="0"/>
-        </a:gradFill>
-        <a:gradFill rotWithShape="1">
-          <a:gsLst>
-            <a:gs pos="0">
-              <a:schemeClr val="phClr">
-                <a:satMod val="103000"/>
-                <a:lumMod val="102000"/>
-                <a:tint val="94000"/>
-              </a:schemeClr>
-            </a:gs>
-            <a:gs pos="50000">
-              <a:schemeClr val="phClr">
-                <a:satMod val="110000"/>
-                <a:lumMod val="100000"/>
-                <a:shade val="100000"/>
-              </a:schemeClr>
-            </a:gs>
-            <a:gs pos="100000">
-              <a:schemeClr val="phClr">
-                <a:lumMod val="99000"/>
-                <a:satMod val="120000"/>
-                <a:shade val="78000"/>
-              </a:schemeClr>
-            </a:gs>
-          </a:gsLst>
-          <a:lin ang="5400000" scaled="0"/>
-        </a:gradFill>
-      </a:fillStyleLst>
-      <a:lnStyleLst>
-        <a:ln w="6350" cap="flat" cmpd="sng" algn="ctr">
-          <a:solidFill>
-            <a:schemeClr val="phClr"/>
-          </a:solidFill>
-          <a:prstDash val="solid"/>
-          <a:miter lim="800000"/>
-        </a:ln>
-        <a:ln w="12700" cap="flat" cmpd="sng" algn="ctr">
-          <a:solidFill>
-            <a:schemeClr val="phClr"/>
-          </a:solidFill>
-          <a:prstDash val="solid"/>
-          <a:miter lim="800000"/>
-        </a:ln>
-        <a:ln w="19050" cap="flat" cmpd="sng" algn="ctr">
-          <a:solidFill>
-            <a:schemeClr val="phClr"/>
-          </a:solidFill>
-          <a:prstDash val="solid"/>
-          <a:miter lim="800000"/>
-        </a:ln>
-      </a:lnStyleLst>
-      <a:effectStyleLst>
-        <a:effectStyle>
-          <a:effectLst/>
-        </a:effectStyle>
-        <a:effectStyle>
-          <a:effectLst/>
-        </a:effectStyle>
-        <a:effectStyle>
-          <a:effectLst>
-            <a:outerShdw blurRad="57150" dist="19050" dir="5400000" algn="ctr" rotWithShape="0">
-              <a:srgbClr val="000000">
-                <a:alpha val="63000"/>
-              </a:srgbClr>
-            </a:outerShdw>
-          </a:effectLst>
-        </a:effectStyle>
-      </a:effectStyleLst>
-      <a:bgFillStyleLst>
-        <a:solidFill>
-          <a:schemeClr val="phClr"/>
-        </a:solidFill>
-        <a:solidFill>
-          <a:schemeClr val="phClr">
-            <a:tint val="95000"/>
-            <a:satMod val="170000"/>
-          </a:schemeClr>
-        </a:solidFill>
-        <a:gradFill rotWithShape="1">
-          <a:gsLst>
-            <a:gs pos="0">
-              <a:schemeClr val="phClr">
-                <a:tint val="93000"/>
-                <a:satMod val="150000"/>
-                <a:shade val="98000"/>
-                <a:lumMod val="102000"/>
-              </a:schemeClr>
-            </a:gs>
-            <a:gs pos="50000">
-              <a:schemeClr val="phClr">
-                <a:tint val="98000"/>
-                <a:satMod val="130000"/>
-                <a:shade val="90000"/>
-                <a:lumMod val="103000"/>
-              </a:schemeClr>
-            </a:gs>
-            <a:gs pos="100000">
-              <a:schemeClr val="phClr">
-                <a:shade val="63000"/>
+                <a:shade val="45000"/>
                 <a:satMod val="120000"/>
               </a:schemeClr>
             </a:gs>
           </a:gsLst>
-          <a:lin ang="5400000" scaled="0"/>
+          <a:path path="circle">
+            <a:fillToRect r="100000" b="100000"/>
+          </a:path>
         </a:gradFill>
+        <a:blipFill>
+          <a:blip xmlns:r="http://schemas.openxmlformats.org/officeDocument/2006/relationships" r:embed="rId1">
+            <a:duotone>
+              <a:schemeClr val="phClr">
+                <a:shade val="3000"/>
+                <a:satMod val="110000"/>
+              </a:schemeClr>
+              <a:schemeClr val="phClr">
+                <a:tint val="60000"/>
+                <a:satMod val="425000"/>
+              </a:schemeClr>
+            </a:duotone>
+          </a:blip>
+          <a:stretch>
+            <a:fillRect/>
+          </a:stretch>
+        </a:blipFill>
       </a:bgFillStyleLst>
     </a:fmtScheme>
   </a:themeElements>
   <a:objectDefaults/>
   <a:extraClrSchemeLst/>
-  <a:extLst>
-    <a:ext uri="{05A4C25C-085E-4340-85A3-A5531E510DB2}">
-      <thm15:themeFamily xmlns="" xmlns:thm15="http://schemas.microsoft.com/office/thememl/2012/main" name="Office Theme" id="{62F939B6-93AF-4DB8-9C6B-D6C7DFDC589F}" vid="{4A3C46E8-61CC-4603-A589-7422A47A8E4A}"/>
-    </a:ext>
-  </a:extLst>
 </a:theme>
 </file>
--- a/2022/June_Batch/5Javascript/others/new-version/10javascript - OOPS.pptx
+++ b/2022/June_Batch/5Javascript/others/new-version/10javascript - OOPS.pptx
@@ -16,17 +16,19 @@
     <p:sldId id="294" r:id="rId10"/>
     <p:sldId id="295" r:id="rId11"/>
     <p:sldId id="296" r:id="rId12"/>
-    <p:sldId id="297" r:id="rId13"/>
-    <p:sldId id="298" r:id="rId14"/>
-    <p:sldId id="299" r:id="rId15"/>
-    <p:sldId id="300" r:id="rId16"/>
-    <p:sldId id="301" r:id="rId17"/>
-    <p:sldId id="302" r:id="rId18"/>
-    <p:sldId id="303" r:id="rId19"/>
-    <p:sldId id="304" r:id="rId20"/>
-    <p:sldId id="305" r:id="rId21"/>
-    <p:sldId id="306" r:id="rId22"/>
-    <p:sldId id="307" r:id="rId23"/>
+    <p:sldId id="311" r:id="rId13"/>
+    <p:sldId id="297" r:id="rId14"/>
+    <p:sldId id="298" r:id="rId15"/>
+    <p:sldId id="299" r:id="rId16"/>
+    <p:sldId id="300" r:id="rId17"/>
+    <p:sldId id="301" r:id="rId18"/>
+    <p:sldId id="302" r:id="rId19"/>
+    <p:sldId id="303" r:id="rId20"/>
+    <p:sldId id="312" r:id="rId21"/>
+    <p:sldId id="304" r:id="rId22"/>
+    <p:sldId id="305" r:id="rId23"/>
+    <p:sldId id="306" r:id="rId24"/>
+    <p:sldId id="307" r:id="rId25"/>
   </p:sldIdLst>
   <p:sldSz cx="12192000" cy="6858000"/>
   <p:notesSz cx="6858000" cy="9144000"/>
@@ -127,7 +129,7 @@
   </p:defaultTextStyle>
   <p:extLst>
     <p:ext uri="{EFAFB233-063F-42B5-8137-9DF3F51BA10A}">
-      <p15:sldGuideLst xmlns="" xmlns:p15="http://schemas.microsoft.com/office/powerpoint/2012/main">
+      <p15:sldGuideLst xmlns:p15="http://schemas.microsoft.com/office/powerpoint/2012/main" xmlns="">
         <p15:guide id="1" orient="horz" pos="2160">
           <p15:clr>
             <a:srgbClr val="A4A3A4"/>
@@ -256,7 +258,7 @@
             <a:fld id="{7FCC5AE5-E495-4913-B643-A95A6AFABB00}" type="datetimeFigureOut">
               <a:rPr kumimoji="1" lang="ja-JP" altLang="en-US" smtClean="0"/>
               <a:pPr/>
-              <a:t>2022/8/25</a:t>
+              <a:t>2022/8/26</a:t>
             </a:fld>
             <a:endParaRPr kumimoji="1" lang="ja-JP" altLang="en-US"/>
           </a:p>
@@ -484,7 +486,7 @@
             <a:fld id="{7FCC5AE5-E495-4913-B643-A95A6AFABB00}" type="datetimeFigureOut">
               <a:rPr kumimoji="1" lang="ja-JP" altLang="en-US" smtClean="0"/>
               <a:pPr/>
-              <a:t>2022/8/25</a:t>
+              <a:t>2022/8/26</a:t>
             </a:fld>
             <a:endParaRPr kumimoji="1" lang="ja-JP" altLang="en-US"/>
           </a:p>
@@ -661,7 +663,7 @@
             <a:fld id="{7FCC5AE5-E495-4913-B643-A95A6AFABB00}" type="datetimeFigureOut">
               <a:rPr kumimoji="1" lang="ja-JP" altLang="en-US" smtClean="0"/>
               <a:pPr/>
-              <a:t>2022/8/25</a:t>
+              <a:t>2022/8/26</a:t>
             </a:fld>
             <a:endParaRPr kumimoji="1" lang="ja-JP" altLang="en-US"/>
           </a:p>
@@ -828,7 +830,7 @@
             <a:fld id="{7FCC5AE5-E495-4913-B643-A95A6AFABB00}" type="datetimeFigureOut">
               <a:rPr kumimoji="1" lang="ja-JP" altLang="en-US" smtClean="0"/>
               <a:pPr/>
-              <a:t>2022/8/25</a:t>
+              <a:t>2022/8/26</a:t>
             </a:fld>
             <a:endParaRPr kumimoji="1" lang="ja-JP" altLang="en-US"/>
           </a:p>
@@ -1074,7 +1076,7 @@
             <a:fld id="{7FCC5AE5-E495-4913-B643-A95A6AFABB00}" type="datetimeFigureOut">
               <a:rPr kumimoji="1" lang="ja-JP" altLang="en-US" smtClean="0"/>
               <a:pPr/>
-              <a:t>2022/8/25</a:t>
+              <a:t>2022/8/26</a:t>
             </a:fld>
             <a:endParaRPr kumimoji="1" lang="ja-JP" altLang="en-US"/>
           </a:p>
@@ -1340,7 +1342,7 @@
             <a:fld id="{7FCC5AE5-E495-4913-B643-A95A6AFABB00}" type="datetimeFigureOut">
               <a:rPr kumimoji="1" lang="ja-JP" altLang="en-US" smtClean="0"/>
               <a:pPr/>
-              <a:t>2022/8/25</a:t>
+              <a:t>2022/8/26</a:t>
             </a:fld>
             <a:endParaRPr kumimoji="1" lang="ja-JP" altLang="en-US"/>
           </a:p>
@@ -1716,7 +1718,7 @@
             <a:fld id="{7FCC5AE5-E495-4913-B643-A95A6AFABB00}" type="datetimeFigureOut">
               <a:rPr kumimoji="1" lang="ja-JP" altLang="en-US" smtClean="0"/>
               <a:pPr/>
-              <a:t>2022/8/25</a:t>
+              <a:t>2022/8/26</a:t>
             </a:fld>
             <a:endParaRPr kumimoji="1" lang="ja-JP" altLang="en-US"/>
           </a:p>
@@ -1831,7 +1833,7 @@
             <a:fld id="{7FCC5AE5-E495-4913-B643-A95A6AFABB00}" type="datetimeFigureOut">
               <a:rPr kumimoji="1" lang="ja-JP" altLang="en-US" smtClean="0"/>
               <a:pPr/>
-              <a:t>2022/8/25</a:t>
+              <a:t>2022/8/26</a:t>
             </a:fld>
             <a:endParaRPr kumimoji="1" lang="ja-JP" altLang="en-US"/>
           </a:p>
@@ -1923,7 +1925,7 @@
             <a:fld id="{7FCC5AE5-E495-4913-B643-A95A6AFABB00}" type="datetimeFigureOut">
               <a:rPr kumimoji="1" lang="ja-JP" altLang="en-US" smtClean="0"/>
               <a:pPr/>
-              <a:t>2022/8/25</a:t>
+              <a:t>2022/8/26</a:t>
             </a:fld>
             <a:endParaRPr kumimoji="1" lang="ja-JP" altLang="en-US"/>
           </a:p>
@@ -2183,7 +2185,7 @@
             <a:fld id="{7FCC5AE5-E495-4913-B643-A95A6AFABB00}" type="datetimeFigureOut">
               <a:rPr kumimoji="1" lang="ja-JP" altLang="en-US" smtClean="0"/>
               <a:pPr/>
-              <a:t>2022/8/25</a:t>
+              <a:t>2022/8/26</a:t>
             </a:fld>
             <a:endParaRPr kumimoji="1" lang="ja-JP" altLang="en-US"/>
           </a:p>
@@ -2449,7 +2451,7 @@
             <a:fld id="{7FCC5AE5-E495-4913-B643-A95A6AFABB00}" type="datetimeFigureOut">
               <a:rPr kumimoji="1" lang="ja-JP" altLang="en-US" smtClean="0"/>
               <a:pPr/>
-              <a:t>2022/8/25</a:t>
+              <a:t>2022/8/26</a:t>
             </a:fld>
             <a:endParaRPr kumimoji="1" lang="ja-JP" altLang="en-US"/>
           </a:p>
@@ -2668,7 +2670,7 @@
             <a:fld id="{7FCC5AE5-E495-4913-B643-A95A6AFABB00}" type="datetimeFigureOut">
               <a:rPr kumimoji="1" lang="ja-JP" altLang="en-US" smtClean="0"/>
               <a:pPr/>
-              <a:t>2022/8/25</a:t>
+              <a:t>2022/8/26</a:t>
             </a:fld>
             <a:endParaRPr kumimoji="1" lang="ja-JP" altLang="en-US"/>
           </a:p>
@@ -3189,7 +3191,7 @@
     </p:spTree>
     <p:extLst>
       <p:ext uri="{BB962C8B-B14F-4D97-AF65-F5344CB8AC3E}">
-        <p14:creationId xmlns="" xmlns:p14="http://schemas.microsoft.com/office/powerpoint/2010/main" val="4062787881"/>
+        <p14:creationId xmlns:p14="http://schemas.microsoft.com/office/powerpoint/2010/main" xmlns="" val="4062787881"/>
       </p:ext>
     </p:extLst>
   </p:cSld>
@@ -3264,8 +3266,8 @@
         </p:blipFill>
         <p:spPr bwMode="auto">
           <a:xfrm>
-            <a:off x="3790950" y="2439987"/>
-            <a:ext cx="4610100" cy="3028950"/>
+            <a:off x="522514" y="1789610"/>
+            <a:ext cx="11299372" cy="4310743"/>
           </a:xfrm>
           <a:prstGeom prst="rect">
             <a:avLst/>
@@ -3346,8 +3348,8 @@
         </p:blipFill>
         <p:spPr bwMode="auto">
           <a:xfrm>
-            <a:off x="3733800" y="2420937"/>
-            <a:ext cx="4724400" cy="3067050"/>
+            <a:off x="1227909" y="1254034"/>
+            <a:ext cx="10254342" cy="5199017"/>
           </a:xfrm>
           <a:prstGeom prst="rect">
             <a:avLst/>
@@ -3403,12 +3405,8 @@
           <a:lstStyle/>
           <a:p>
             <a:r>
-              <a:rPr lang="en-US" dirty="0" smtClean="0"/>
-              <a:t>OOPS in </a:t>
-            </a:r>
-            <a:r>
-              <a:rPr lang="en-US" dirty="0" err="1" smtClean="0"/>
-              <a:t>Javascript</a:t>
+              <a:rPr lang="en-IN" dirty="0" smtClean="0"/>
+              <a:t>Polymorphism</a:t>
             </a:r>
             <a:endParaRPr lang="en-US" dirty="0"/>
           </a:p>
@@ -3416,7 +3414,7 @@
       </p:sp>
       <p:pic>
         <p:nvPicPr>
-          <p:cNvPr id="8195" name="Picture 3"/>
+          <p:cNvPr id="1026" name="Picture 2"/>
           <p:cNvPicPr>
             <a:picLocks noGrp="1" noChangeAspect="1" noChangeArrowheads="1"/>
           </p:cNvPicPr>
@@ -3426,14 +3424,15 @@
         </p:nvPicPr>
         <p:blipFill>
           <a:blip r:embed="rId2"/>
+          <a:srcRect/>
           <a:stretch>
             <a:fillRect/>
           </a:stretch>
         </p:blipFill>
         <p:spPr bwMode="auto">
           <a:xfrm>
-            <a:off x="868976" y="1600200"/>
-            <a:ext cx="10454047" cy="4708525"/>
+            <a:off x="1998617" y="1600200"/>
+            <a:ext cx="8503920" cy="4708525"/>
           </a:xfrm>
           <a:prstGeom prst="rect">
             <a:avLst/>
@@ -3485,14 +3484,12 @@
         </p:nvSpPr>
         <p:spPr/>
         <p:txBody>
-          <a:bodyPr>
-            <a:normAutofit fontScale="90000"/>
-          </a:bodyPr>
+          <a:bodyPr/>
           <a:lstStyle/>
           <a:p>
             <a:r>
               <a:rPr lang="en-US" dirty="0" smtClean="0"/>
-              <a:t>3 Ways of Implementing  Prototypal Inheritance in </a:t>
+              <a:t>OOPS in </a:t>
             </a:r>
             <a:r>
               <a:rPr lang="en-US" dirty="0" err="1" smtClean="0"/>
@@ -3504,7 +3501,7 @@
       </p:sp>
       <p:pic>
         <p:nvPicPr>
-          <p:cNvPr id="9218" name="Picture 2"/>
+          <p:cNvPr id="8195" name="Picture 3"/>
           <p:cNvPicPr>
             <a:picLocks noGrp="1" noChangeAspect="1" noChangeArrowheads="1"/>
           </p:cNvPicPr>
@@ -3514,15 +3511,14 @@
         </p:nvPicPr>
         <p:blipFill>
           <a:blip r:embed="rId2"/>
-          <a:srcRect/>
           <a:stretch>
             <a:fillRect/>
           </a:stretch>
         </p:blipFill>
         <p:spPr bwMode="auto">
           <a:xfrm>
-            <a:off x="1145448" y="1604395"/>
-            <a:ext cx="9984105" cy="4430645"/>
+            <a:off x="868976" y="1600200"/>
+            <a:ext cx="10454047" cy="4708525"/>
           </a:xfrm>
           <a:prstGeom prst="rect">
             <a:avLst/>
@@ -3574,12 +3570,18 @@
         </p:nvSpPr>
         <p:spPr/>
         <p:txBody>
-          <a:bodyPr/>
+          <a:bodyPr>
+            <a:normAutofit fontScale="90000"/>
+          </a:bodyPr>
           <a:lstStyle/>
           <a:p>
             <a:r>
               <a:rPr lang="en-US" dirty="0" smtClean="0"/>
-              <a:t>Constructor Function</a:t>
+              <a:t>3 Ways of Implementing  Prototypal Inheritance in </a:t>
+            </a:r>
+            <a:r>
+              <a:rPr lang="en-US" dirty="0" err="1" smtClean="0"/>
+              <a:t>Javascript</a:t>
             </a:r>
             <a:endParaRPr lang="en-US" dirty="0"/>
           </a:p>
@@ -3587,7 +3589,7 @@
       </p:sp>
       <p:pic>
         <p:nvPicPr>
-          <p:cNvPr id="10243" name="Picture 3"/>
+          <p:cNvPr id="9218" name="Picture 2"/>
           <p:cNvPicPr>
             <a:picLocks noGrp="1" noChangeAspect="1" noChangeArrowheads="1"/>
           </p:cNvPicPr>
@@ -3597,14 +3599,15 @@
         </p:nvPicPr>
         <p:blipFill>
           <a:blip r:embed="rId2"/>
+          <a:srcRect/>
           <a:stretch>
             <a:fillRect/>
           </a:stretch>
         </p:blipFill>
         <p:spPr bwMode="auto">
           <a:xfrm>
-            <a:off x="3367087" y="2759075"/>
-            <a:ext cx="5457825" cy="2390775"/>
+            <a:off x="1145448" y="1604395"/>
+            <a:ext cx="9984105" cy="4430645"/>
           </a:xfrm>
           <a:prstGeom prst="rect">
             <a:avLst/>
@@ -3661,21 +3664,38 @@
           <a:p>
             <a:r>
               <a:rPr lang="en-US" dirty="0" smtClean="0"/>
-              <a:t>Prototypes</a:t>
+              <a:t>Constructor Function</a:t>
             </a:r>
             <a:endParaRPr lang="en-US" dirty="0"/>
+          </a:p>
+        </p:txBody>
+      </p:sp>
+      <p:sp>
+        <p:nvSpPr>
+          <p:cNvPr id="4" name="Content Placeholder 3"/>
+          <p:cNvSpPr>
+            <a:spLocks noGrp="1"/>
+          </p:cNvSpPr>
+          <p:nvPr>
+            <p:ph idx="1"/>
+          </p:nvPr>
+        </p:nvSpPr>
+        <p:spPr/>
+        <p:txBody>
+          <a:bodyPr/>
+          <a:lstStyle/>
+          <a:p>
+            <a:endParaRPr lang="en-US"/>
           </a:p>
         </p:txBody>
       </p:sp>
       <p:pic>
         <p:nvPicPr>
-          <p:cNvPr id="1026" name="Picture 2"/>
+          <p:cNvPr id="2050" name="Picture 2"/>
           <p:cNvPicPr>
-            <a:picLocks noGrp="1" noChangeAspect="1" noChangeArrowheads="1"/>
+            <a:picLocks noChangeAspect="1" noChangeArrowheads="1"/>
           </p:cNvPicPr>
-          <p:nvPr>
-            <p:ph idx="1"/>
-          </p:nvPr>
+          <p:nvPr/>
         </p:nvPicPr>
         <p:blipFill>
           <a:blip r:embed="rId2"/>
@@ -3686,8 +3706,8 @@
         </p:blipFill>
         <p:spPr bwMode="auto">
           <a:xfrm>
-            <a:off x="1096055" y="1701800"/>
-            <a:ext cx="10391775" cy="4505325"/>
+            <a:off x="718457" y="1580606"/>
+            <a:ext cx="10972800" cy="4833257"/>
           </a:xfrm>
           <a:prstGeom prst="rect">
             <a:avLst/>
@@ -3744,32 +3764,50 @@
           <a:p>
             <a:r>
               <a:rPr lang="en-US" dirty="0" smtClean="0"/>
-              <a:t>How Prototypal Inheritance</a:t>
+              <a:t>Prototypes</a:t>
             </a:r>
             <a:endParaRPr lang="en-US" dirty="0"/>
+          </a:p>
+        </p:txBody>
+      </p:sp>
+      <p:sp>
+        <p:nvSpPr>
+          <p:cNvPr id="4" name="Content Placeholder 3"/>
+          <p:cNvSpPr>
+            <a:spLocks noGrp="1"/>
+          </p:cNvSpPr>
+          <p:nvPr>
+            <p:ph idx="1"/>
+          </p:nvPr>
+        </p:nvSpPr>
+        <p:spPr/>
+        <p:txBody>
+          <a:bodyPr/>
+          <a:lstStyle/>
+          <a:p>
+            <a:endParaRPr lang="en-US"/>
           </a:p>
         </p:txBody>
       </p:sp>
       <p:pic>
         <p:nvPicPr>
-          <p:cNvPr id="12290" name="Picture 2"/>
+          <p:cNvPr id="3074" name="Picture 2"/>
           <p:cNvPicPr>
-            <a:picLocks noGrp="1" noChangeAspect="1" noChangeArrowheads="1"/>
+            <a:picLocks noChangeAspect="1" noChangeArrowheads="1"/>
           </p:cNvPicPr>
-          <p:nvPr>
-            <p:ph idx="1"/>
-          </p:nvPr>
+          <p:nvPr/>
         </p:nvPicPr>
         <p:blipFill>
           <a:blip r:embed="rId2"/>
+          <a:srcRect/>
           <a:stretch>
             <a:fillRect/>
           </a:stretch>
         </p:blipFill>
         <p:spPr bwMode="auto">
           <a:xfrm>
-            <a:off x="2900362" y="2406650"/>
-            <a:ext cx="6391275" cy="3095625"/>
+            <a:off x="657225" y="1714500"/>
+            <a:ext cx="10563225" cy="4448175"/>
           </a:xfrm>
           <a:prstGeom prst="rect">
             <a:avLst/>
@@ -3826,7 +3864,7 @@
           <a:p>
             <a:r>
               <a:rPr lang="en-US" dirty="0" smtClean="0"/>
-              <a:t>Prototype Chain</a:t>
+              <a:t>How Prototypal Inheritance</a:t>
             </a:r>
             <a:endParaRPr lang="en-US" dirty="0"/>
           </a:p>
@@ -3834,7 +3872,7 @@
       </p:sp>
       <p:pic>
         <p:nvPicPr>
-          <p:cNvPr id="13314" name="Picture 2"/>
+          <p:cNvPr id="12290" name="Picture 2"/>
           <p:cNvPicPr>
             <a:picLocks noGrp="1" noChangeAspect="1" noChangeArrowheads="1"/>
           </p:cNvPicPr>
@@ -3844,15 +3882,14 @@
         </p:nvPicPr>
         <p:blipFill>
           <a:blip r:embed="rId2"/>
-          <a:srcRect/>
           <a:stretch>
             <a:fillRect/>
           </a:stretch>
         </p:blipFill>
         <p:spPr bwMode="auto">
           <a:xfrm>
-            <a:off x="502919" y="1528468"/>
-            <a:ext cx="11149149" cy="5329532"/>
+            <a:off x="561704" y="1632858"/>
+            <a:ext cx="11077302" cy="4885508"/>
           </a:xfrm>
           <a:prstGeom prst="rect">
             <a:avLst/>
@@ -3904,14 +3941,12 @@
         </p:nvSpPr>
         <p:spPr/>
         <p:txBody>
-          <a:bodyPr>
-            <a:normAutofit fontScale="90000"/>
-          </a:bodyPr>
+          <a:bodyPr/>
           <a:lstStyle/>
           <a:p>
             <a:r>
               <a:rPr lang="en-US" dirty="0" smtClean="0"/>
-              <a:t>Prototypal  Inheritance on Built in Objects</a:t>
+              <a:t>Prototype Chain</a:t>
             </a:r>
             <a:endParaRPr lang="en-US" dirty="0"/>
           </a:p>
@@ -3919,7 +3954,7 @@
       </p:sp>
       <p:pic>
         <p:nvPicPr>
-          <p:cNvPr id="14338" name="Picture 2"/>
+          <p:cNvPr id="13314" name="Picture 2"/>
           <p:cNvPicPr>
             <a:picLocks noGrp="1" noChangeAspect="1" noChangeArrowheads="1"/>
           </p:cNvPicPr>
@@ -3936,8 +3971,8 @@
         </p:blipFill>
         <p:spPr bwMode="auto">
           <a:xfrm>
-            <a:off x="608511" y="1860618"/>
-            <a:ext cx="10743112" cy="4723062"/>
+            <a:off x="502919" y="1528468"/>
+            <a:ext cx="11149149" cy="5329532"/>
           </a:xfrm>
           <a:prstGeom prst="rect">
             <a:avLst/>
@@ -3989,45 +4024,57 @@
         </p:nvSpPr>
         <p:spPr/>
         <p:txBody>
-          <a:bodyPr/>
+          <a:bodyPr>
+            <a:normAutofit fontScale="90000"/>
+          </a:bodyPr>
           <a:lstStyle/>
           <a:p>
             <a:r>
               <a:rPr lang="en-US" dirty="0" smtClean="0"/>
-              <a:t>How </a:t>
-            </a:r>
-            <a:r>
-              <a:rPr lang="en-US" dirty="0" err="1" smtClean="0"/>
-              <a:t>Object.create</a:t>
-            </a:r>
-            <a:r>
-              <a:rPr lang="en-US" dirty="0" smtClean="0"/>
-              <a:t> Works</a:t>
+              <a:t>Prototypal  Inheritance on Built in Objects</a:t>
             </a:r>
             <a:endParaRPr lang="en-US" dirty="0"/>
+          </a:p>
+        </p:txBody>
+      </p:sp>
+      <p:sp>
+        <p:nvSpPr>
+          <p:cNvPr id="4" name="Content Placeholder 3"/>
+          <p:cNvSpPr>
+            <a:spLocks noGrp="1"/>
+          </p:cNvSpPr>
+          <p:nvPr>
+            <p:ph idx="1"/>
+          </p:nvPr>
+        </p:nvSpPr>
+        <p:spPr/>
+        <p:txBody>
+          <a:bodyPr/>
+          <a:lstStyle/>
+          <a:p>
+            <a:endParaRPr lang="en-US"/>
           </a:p>
         </p:txBody>
       </p:sp>
       <p:pic>
         <p:nvPicPr>
-          <p:cNvPr id="15363" name="Picture 3"/>
+          <p:cNvPr id="4098" name="Picture 2"/>
           <p:cNvPicPr>
-            <a:picLocks noGrp="1" noChangeAspect="1" noChangeArrowheads="1"/>
+            <a:picLocks noChangeAspect="1" noChangeArrowheads="1"/>
           </p:cNvPicPr>
-          <p:nvPr>
-            <p:ph idx="1"/>
-          </p:nvPr>
+          <p:nvPr/>
         </p:nvPicPr>
         <p:blipFill>
           <a:blip r:embed="rId2"/>
+          <a:srcRect/>
           <a:stretch>
             <a:fillRect/>
           </a:stretch>
         </p:blipFill>
         <p:spPr bwMode="auto">
           <a:xfrm>
-            <a:off x="2890837" y="2439987"/>
-            <a:ext cx="6410325" cy="3028950"/>
+            <a:off x="1856096" y="2477851"/>
+            <a:ext cx="9144000" cy="3267075"/>
           </a:xfrm>
           <a:prstGeom prst="rect">
             <a:avLst/>
@@ -4165,16 +4212,14 @@
         </p:nvSpPr>
         <p:spPr/>
         <p:txBody>
-          <a:bodyPr/>
+          <a:bodyPr>
+            <a:normAutofit fontScale="90000"/>
+          </a:bodyPr>
           <a:lstStyle/>
           <a:p>
             <a:r>
               <a:rPr lang="en-US" dirty="0" smtClean="0"/>
-              <a:t>Inheritance in </a:t>
-            </a:r>
-            <a:r>
-              <a:rPr lang="en-US" dirty="0" err="1" smtClean="0"/>
-              <a:t>Object.create</a:t>
+              <a:t>Prototypal  Inheritance on Built in Objects</a:t>
             </a:r>
             <a:endParaRPr lang="en-US" dirty="0"/>
           </a:p>
@@ -4182,7 +4227,7 @@
       </p:sp>
       <p:pic>
         <p:nvPicPr>
-          <p:cNvPr id="16387" name="Picture 3"/>
+          <p:cNvPr id="5122" name="Picture 2"/>
           <p:cNvPicPr>
             <a:picLocks noGrp="1" noChangeAspect="1" noChangeArrowheads="1"/>
           </p:cNvPicPr>
@@ -4199,8 +4244,8 @@
         </p:blipFill>
         <p:spPr bwMode="auto">
           <a:xfrm>
-            <a:off x="818741" y="2001043"/>
-            <a:ext cx="10232436" cy="4386693"/>
+            <a:off x="750626" y="1487607"/>
+            <a:ext cx="10208525" cy="4954136"/>
           </a:xfrm>
           <a:prstGeom prst="rect">
             <a:avLst/>
@@ -4257,19 +4302,23 @@
           <a:p>
             <a:r>
               <a:rPr lang="en-US" dirty="0" smtClean="0"/>
-              <a:t>Inheritance – </a:t>
+              <a:t>How </a:t>
             </a:r>
             <a:r>
               <a:rPr lang="en-US" dirty="0" err="1" smtClean="0"/>
               <a:t>Object.create</a:t>
             </a:r>
+            <a:r>
+              <a:rPr lang="en-US" dirty="0" smtClean="0"/>
+              <a:t> Works</a:t>
+            </a:r>
             <a:endParaRPr lang="en-US" dirty="0"/>
           </a:p>
         </p:txBody>
       </p:sp>
       <p:pic>
         <p:nvPicPr>
-          <p:cNvPr id="17410" name="Picture 2"/>
+          <p:cNvPr id="15363" name="Picture 3"/>
           <p:cNvPicPr>
             <a:picLocks noGrp="1" noChangeAspect="1" noChangeArrowheads="1"/>
           </p:cNvPicPr>
@@ -4279,15 +4328,14 @@
         </p:nvPicPr>
         <p:blipFill>
           <a:blip r:embed="rId2"/>
-          <a:srcRect/>
           <a:stretch>
             <a:fillRect/>
           </a:stretch>
         </p:blipFill>
         <p:spPr bwMode="auto">
           <a:xfrm>
-            <a:off x="862149" y="1829865"/>
-            <a:ext cx="5460274" cy="4374992"/>
+            <a:off x="2890837" y="2439987"/>
+            <a:ext cx="6410325" cy="3028950"/>
           </a:xfrm>
           <a:prstGeom prst="rect">
             <a:avLst/>
@@ -4344,7 +4392,11 @@
           <a:p>
             <a:r>
               <a:rPr lang="en-US" dirty="0" smtClean="0"/>
-              <a:t>Chaining Methods</a:t>
+              <a:t>Inheritance in </a:t>
+            </a:r>
+            <a:r>
+              <a:rPr lang="en-US" dirty="0" err="1" smtClean="0"/>
+              <a:t>Object.create</a:t>
             </a:r>
             <a:endParaRPr lang="en-US" dirty="0"/>
           </a:p>
@@ -4352,7 +4404,7 @@
       </p:sp>
       <p:pic>
         <p:nvPicPr>
-          <p:cNvPr id="18434" name="Picture 2"/>
+          <p:cNvPr id="16387" name="Picture 3"/>
           <p:cNvPicPr>
             <a:picLocks noGrp="1" noChangeAspect="1" noChangeArrowheads="1"/>
           </p:cNvPicPr>
@@ -4369,8 +4421,212 @@
         </p:blipFill>
         <p:spPr bwMode="auto">
           <a:xfrm>
-            <a:off x="839017" y="1530509"/>
-            <a:ext cx="10669360" cy="4922542"/>
+            <a:off x="818741" y="2001043"/>
+            <a:ext cx="10232436" cy="4386693"/>
+          </a:xfrm>
+          <a:prstGeom prst="rect">
+            <a:avLst/>
+          </a:prstGeom>
+          <a:noFill/>
+          <a:ln w="9525">
+            <a:noFill/>
+            <a:miter lim="800000"/>
+            <a:headEnd/>
+            <a:tailEnd/>
+          </a:ln>
+          <a:effectLst/>
+        </p:spPr>
+      </p:pic>
+    </p:spTree>
+  </p:cSld>
+  <p:clrMapOvr>
+    <a:masterClrMapping/>
+  </p:clrMapOvr>
+</p:sld>
+</file>
+
+<file path=ppt/slides/slide23.xml><?xml version="1.0" encoding="utf-8"?>
+<p:sld xmlns:a="http://schemas.openxmlformats.org/drawingml/2006/main" xmlns:r="http://schemas.openxmlformats.org/officeDocument/2006/relationships" xmlns:p="http://schemas.openxmlformats.org/presentationml/2006/main">
+  <p:cSld>
+    <p:spTree>
+      <p:nvGrpSpPr>
+        <p:cNvPr id="1" name=""/>
+        <p:cNvGrpSpPr/>
+        <p:nvPr/>
+      </p:nvGrpSpPr>
+      <p:grpSpPr>
+        <a:xfrm>
+          <a:off x="0" y="0"/>
+          <a:ext cx="0" cy="0"/>
+          <a:chOff x="0" y="0"/>
+          <a:chExt cx="0" cy="0"/>
+        </a:xfrm>
+      </p:grpSpPr>
+      <p:sp>
+        <p:nvSpPr>
+          <p:cNvPr id="2" name="Title 1"/>
+          <p:cNvSpPr>
+            <a:spLocks noGrp="1"/>
+          </p:cNvSpPr>
+          <p:nvPr>
+            <p:ph type="title"/>
+          </p:nvPr>
+        </p:nvSpPr>
+        <p:spPr/>
+        <p:txBody>
+          <a:bodyPr/>
+          <a:lstStyle/>
+          <a:p>
+            <a:r>
+              <a:rPr lang="en-US" dirty="0" smtClean="0"/>
+              <a:t>Inheritance – </a:t>
+            </a:r>
+            <a:r>
+              <a:rPr lang="en-US" dirty="0" err="1" smtClean="0"/>
+              <a:t>Object.create</a:t>
+            </a:r>
+            <a:endParaRPr lang="en-US" dirty="0"/>
+          </a:p>
+        </p:txBody>
+      </p:sp>
+      <p:sp>
+        <p:nvSpPr>
+          <p:cNvPr id="4" name="Content Placeholder 3"/>
+          <p:cNvSpPr>
+            <a:spLocks noGrp="1"/>
+          </p:cNvSpPr>
+          <p:nvPr>
+            <p:ph idx="1"/>
+          </p:nvPr>
+        </p:nvSpPr>
+        <p:spPr/>
+        <p:txBody>
+          <a:bodyPr/>
+          <a:lstStyle/>
+          <a:p>
+            <a:endParaRPr lang="en-US"/>
+          </a:p>
+        </p:txBody>
+      </p:sp>
+      <p:pic>
+        <p:nvPicPr>
+          <p:cNvPr id="1026" name="Picture 2"/>
+          <p:cNvPicPr>
+            <a:picLocks noChangeAspect="1" noChangeArrowheads="1"/>
+          </p:cNvPicPr>
+          <p:nvPr/>
+        </p:nvPicPr>
+        <p:blipFill>
+          <a:blip r:embed="rId2"/>
+          <a:srcRect/>
+          <a:stretch>
+            <a:fillRect/>
+          </a:stretch>
+        </p:blipFill>
+        <p:spPr bwMode="auto">
+          <a:xfrm>
+            <a:off x="2442949" y="1910190"/>
+            <a:ext cx="6946711" cy="4238625"/>
+          </a:xfrm>
+          <a:prstGeom prst="rect">
+            <a:avLst/>
+          </a:prstGeom>
+          <a:noFill/>
+          <a:ln w="9525">
+            <a:noFill/>
+            <a:miter lim="800000"/>
+            <a:headEnd/>
+            <a:tailEnd/>
+          </a:ln>
+          <a:effectLst/>
+        </p:spPr>
+      </p:pic>
+    </p:spTree>
+  </p:cSld>
+  <p:clrMapOvr>
+    <a:masterClrMapping/>
+  </p:clrMapOvr>
+</p:sld>
+</file>
+
+<file path=ppt/slides/slide24.xml><?xml version="1.0" encoding="utf-8"?>
+<p:sld xmlns:a="http://schemas.openxmlformats.org/drawingml/2006/main" xmlns:r="http://schemas.openxmlformats.org/officeDocument/2006/relationships" xmlns:p="http://schemas.openxmlformats.org/presentationml/2006/main">
+  <p:cSld>
+    <p:spTree>
+      <p:nvGrpSpPr>
+        <p:cNvPr id="1" name=""/>
+        <p:cNvGrpSpPr/>
+        <p:nvPr/>
+      </p:nvGrpSpPr>
+      <p:grpSpPr>
+        <a:xfrm>
+          <a:off x="0" y="0"/>
+          <a:ext cx="0" cy="0"/>
+          <a:chOff x="0" y="0"/>
+          <a:chExt cx="0" cy="0"/>
+        </a:xfrm>
+      </p:grpSpPr>
+      <p:sp>
+        <p:nvSpPr>
+          <p:cNvPr id="2" name="Title 1"/>
+          <p:cNvSpPr>
+            <a:spLocks noGrp="1"/>
+          </p:cNvSpPr>
+          <p:nvPr>
+            <p:ph type="title"/>
+          </p:nvPr>
+        </p:nvSpPr>
+        <p:spPr/>
+        <p:txBody>
+          <a:bodyPr/>
+          <a:lstStyle/>
+          <a:p>
+            <a:r>
+              <a:rPr lang="en-US" dirty="0" smtClean="0"/>
+              <a:t>Chaining Methods</a:t>
+            </a:r>
+            <a:endParaRPr lang="en-US" dirty="0"/>
+          </a:p>
+        </p:txBody>
+      </p:sp>
+      <p:sp>
+        <p:nvSpPr>
+          <p:cNvPr id="4" name="Content Placeholder 3"/>
+          <p:cNvSpPr>
+            <a:spLocks noGrp="1"/>
+          </p:cNvSpPr>
+          <p:nvPr>
+            <p:ph idx="1"/>
+          </p:nvPr>
+        </p:nvSpPr>
+        <p:spPr/>
+        <p:txBody>
+          <a:bodyPr/>
+          <a:lstStyle/>
+          <a:p>
+            <a:endParaRPr lang="en-US"/>
+          </a:p>
+        </p:txBody>
+      </p:sp>
+      <p:pic>
+        <p:nvPicPr>
+          <p:cNvPr id="2050" name="Picture 2"/>
+          <p:cNvPicPr>
+            <a:picLocks noChangeAspect="1" noChangeArrowheads="1"/>
+          </p:cNvPicPr>
+          <p:nvPr/>
+        </p:nvPicPr>
+        <p:blipFill>
+          <a:blip r:embed="rId2"/>
+          <a:srcRect/>
+          <a:stretch>
+            <a:fillRect/>
+          </a:stretch>
+        </p:blipFill>
+        <p:spPr bwMode="auto">
+          <a:xfrm>
+            <a:off x="1146412" y="1742293"/>
+            <a:ext cx="9935570" cy="4219575"/>
           </a:xfrm>
           <a:prstGeom prst="rect">
             <a:avLst/>
@@ -4904,8 +5160,8 @@
         </p:blipFill>
         <p:spPr bwMode="auto">
           <a:xfrm>
-            <a:off x="3686175" y="2420937"/>
-            <a:ext cx="4819650" cy="3067050"/>
+            <a:off x="248194" y="1797784"/>
+            <a:ext cx="11038115" cy="4851210"/>
           </a:xfrm>
           <a:prstGeom prst="rect">
             <a:avLst/>
@@ -4986,8 +5242,8 @@
         </p:blipFill>
         <p:spPr bwMode="auto">
           <a:xfrm>
-            <a:off x="3667125" y="2430462"/>
-            <a:ext cx="4857750" cy="3048000"/>
+            <a:off x="731520" y="1476103"/>
+            <a:ext cx="10776857" cy="4676503"/>
           </a:xfrm>
           <a:prstGeom prst="rect">
             <a:avLst/>

--- a/2022/June_Batch/5Javascript/others/new-version/10javascript - OOPS.pptx
+++ b/2022/June_Batch/5Javascript/others/new-version/10javascript - OOPS.pptx
@@ -28,7 +28,8 @@
     <p:sldId id="304" r:id="rId22"/>
     <p:sldId id="305" r:id="rId23"/>
     <p:sldId id="306" r:id="rId24"/>
-    <p:sldId id="307" r:id="rId25"/>
+    <p:sldId id="313" r:id="rId25"/>
+    <p:sldId id="307" r:id="rId26"/>
   </p:sldIdLst>
   <p:sldSz cx="12192000" cy="6858000"/>
   <p:notesSz cx="6858000" cy="9144000"/>
@@ -129,7 +130,7 @@
   </p:defaultTextStyle>
   <p:extLst>
     <p:ext uri="{EFAFB233-063F-42B5-8137-9DF3F51BA10A}">
-      <p15:sldGuideLst xmlns:p15="http://schemas.microsoft.com/office/powerpoint/2012/main" xmlns="">
+      <p15:sldGuideLst xmlns="" xmlns:p15="http://schemas.microsoft.com/office/powerpoint/2012/main">
         <p15:guide id="1" orient="horz" pos="2160">
           <p15:clr>
             <a:srgbClr val="A4A3A4"/>
@@ -258,7 +259,7 @@
             <a:fld id="{7FCC5AE5-E495-4913-B643-A95A6AFABB00}" type="datetimeFigureOut">
               <a:rPr kumimoji="1" lang="ja-JP" altLang="en-US" smtClean="0"/>
               <a:pPr/>
-              <a:t>2022/8/26</a:t>
+              <a:t>2022/8/27</a:t>
             </a:fld>
             <a:endParaRPr kumimoji="1" lang="ja-JP" altLang="en-US"/>
           </a:p>
@@ -486,7 +487,7 @@
             <a:fld id="{7FCC5AE5-E495-4913-B643-A95A6AFABB00}" type="datetimeFigureOut">
               <a:rPr kumimoji="1" lang="ja-JP" altLang="en-US" smtClean="0"/>
               <a:pPr/>
-              <a:t>2022/8/26</a:t>
+              <a:t>2022/8/27</a:t>
             </a:fld>
             <a:endParaRPr kumimoji="1" lang="ja-JP" altLang="en-US"/>
           </a:p>
@@ -663,7 +664,7 @@
             <a:fld id="{7FCC5AE5-E495-4913-B643-A95A6AFABB00}" type="datetimeFigureOut">
               <a:rPr kumimoji="1" lang="ja-JP" altLang="en-US" smtClean="0"/>
               <a:pPr/>
-              <a:t>2022/8/26</a:t>
+              <a:t>2022/8/27</a:t>
             </a:fld>
             <a:endParaRPr kumimoji="1" lang="ja-JP" altLang="en-US"/>
           </a:p>
@@ -830,7 +831,7 @@
             <a:fld id="{7FCC5AE5-E495-4913-B643-A95A6AFABB00}" type="datetimeFigureOut">
               <a:rPr kumimoji="1" lang="ja-JP" altLang="en-US" smtClean="0"/>
               <a:pPr/>
-              <a:t>2022/8/26</a:t>
+              <a:t>2022/8/27</a:t>
             </a:fld>
             <a:endParaRPr kumimoji="1" lang="ja-JP" altLang="en-US"/>
           </a:p>
@@ -1076,7 +1077,7 @@
             <a:fld id="{7FCC5AE5-E495-4913-B643-A95A6AFABB00}" type="datetimeFigureOut">
               <a:rPr kumimoji="1" lang="ja-JP" altLang="en-US" smtClean="0"/>
               <a:pPr/>
-              <a:t>2022/8/26</a:t>
+              <a:t>2022/8/27</a:t>
             </a:fld>
             <a:endParaRPr kumimoji="1" lang="ja-JP" altLang="en-US"/>
           </a:p>
@@ -1342,7 +1343,7 @@
             <a:fld id="{7FCC5AE5-E495-4913-B643-A95A6AFABB00}" type="datetimeFigureOut">
               <a:rPr kumimoji="1" lang="ja-JP" altLang="en-US" smtClean="0"/>
               <a:pPr/>
-              <a:t>2022/8/26</a:t>
+              <a:t>2022/8/27</a:t>
             </a:fld>
             <a:endParaRPr kumimoji="1" lang="ja-JP" altLang="en-US"/>
           </a:p>
@@ -1718,7 +1719,7 @@
             <a:fld id="{7FCC5AE5-E495-4913-B643-A95A6AFABB00}" type="datetimeFigureOut">
               <a:rPr kumimoji="1" lang="ja-JP" altLang="en-US" smtClean="0"/>
               <a:pPr/>
-              <a:t>2022/8/26</a:t>
+              <a:t>2022/8/27</a:t>
             </a:fld>
             <a:endParaRPr kumimoji="1" lang="ja-JP" altLang="en-US"/>
           </a:p>
@@ -1833,7 +1834,7 @@
             <a:fld id="{7FCC5AE5-E495-4913-B643-A95A6AFABB00}" type="datetimeFigureOut">
               <a:rPr kumimoji="1" lang="ja-JP" altLang="en-US" smtClean="0"/>
               <a:pPr/>
-              <a:t>2022/8/26</a:t>
+              <a:t>2022/8/27</a:t>
             </a:fld>
             <a:endParaRPr kumimoji="1" lang="ja-JP" altLang="en-US"/>
           </a:p>
@@ -1925,7 +1926,7 @@
             <a:fld id="{7FCC5AE5-E495-4913-B643-A95A6AFABB00}" type="datetimeFigureOut">
               <a:rPr kumimoji="1" lang="ja-JP" altLang="en-US" smtClean="0"/>
               <a:pPr/>
-              <a:t>2022/8/26</a:t>
+              <a:t>2022/8/27</a:t>
             </a:fld>
             <a:endParaRPr kumimoji="1" lang="ja-JP" altLang="en-US"/>
           </a:p>
@@ -2185,7 +2186,7 @@
             <a:fld id="{7FCC5AE5-E495-4913-B643-A95A6AFABB00}" type="datetimeFigureOut">
               <a:rPr kumimoji="1" lang="ja-JP" altLang="en-US" smtClean="0"/>
               <a:pPr/>
-              <a:t>2022/8/26</a:t>
+              <a:t>2022/8/27</a:t>
             </a:fld>
             <a:endParaRPr kumimoji="1" lang="ja-JP" altLang="en-US"/>
           </a:p>
@@ -2451,7 +2452,7 @@
             <a:fld id="{7FCC5AE5-E495-4913-B643-A95A6AFABB00}" type="datetimeFigureOut">
               <a:rPr kumimoji="1" lang="ja-JP" altLang="en-US" smtClean="0"/>
               <a:pPr/>
-              <a:t>2022/8/26</a:t>
+              <a:t>2022/8/27</a:t>
             </a:fld>
             <a:endParaRPr kumimoji="1" lang="ja-JP" altLang="en-US"/>
           </a:p>
@@ -2670,7 +2671,7 @@
             <a:fld id="{7FCC5AE5-E495-4913-B643-A95A6AFABB00}" type="datetimeFigureOut">
               <a:rPr kumimoji="1" lang="ja-JP" altLang="en-US" smtClean="0"/>
               <a:pPr/>
-              <a:t>2022/8/26</a:t>
+              <a:t>2022/8/27</a:t>
             </a:fld>
             <a:endParaRPr kumimoji="1" lang="ja-JP" altLang="en-US"/>
           </a:p>
@@ -3191,7 +3192,7 @@
     </p:spTree>
     <p:extLst>
       <p:ext uri="{BB962C8B-B14F-4D97-AF65-F5344CB8AC3E}">
-        <p14:creationId xmlns:p14="http://schemas.microsoft.com/office/powerpoint/2010/main" xmlns="" val="4062787881"/>
+        <p14:creationId xmlns="" xmlns:p14="http://schemas.microsoft.com/office/powerpoint/2010/main" val="4062787881"/>
       </p:ext>
     </p:extLst>
   </p:cSld>
@@ -3664,7 +3665,11 @@
           <a:p>
             <a:r>
               <a:rPr lang="en-US" dirty="0" smtClean="0"/>
-              <a:t>Constructor Function</a:t>
+              <a:t>1.Constructor </a:t>
+            </a:r>
+            <a:r>
+              <a:rPr lang="en-US" dirty="0" smtClean="0"/>
+              <a:t>Function</a:t>
             </a:r>
             <a:endParaRPr lang="en-US" dirty="0"/>
           </a:p>
@@ -4302,7 +4307,7 @@
           <a:p>
             <a:r>
               <a:rPr lang="en-US" dirty="0" smtClean="0"/>
-              <a:t>How </a:t>
+              <a:t>3.How </a:t>
             </a:r>
             <a:r>
               <a:rPr lang="en-US" dirty="0" err="1" smtClean="0"/>
@@ -4334,8 +4339,8 @@
         </p:blipFill>
         <p:spPr bwMode="auto">
           <a:xfrm>
-            <a:off x="2890837" y="2439987"/>
-            <a:ext cx="6410325" cy="3028950"/>
+            <a:off x="477672" y="1514901"/>
+            <a:ext cx="11714327" cy="4940490"/>
           </a:xfrm>
           <a:prstGeom prst="rect">
             <a:avLst/>
@@ -4550,6 +4555,89 @@
 </file>
 
 <file path=ppt/slides/slide24.xml><?xml version="1.0" encoding="utf-8"?>
+<p:sld xmlns:a="http://schemas.openxmlformats.org/drawingml/2006/main" xmlns:r="http://schemas.openxmlformats.org/officeDocument/2006/relationships" xmlns:p="http://schemas.openxmlformats.org/presentationml/2006/main">
+  <p:cSld>
+    <p:spTree>
+      <p:nvGrpSpPr>
+        <p:cNvPr id="1" name=""/>
+        <p:cNvGrpSpPr/>
+        <p:nvPr/>
+      </p:nvGrpSpPr>
+      <p:grpSpPr>
+        <a:xfrm>
+          <a:off x="0" y="0"/>
+          <a:ext cx="0" cy="0"/>
+          <a:chOff x="0" y="0"/>
+          <a:chExt cx="0" cy="0"/>
+        </a:xfrm>
+      </p:grpSpPr>
+      <p:sp>
+        <p:nvSpPr>
+          <p:cNvPr id="2" name="Title 1"/>
+          <p:cNvSpPr>
+            <a:spLocks noGrp="1"/>
+          </p:cNvSpPr>
+          <p:nvPr>
+            <p:ph type="title"/>
+          </p:nvPr>
+        </p:nvSpPr>
+        <p:spPr/>
+        <p:txBody>
+          <a:bodyPr/>
+          <a:lstStyle/>
+          <a:p>
+            <a:r>
+              <a:rPr lang="en-IN" dirty="0" smtClean="0"/>
+              <a:t>Abstraction</a:t>
+            </a:r>
+            <a:endParaRPr lang="en-US" dirty="0"/>
+          </a:p>
+        </p:txBody>
+      </p:sp>
+      <p:pic>
+        <p:nvPicPr>
+          <p:cNvPr id="1026" name="Picture 2"/>
+          <p:cNvPicPr>
+            <a:picLocks noGrp="1" noChangeAspect="1" noChangeArrowheads="1"/>
+          </p:cNvPicPr>
+          <p:nvPr>
+            <p:ph idx="1"/>
+          </p:nvPr>
+        </p:nvPicPr>
+        <p:blipFill>
+          <a:blip r:embed="rId2"/>
+          <a:srcRect/>
+          <a:stretch>
+            <a:fillRect/>
+          </a:stretch>
+        </p:blipFill>
+        <p:spPr bwMode="auto">
+          <a:xfrm>
+            <a:off x="1801503" y="1600200"/>
+            <a:ext cx="9212239" cy="4708525"/>
+          </a:xfrm>
+          <a:prstGeom prst="rect">
+            <a:avLst/>
+          </a:prstGeom>
+          <a:noFill/>
+          <a:ln w="9525">
+            <a:noFill/>
+            <a:miter lim="800000"/>
+            <a:headEnd/>
+            <a:tailEnd/>
+          </a:ln>
+          <a:effectLst/>
+        </p:spPr>
+      </p:pic>
+    </p:spTree>
+  </p:cSld>
+  <p:clrMapOvr>
+    <a:masterClrMapping/>
+  </p:clrMapOvr>
+</p:sld>
+</file>
+
+<file path=ppt/slides/slide25.xml><?xml version="1.0" encoding="utf-8"?>
 <p:sld xmlns:a="http://schemas.openxmlformats.org/drawingml/2006/main" xmlns:r="http://schemas.openxmlformats.org/officeDocument/2006/relationships" xmlns:p="http://schemas.openxmlformats.org/presentationml/2006/main">
   <p:cSld>
     <p:spTree>
